--- a/Azure Storage.pptx
+++ b/Azure Storage.pptx
@@ -15,6 +15,21 @@
     <p:sldId id="262" r:id="rId9"/>
     <p:sldId id="264" r:id="rId10"/>
     <p:sldId id="265" r:id="rId11"/>
+    <p:sldId id="266" r:id="rId12"/>
+    <p:sldId id="267" r:id="rId13"/>
+    <p:sldId id="268" r:id="rId14"/>
+    <p:sldId id="269" r:id="rId15"/>
+    <p:sldId id="270" r:id="rId16"/>
+    <p:sldId id="271" r:id="rId17"/>
+    <p:sldId id="272" r:id="rId18"/>
+    <p:sldId id="279" r:id="rId19"/>
+    <p:sldId id="280" r:id="rId20"/>
+    <p:sldId id="273" r:id="rId21"/>
+    <p:sldId id="274" r:id="rId22"/>
+    <p:sldId id="275" r:id="rId23"/>
+    <p:sldId id="276" r:id="rId24"/>
+    <p:sldId id="277" r:id="rId25"/>
+    <p:sldId id="278" r:id="rId26"/>
   </p:sldIdLst>
   <p:sldSz cx="12192000" cy="6858000"/>
   <p:notesSz cx="6858000" cy="9144000"/>
@@ -137,234 +152,18 @@
           <inkml:channelProperty channel="F" name="resolution" value="0" units="1/dev"/>
         </inkml:channelProperties>
       </inkml:inkSource>
-      <inkml:timestamp xml:id="ts0" timeString="2024-03-23T06:01:28.174"/>
+      <inkml:timestamp xml:id="ts0" timeString="2024-01-21T13:44:28.419"/>
     </inkml:context>
     <inkml:brush xml:id="br0">
       <inkml:brushProperty name="width" value="0.05" units="cm"/>
       <inkml:brushProperty name="height" value="0.05" units="cm"/>
     </inkml:brush>
   </inkml:definitions>
-  <inkml:trace contextRef="#ctx0" brushRef="#br0">10 145 1040,'0'0'694,"-3"-9"316,1 5 1987,-2-10-38,3 18-147,5 22-187,-4-21-3313,1 0 737,-1 0 1,1-1-1,0 1 0,0 0 1,0-1-1,1 0 0,-1 1 0,1-1 1,0 0-1,1 0 0,-1 0 0,1 0 1,-1 0-1,1 0 0,1-1 0,-1 1 1,0-1-1,1 0 0,-1 0 0,1 0 1,0-1-1,0 1 0,0-1 0,0 0 1,1 0-1,-1 0 0,0-1 0,1 1 1,-1-1-1,1 0 0,6 0 0,7 0 8,0-1-1,0 0 0,-1-2 0,1 0 0,0-1 1,27-8-1,109-37 199,173-78 1,-281 106-328,21-8 62,-25 12-3991</inkml:trace>
+  <inkml:trace contextRef="#ctx0" brushRef="#br0">1 139 1276,'1'-3'8834,"2"11"-6471,7 24-1173,9 28-754,-17-54-331,1-1 0,0 1 1,0-1-1,0 0 0,0 1 1,1-1-1,0-1 0,7 8 1,-7-9-67,-1 0 1,1-1 0,0 0 0,0 1-1,0-1 1,0-1 0,1 1-1,-1-1 1,0 1 0,1-1-1,-1-1 1,9 2 0,8-2 31,1 0 0,-1-1 0,1-1-1,-1-2 1,1 0 0,29-10 0,123-51 149,-149 55-202,339-156-98,-347 158-714,22-16 0,-19 8-5774</inkml:trace>
 </inkml:ink>
 </file>
 
 <file path=ppt/ink/ink10.xml><?xml version="1.0" encoding="utf-8"?>
-<inkml:ink xmlns:inkml="http://www.w3.org/2003/InkML">
-  <inkml:definitions>
-    <inkml:context xml:id="ctx0">
-      <inkml:inkSource xml:id="inkSrc0">
-        <inkml:traceFormat>
-          <inkml:channel name="X" type="integer" min="-2.14748E9" max="2.14748E9" units="cm"/>
-          <inkml:channel name="Y" type="integer" min="-2.14748E9" max="2.14748E9" units="cm"/>
-          <inkml:channel name="F" type="integer" max="32767" units="dev"/>
-        </inkml:traceFormat>
-        <inkml:channelProperties>
-          <inkml:channelProperty channel="X" name="resolution" value="1000" units="1/cm"/>
-          <inkml:channelProperty channel="Y" name="resolution" value="1000" units="1/cm"/>
-          <inkml:channelProperty channel="F" name="resolution" value="0" units="1/dev"/>
-        </inkml:channelProperties>
-      </inkml:inkSource>
-      <inkml:timestamp xml:id="ts0" timeString="2024-03-23T06:02:25.970"/>
-    </inkml:context>
-    <inkml:brush xml:id="br0">
-      <inkml:brushProperty name="width" value="0.05" units="cm"/>
-      <inkml:brushProperty name="height" value="0.05" units="cm"/>
-    </inkml:brush>
-  </inkml:definitions>
-  <inkml:trace contextRef="#ctx0" brushRef="#br0">0 201 952,'1'2'7592,"3"17"-7526,-4-16-11,1 0-1,0 0 0,-1 0 1,1 0-1,1 0 1,-1 0-1,0 0 1,1 0-1,0-1 1,-1 1-1,1 0 1,0-1-1,0 1 0,1-1 1,-1 0-1,0 0 1,1 0-1,-1 0 1,1 0-1,0-1 1,0 1-1,-1-1 1,1 0-1,0 1 0,0-1 1,0 0-1,0-1 1,1 1-1,-1-1 1,0 1-1,4-1 1,6-1 41,1 0 0,0-1 0,0 0 1,-1-1-1,22-8 0,-22 7-88,188-75 394,-100 35-271,141-61-9,-217 91-362,13-5-2927</inkml:trace>
-</inkml:ink>
-</file>
-
-<file path=ppt/ink/ink11.xml><?xml version="1.0" encoding="utf-8"?>
-<inkml:ink xmlns:inkml="http://www.w3.org/2003/InkML">
-  <inkml:definitions>
-    <inkml:context xml:id="ctx0">
-      <inkml:inkSource xml:id="inkSrc0">
-        <inkml:traceFormat>
-          <inkml:channel name="X" type="integer" min="-2.14748E9" max="2.14748E9" units="cm"/>
-          <inkml:channel name="Y" type="integer" min="-2.14748E9" max="2.14748E9" units="cm"/>
-          <inkml:channel name="F" type="integer" max="32767" units="dev"/>
-        </inkml:traceFormat>
-        <inkml:channelProperties>
-          <inkml:channelProperty channel="X" name="resolution" value="1000" units="1/cm"/>
-          <inkml:channelProperty channel="Y" name="resolution" value="1000" units="1/cm"/>
-          <inkml:channelProperty channel="F" name="resolution" value="0" units="1/dev"/>
-        </inkml:channelProperties>
-      </inkml:inkSource>
-      <inkml:timestamp xml:id="ts0" timeString="2024-03-23T06:02:48.760"/>
-    </inkml:context>
-    <inkml:brush xml:id="br0">
-      <inkml:brushProperty name="width" value="0.05" units="cm"/>
-      <inkml:brushProperty name="height" value="0.05" units="cm"/>
-    </inkml:brush>
-  </inkml:definitions>
-  <inkml:trace contextRef="#ctx0" brushRef="#br0">8 21 1340,'0'0'3657,"-3"-9"3660,3 9-7287,0 0-1,0 0 1,0 0-1,0-1 0,0 1 1,0 0-1,0 0 1,-1 0-1,1 0 0,0 0 1,0 0-1,0 0 1,0 0-1,0 0 1,0 0-1,0 0 0,-1 0 1,1 0-1,0 0 1,0 0-1,0 0 0,0 0 1,0 0-1,0 0 1,0 0-1,0 0 0,-1 0 1,1 0-1,0 0 1,0 0-1,0 0 0,0 1 1,0-1-1,0 0 1,0 0-1,0 0 0,0 0 1,-1 0-1,1 0 1,0 0-1,0 0 0,0 0 1,0 0-1,0 1 1,0-1-1,0 0 0,0 0 1,0 0-1,0 0 1,0 0-1,0 0 0,0 0 1,0 0-1,0 1 1,0-1-1,0 0 0,0 0 1,0 0-1,0 0 1,0 0-1,0 0 0,0 0 1,0 1-1,0-1 1,0 0-1,0 0 0,5 14 444,12 21-231,-12-28-192,-1 1 0,1-1 0,1 0 0,0 0 1,0 0-1,0-1 0,0 0 0,1-1 0,0 1 0,0-1 1,1 0-1,0-1 0,0 0 0,0 0 0,0-1 1,0 0-1,1 0 0,-1-1 0,1 0 0,-1 0 0,1-1 1,15 0-1,-5-1-29,0-2 0,-1 0 0,1 0 0,34-12 0,70-30 19,-98 34-49,42-17-206,-16 5-1529,88-24 1,-125 46-442,-11 1 1515</inkml:trace>
-</inkml:ink>
-</file>
-
-<file path=ppt/ink/ink12.xml><?xml version="1.0" encoding="utf-8"?>
-<inkml:ink xmlns:inkml="http://www.w3.org/2003/InkML">
-  <inkml:definitions>
-    <inkml:context xml:id="ctx0">
-      <inkml:inkSource xml:id="inkSrc0">
-        <inkml:traceFormat>
-          <inkml:channel name="X" type="integer" min="-2.14748E9" max="2.14748E9" units="cm"/>
-          <inkml:channel name="Y" type="integer" min="-2.14748E9" max="2.14748E9" units="cm"/>
-          <inkml:channel name="F" type="integer" max="32767" units="dev"/>
-        </inkml:traceFormat>
-        <inkml:channelProperties>
-          <inkml:channelProperty channel="X" name="resolution" value="1000" units="1/cm"/>
-          <inkml:channelProperty channel="Y" name="resolution" value="1000" units="1/cm"/>
-          <inkml:channelProperty channel="F" name="resolution" value="0" units="1/dev"/>
-        </inkml:channelProperties>
-      </inkml:inkSource>
-      <inkml:timestamp xml:id="ts0" timeString="2024-03-23T06:03:03.167"/>
-    </inkml:context>
-    <inkml:brush xml:id="br0">
-      <inkml:brushProperty name="width" value="0.05" units="cm"/>
-      <inkml:brushProperty name="height" value="0.05" units="cm"/>
-    </inkml:brush>
-  </inkml:definitions>
-  <inkml:trace contextRef="#ctx0" brushRef="#br0">34 226 844,'0'0'787,"-5"-10"2827,3 5-4113,-15-13 9674,8 14-7778,10 9-1248,1 5-62,1 0 0,0-1 0,1 1 0,0-1 0,1 0 0,0 0 0,0-1 0,6 9 0,-6-12-53,-1 0-1,1 0 1,-1 0-1,1-1 0,1 0 1,-1 0-1,0 0 1,1 0-1,0-1 1,0 0-1,0-1 1,0 1-1,0-1 1,12 2-1,-2-2-3,1-1-1,-1 0 1,1-2-1,-1 0 1,1 0 0,-1-2-1,19-5 1,113-37 67,261-131 114,-260 106-128,-36 29-1768</inkml:trace>
-</inkml:ink>
-</file>
-
-<file path=ppt/ink/ink13.xml><?xml version="1.0" encoding="utf-8"?>
-<inkml:ink xmlns:inkml="http://www.w3.org/2003/InkML">
-  <inkml:definitions>
-    <inkml:context xml:id="ctx0">
-      <inkml:inkSource xml:id="inkSrc0">
-        <inkml:traceFormat>
-          <inkml:channel name="X" type="integer" min="-2.14748E9" max="2.14748E9" units="cm"/>
-          <inkml:channel name="Y" type="integer" min="-2.14748E9" max="2.14748E9" units="cm"/>
-          <inkml:channel name="F" type="integer" max="32767" units="dev"/>
-        </inkml:traceFormat>
-        <inkml:channelProperties>
-          <inkml:channelProperty channel="X" name="resolution" value="1000" units="1/cm"/>
-          <inkml:channelProperty channel="Y" name="resolution" value="1000" units="1/cm"/>
-          <inkml:channelProperty channel="F" name="resolution" value="0" units="1/dev"/>
-        </inkml:channelProperties>
-      </inkml:inkSource>
-      <inkml:timestamp xml:id="ts0" timeString="2024-03-23T06:03:17.740"/>
-    </inkml:context>
-    <inkml:brush xml:id="br0">
-      <inkml:brushProperty name="width" value="0.05" units="cm"/>
-      <inkml:brushProperty name="height" value="0.05" units="cm"/>
-    </inkml:brush>
-  </inkml:definitions>
-  <inkml:trace contextRef="#ctx0" brushRef="#br0">1 17 1160,'0'0'772,"4"-9"3377,-4 8-4060,0 1 0,0 0 0,0 0-1,0-1 1,0 1 0,0 0 0,0 0 0,0-1-1,0 1 1,1 0 0,-1 0 0,0-1 0,0 1-1,0 0 1,0 0 0,0-1 0,0 1 0,1 0-1,-1 0 1,0 0 0,0-1 0,0 1 0,1 0-1,-1 0 1,0 0 0,0 0 0,1-1 0,-1 1-1,0 0 1,0 0 0,1 0 0,-1 0-1,0 0 1,0 0 0,1 0 0,-1 0 0,0 0-1,0 0 1,1 0 0,-1 0 0,0 0 0,1 0-1,-1 0 1,0 0 0,0 0 0,1 0 0,-1 0-1,0 0 1,0 1 0,1-1 0,-1 0 0,0 0-1,0 0 1,0 0 0,1 1 0,9 19 767,0 12-326,0 0-103,1-1 0,24 45 1,-31-68-384,0-1 0,1 1 0,0-1 1,1 0-1,-1-1 0,1 1 0,1-1 1,-1 0-1,1-1 0,0 0 0,0 0 1,0 0-1,1-1 0,13 6 0,-14-8-20,0 0-1,1-1 0,-1 0 0,0 0 1,1-1-1,-1 1 0,1-2 0,-1 1 1,0-1-1,8-2 0,7-2 36,40-15-1,155-81 11,-16 6-2512,-109 55-3347,-57 25 2820</inkml:trace>
-</inkml:ink>
-</file>
-
-<file path=ppt/ink/ink14.xml><?xml version="1.0" encoding="utf-8"?>
-<inkml:ink xmlns:inkml="http://www.w3.org/2003/InkML">
-  <inkml:definitions>
-    <inkml:context xml:id="ctx0">
-      <inkml:inkSource xml:id="inkSrc0">
-        <inkml:traceFormat>
-          <inkml:channel name="X" type="integer" min="-2.14748E9" max="2.14748E9" units="cm"/>
-          <inkml:channel name="Y" type="integer" min="-2.14748E9" max="2.14748E9" units="cm"/>
-          <inkml:channel name="F" type="integer" max="32767" units="dev"/>
-        </inkml:traceFormat>
-        <inkml:channelProperties>
-          <inkml:channelProperty channel="X" name="resolution" value="1000" units="1/cm"/>
-          <inkml:channelProperty channel="Y" name="resolution" value="1000" units="1/cm"/>
-          <inkml:channelProperty channel="F" name="resolution" value="0" units="1/dev"/>
-        </inkml:channelProperties>
-      </inkml:inkSource>
-      <inkml:timestamp xml:id="ts0" timeString="2023-09-17T06:39:22.783"/>
-    </inkml:context>
-    <inkml:brush xml:id="br0">
-      <inkml:brushProperty name="width" value="0.05" units="cm"/>
-      <inkml:brushProperty name="height" value="0.05" units="cm"/>
-    </inkml:brush>
-  </inkml:definitions>
-  <inkml:trace contextRef="#ctx0" brushRef="#br0">105 62 2128,'-44'-7'10978,"264"17"-10053,-121-7-786,141-6 136,-79-1-170,2 2-69,231 4-130,-155 2-50,-190-4 61,-34 0-166,28 5 0,-42-4 171,-5 1-312,-23 10 288,1-2 1,-2 0-1,-37 7 1,18-8-62,-66 5-1,-202-12-112,-9-29 111,-236-33 315,544 59-125,-29-5 53,43 5-10,9 1-58,337 1 38,-126 4-52,-25-4-19,401-9-715,-557 6 627,-5 1-90,44-7 0,-76 8 185,1 0 0,0 0 0,-1 0 0,1 0 0,-1 0 0,1 0 0,0 0 0,-1 0 0,1 0 0,-1-1 0,1 1 0,0 0 0,-1 0 0,1-1 0,-1 1 0,1 0 0,-1-1-1,1 1 1,-1 0 0,1-1 0,0 0 0,-14-3-82,-38-2 123,43 5-65,-472-19-98,312 17 144,-259 16 67,257-3 30,9 4 93,95-7-114,65-7-79,-43 7 72,41-7-60,-1 1 0,1 0 0,-1 0 0,1 1 0,-1-1 0,1 1 0,0-1 0,-6 5 0,8-5 52,4 2-35,4 1-24,0 0 0,0 0 1,0 0-1,1-1 0,0 0 1,-1-1-1,1 0 0,9 1 1,74 9 21,-76-10-24,125 4 27,-87-4-24,493 13 54,-374-16-49,52 2 11,357-10 57,-572 8-190,-1 0 0,1-1 0,-1 0 1,13-5-1,-19 6-300</inkml:trace>
-</inkml:ink>
-</file>
-
-<file path=ppt/ink/ink15.xml><?xml version="1.0" encoding="utf-8"?>
-<inkml:ink xmlns:inkml="http://www.w3.org/2003/InkML">
-  <inkml:definitions>
-    <inkml:context xml:id="ctx0">
-      <inkml:inkSource xml:id="inkSrc0">
-        <inkml:traceFormat>
-          <inkml:channel name="X" type="integer" min="-2.14748E9" max="2.14748E9" units="cm"/>
-          <inkml:channel name="Y" type="integer" min="-2.14748E9" max="2.14748E9" units="cm"/>
-          <inkml:channel name="F" type="integer" max="32767" units="dev"/>
-        </inkml:traceFormat>
-        <inkml:channelProperties>
-          <inkml:channelProperty channel="X" name="resolution" value="1000" units="1/cm"/>
-          <inkml:channelProperty channel="Y" name="resolution" value="1000" units="1/cm"/>
-          <inkml:channelProperty channel="F" name="resolution" value="0" units="1/dev"/>
-        </inkml:channelProperties>
-      </inkml:inkSource>
-      <inkml:timestamp xml:id="ts0" timeString="2023-09-17T06:39:24.536"/>
-    </inkml:context>
-    <inkml:brush xml:id="br0">
-      <inkml:brushProperty name="width" value="0.05" units="cm"/>
-      <inkml:brushProperty name="height" value="0.05" units="cm"/>
-    </inkml:brush>
-  </inkml:definitions>
-  <inkml:trace contextRef="#ctx0" brushRef="#br0">126 84 1096,'-21'-13'3299,"-27"-12"-1,47 25-2854,-2-1 143,-2-1-650,8-1 2022,184-7-1397,-126 9-476,481-10 404,-252 7-404,-111 3-91,134-5-142,-196 5 102,-71 1 40,-44 0 29,-12 0-25,-386 17-27,-305 2-81,353-4 63,144-1 31,92-5 28,99-7 3,10-2 0,7 0 14,134-5-24,-61 4 3,544-25-116,-319 27-795,-231-1-597,-543-21 1127,225 6 712,151 10-99,-128-4 707,199 10-704,23 0 126,13 0-295,173 14 104,656 8-883,-715-23 8,90-4-3560,-136-2 1874</inkml:trace>
-</inkml:ink>
-</file>
-
-<file path=ppt/ink/ink16.xml><?xml version="1.0" encoding="utf-8"?>
-<inkml:ink xmlns:inkml="http://www.w3.org/2003/InkML">
-  <inkml:definitions>
-    <inkml:context xml:id="ctx0">
-      <inkml:inkSource xml:id="inkSrc0">
-        <inkml:traceFormat>
-          <inkml:channel name="X" type="integer" min="-2.14748E9" max="2.14748E9" units="cm"/>
-          <inkml:channel name="Y" type="integer" min="-2.14748E9" max="2.14748E9" units="cm"/>
-          <inkml:channel name="F" type="integer" max="32767" units="dev"/>
-        </inkml:traceFormat>
-        <inkml:channelProperties>
-          <inkml:channelProperty channel="X" name="resolution" value="1000" units="1/cm"/>
-          <inkml:channelProperty channel="Y" name="resolution" value="1000" units="1/cm"/>
-          <inkml:channelProperty channel="F" name="resolution" value="0" units="1/dev"/>
-        </inkml:channelProperties>
-      </inkml:inkSource>
-      <inkml:timestamp xml:id="ts0" timeString="2023-09-17T06:39:25.820"/>
-    </inkml:context>
-    <inkml:brush xml:id="br0">
-      <inkml:brushProperty name="width" value="0.05" units="cm"/>
-      <inkml:brushProperty name="height" value="0.05" units="cm"/>
-    </inkml:brush>
-  </inkml:definitions>
-  <inkml:trace contextRef="#ctx0" brushRef="#br0">76 79 1840,'-46'-8'6085,"43"8"-5413,-4 0-693,9-1 1865,398-12-685,-80 6-891,85-4-459,-250 6-57,45-3-214,10 0-464,-323 15 918,-459 28-76,-170 26 237,697-56-90,-156 11 432,174-18-214,25 2-152,-5-2 13,5 0-96,7-1 228,29-7-190,66-9 1,125-12 11,493-14-471,-531 44-58,10-3-491,-181 5 719,-13-1 114,-17-1-252,-237-7 186,-332-6 500,302 26 172,261-12-359,-27 4-1,45-4 189,16 1-284,222 5 79,9-11-59,-95 4-68,-44-2-31,232 1-506,-89-1-1910,-202-3-861,-30 4 1239</inkml:trace>
-</inkml:ink>
-</file>
-
-<file path=ppt/ink/ink17.xml><?xml version="1.0" encoding="utf-8"?>
-<inkml:ink xmlns:inkml="http://www.w3.org/2003/InkML">
-  <inkml:definitions>
-    <inkml:context xml:id="ctx0">
-      <inkml:inkSource xml:id="inkSrc0">
-        <inkml:traceFormat>
-          <inkml:channel name="X" type="integer" min="-2.14748E9" max="2.14748E9" units="cm"/>
-          <inkml:channel name="Y" type="integer" min="-2.14748E9" max="2.14748E9" units="cm"/>
-          <inkml:channel name="F" type="integer" max="32767" units="dev"/>
-        </inkml:traceFormat>
-        <inkml:channelProperties>
-          <inkml:channelProperty channel="X" name="resolution" value="1000" units="1/cm"/>
-          <inkml:channelProperty channel="Y" name="resolution" value="1000" units="1/cm"/>
-          <inkml:channelProperty channel="F" name="resolution" value="0" units="1/dev"/>
-        </inkml:channelProperties>
-      </inkml:inkSource>
-      <inkml:timestamp xml:id="ts0" timeString="2024-01-21T13:50:48.438"/>
-    </inkml:context>
-    <inkml:brush xml:id="br0">
-      <inkml:brushProperty name="width" value="0.05" units="cm"/>
-      <inkml:brushProperty name="height" value="0.05" units="cm"/>
-    </inkml:brush>
-  </inkml:definitions>
-  <inkml:trace contextRef="#ctx0" brushRef="#br0">163 202 1340,'-3'-1'628,"-18"-3"7507,26 2-8004,26-8 38,0 2 0,1 1-1,52-4 1,-1-1-62,349-41 217,-16 16-216,-291 31-68,-58 5-13,108-18 0,-62 0 49,-112 19-80,7-1-120,-5 1-3,-5 1 55,-56 21 14,5-7-18,-95 16-1,89-22 52,0-3-1,-97-1 0,-16-6 15,-72-2-9,131 5 65,-164 5 163,38 14-91,221-19-115,-12 3 2,-19 5 0,-3 1 209,50-10-64,-1-1-96,-5 3-7,6-3 177,11 0-210,346-27 71,-2-1-9,-212 16-68,-72 7 2,532-35 35,-517 36-45,-46 3-247,0-1 0,0-2 0,47-11 0,-51 3-2592,-23 8-163,0 0 619</inkml:trace>
-</inkml:ink>
-</file>
-
-<file path=ppt/ink/ink18.xml><?xml version="1.0" encoding="utf-8"?>
 <inkml:ink xmlns:inkml="http://www.w3.org/2003/InkML">
   <inkml:definitions>
     <inkml:context xml:id="ctx0">
@@ -391,7 +190,7 @@
 </inkml:ink>
 </file>
 
-<file path=ppt/ink/ink19.xml><?xml version="1.0" encoding="utf-8"?>
+<file path=ppt/ink/ink11.xml><?xml version="1.0" encoding="utf-8"?>
 <inkml:ink xmlns:inkml="http://www.w3.org/2003/InkML">
   <inkml:definitions>
     <inkml:context xml:id="ctx0">
@@ -418,34 +217,7 @@
 </inkml:ink>
 </file>
 
-<file path=ppt/ink/ink2.xml><?xml version="1.0" encoding="utf-8"?>
-<inkml:ink xmlns:inkml="http://www.w3.org/2003/InkML">
-  <inkml:definitions>
-    <inkml:context xml:id="ctx0">
-      <inkml:inkSource xml:id="inkSrc0">
-        <inkml:traceFormat>
-          <inkml:channel name="X" type="integer" min="-2.14748E9" max="2.14748E9" units="cm"/>
-          <inkml:channel name="Y" type="integer" min="-2.14748E9" max="2.14748E9" units="cm"/>
-          <inkml:channel name="F" type="integer" max="32767" units="dev"/>
-        </inkml:traceFormat>
-        <inkml:channelProperties>
-          <inkml:channelProperty channel="X" name="resolution" value="1000" units="1/cm"/>
-          <inkml:channelProperty channel="Y" name="resolution" value="1000" units="1/cm"/>
-          <inkml:channelProperty channel="F" name="resolution" value="0" units="1/dev"/>
-        </inkml:channelProperties>
-      </inkml:inkSource>
-      <inkml:timestamp xml:id="ts0" timeString="2024-03-23T06:01:35.237"/>
-    </inkml:context>
-    <inkml:brush xml:id="br0">
-      <inkml:brushProperty name="width" value="0.05" units="cm"/>
-      <inkml:brushProperty name="height" value="0.05" units="cm"/>
-    </inkml:brush>
-  </inkml:definitions>
-  <inkml:trace contextRef="#ctx0" brushRef="#br0">7 317 2112,'0'0'204,"0"0"0,-1 0-1,1 0 1,0 0 0,-1 0 0,1 0 0,0 0-1,-1 0 1,1-1 0,0 1 0,0 0-1,-1 0 1,0-1 815,1 1-815,0-1-1,0 1 1,-1 0 0,1 0 0,0-1-1,0 1 1,0 0 0,0-1 0,0 1-1,0 0 1,-1 0 0,1-1 0,0 1 0,0 0-1,0-1 1,0 1 0,0 0 0,0-1-1,0 1 1,0 0 0,0-1 0,1 1-1,-1 0 1,0-1 0,0 1 0,0-1-1,1 0-39,1 0 0,-1 0 0,1 1 0,-1-1 0,0 0 0,1 0 0,0 1 0,-1-1 0,4 0-1,6-1-266,0-1-1,18 0 0,687-46 1645,-498 32-1355,119 9 1,-172 6-87,-157 2-90,29 0 20,0-2 1,0-1 0,45-11-1,-80 14-27,0-1 0,0 0 0,0 1 0,0-1 0,-1 0 0,1 0 0,0 0 0,0 0 0,-1 0 0,1 0 0,2-3 1,-4 3-4,2 0 19,-2 0-18,1 1-1,0-1 1,-1 1 0,1-1 0,-1 1 0,1-1 0,-1 1 0,1-1-1,-1 0 1,1 1 0,-1-1 0,0 0 0,1 0 0,-1 1-1,0-1 1,0 0 0,0 0 0,1 1 0,-1-1 0,0 0 0,0 0-1,0 0 1,0 1 0,0-2 0,1-3 2,-2 2 1,-8-20-16,4 11 39,0 0 1,-1 1 0,0-1 0,-12-15 0,-1-1 243,19 27-193,-6-10 44,5 10-102,0-2 46,-1 1 4,-2-2-76,5 3 30,1 0 0,-1 1 0,0-1-1,1 0 1,-1 1 0,1-1 0,-1 1 0,1 0-1,-1-1 1,1 1 0,2 0 0,4 1-15,-4 0-7,0 0 2,-1 0-1,1 0 1,0 0 0,-1 1-1,1-1 1,-1 1 0,0 0-1,0 0 1,0 0 0,0 0-1,0 1 1,0-1 0,0 1-1,-1 0 1,1 0-1,2 3 1,-3-1-2,0 0 0,-1 1-1,1-1 1,-1 0 0,0 0-1,0 1 1,-1-1 0,0 0 0,0 1-1,0-1 1,0 1 0,-1-1 0,0 0-1,0 1 1,0-1 0,-1 0-1,0 0 1,0 0 0,-4 7 0,-5 10 9,-2 0 1,-30 37 0,29-40-16,3-5-19,1 1-234,-1-1-1,0 0 1,-23 21 0,-4-3-1710,14-9-3414,14-15 1905</inkml:trace>
-</inkml:ink>
-</file>
-
-<file path=ppt/ink/ink20.xml><?xml version="1.0" encoding="utf-8"?>
+<file path=ppt/ink/ink12.xml><?xml version="1.0" encoding="utf-8"?>
 <inkml:ink xmlns:inkml="http://www.w3.org/2003/InkML">
   <inkml:definitions>
     <inkml:context xml:id="ctx0">
@@ -472,7 +244,7 @@
 </inkml:ink>
 </file>
 
-<file path=ppt/ink/ink21.xml><?xml version="1.0" encoding="utf-8"?>
+<file path=ppt/ink/ink13.xml><?xml version="1.0" encoding="utf-8"?>
 <inkml:ink xmlns:inkml="http://www.w3.org/2003/InkML">
   <inkml:definitions>
     <inkml:context xml:id="ctx0">
@@ -499,7 +271,7 @@
 </inkml:ink>
 </file>
 
-<file path=ppt/ink/ink22.xml><?xml version="1.0" encoding="utf-8"?>
+<file path=ppt/ink/ink14.xml><?xml version="1.0" encoding="utf-8"?>
 <inkml:ink xmlns:inkml="http://www.w3.org/2003/InkML">
   <inkml:definitions>
     <inkml:context xml:id="ctx0">
@@ -526,7 +298,7 @@
 </inkml:ink>
 </file>
 
-<file path=ppt/ink/ink23.xml><?xml version="1.0" encoding="utf-8"?>
+<file path=ppt/ink/ink15.xml><?xml version="1.0" encoding="utf-8"?>
 <inkml:ink xmlns:inkml="http://www.w3.org/2003/InkML">
   <inkml:definitions>
     <inkml:context xml:id="ctx0">
@@ -553,7 +325,7 @@
 </inkml:ink>
 </file>
 
-<file path=ppt/ink/ink24.xml><?xml version="1.0" encoding="utf-8"?>
+<file path=ppt/ink/ink16.xml><?xml version="1.0" encoding="utf-8"?>
 <inkml:ink xmlns:inkml="http://www.w3.org/2003/InkML">
   <inkml:definitions>
     <inkml:context xml:id="ctx0">
@@ -580,7 +352,7 @@
 </inkml:ink>
 </file>
 
-<file path=ppt/ink/ink25.xml><?xml version="1.0" encoding="utf-8"?>
+<file path=ppt/ink/ink17.xml><?xml version="1.0" encoding="utf-8"?>
 <inkml:ink xmlns:inkml="http://www.w3.org/2003/InkML">
   <inkml:definitions>
     <inkml:context xml:id="ctx0">
@@ -607,7 +379,7 @@
 </inkml:ink>
 </file>
 
-<file path=ppt/ink/ink26.xml><?xml version="1.0" encoding="utf-8"?>
+<file path=ppt/ink/ink18.xml><?xml version="1.0" encoding="utf-8"?>
 <inkml:ink xmlns:inkml="http://www.w3.org/2003/InkML">
   <inkml:definitions>
     <inkml:context xml:id="ctx0">
@@ -634,7 +406,7 @@
 </inkml:ink>
 </file>
 
-<file path=ppt/ink/ink27.xml><?xml version="1.0" encoding="utf-8"?>
+<file path=ppt/ink/ink19.xml><?xml version="1.0" encoding="utf-8"?>
 <inkml:ink xmlns:inkml="http://www.w3.org/2003/InkML">
   <inkml:definitions>
     <inkml:context xml:id="ctx0">
@@ -661,7 +433,34 @@
 </inkml:ink>
 </file>
 
-<file path=ppt/ink/ink28.xml><?xml version="1.0" encoding="utf-8"?>
+<file path=ppt/ink/ink2.xml><?xml version="1.0" encoding="utf-8"?>
+<inkml:ink xmlns:inkml="http://www.w3.org/2003/InkML">
+  <inkml:definitions>
+    <inkml:context xml:id="ctx0">
+      <inkml:inkSource xml:id="inkSrc0">
+        <inkml:traceFormat>
+          <inkml:channel name="X" type="integer" min="-2.14748E9" max="2.14748E9" units="cm"/>
+          <inkml:channel name="Y" type="integer" min="-2.14748E9" max="2.14748E9" units="cm"/>
+          <inkml:channel name="F" type="integer" max="32767" units="dev"/>
+        </inkml:traceFormat>
+        <inkml:channelProperties>
+          <inkml:channelProperty channel="X" name="resolution" value="1000" units="1/cm"/>
+          <inkml:channelProperty channel="Y" name="resolution" value="1000" units="1/cm"/>
+          <inkml:channelProperty channel="F" name="resolution" value="0" units="1/dev"/>
+        </inkml:channelProperties>
+      </inkml:inkSource>
+      <inkml:timestamp xml:id="ts0" timeString="2024-01-21T13:45:43.153"/>
+    </inkml:context>
+    <inkml:brush xml:id="br0">
+      <inkml:brushProperty name="width" value="0.05" units="cm"/>
+      <inkml:brushProperty name="height" value="0.05" units="cm"/>
+    </inkml:brush>
+  </inkml:definitions>
+  <inkml:trace contextRef="#ctx0" brushRef="#br0">1 198 1632,'6'-11'9829,"-6"11"-9750,0 0 0,0 0-1,0 0 1,0-1 0,0 1 0,0 0-1,0 0 1,0 0 0,1 0 0,-1-1 0,0 1-1,0 0 1,0 0 0,0 0 0,1 0-1,-1 0 1,0 0 0,0-1 0,0 1 0,0 0-1,1 0 1,-1 0 0,0 0 0,0 0-1,1 0 1,-1 0 0,0 0 0,0 0-1,0 0 1,1 0 0,-1 0 0,0 0 0,0 0-1,0 0 1,1 0 0,-1 0 0,0 0-1,0 1 1,0-1 0,0 0 0,1 0 0,-1 0-1,0 0 1,0 0 0,0 0 0,0 0-1,1 1 1,-1-1 0,0 0 0,0 0 0,0 1-1,15 14 1062,12 27-949,-25-40 43,65 95 1112,-64-92-1290,1 0 1,0 0-1,0-1 1,0 1-1,1-1 1,-1 0-1,1 0 1,0-1-1,0 0 1,0 1-1,1-2 1,-1 1-1,1-1 1,0 1-1,0-2 1,-1 1-1,1-1 1,0 1-1,0-2 1,11 1-1,0-2 3,0-1-1,1-1 0,-1 0 0,0-2 0,0 0 1,-1 0-1,27-14 0,105-68 128,-145 85-183,75-51-758,131-114 1,-178 135-894,-15 11-2338</inkml:trace>
+</inkml:ink>
+</file>
+
+<file path=ppt/ink/ink20.xml><?xml version="1.0" encoding="utf-8"?>
 <inkml:ink xmlns:inkml="http://www.w3.org/2003/InkML">
   <inkml:definitions>
     <inkml:context xml:id="ctx0">
@@ -689,7 +488,7 @@
 </inkml:ink>
 </file>
 
-<file path=ppt/ink/ink29.xml><?xml version="1.0" encoding="utf-8"?>
+<file path=ppt/ink/ink21.xml><?xml version="1.0" encoding="utf-8"?>
 <inkml:ink xmlns:inkml="http://www.w3.org/2003/InkML">
   <inkml:definitions>
     <inkml:context xml:id="ctx0">
@@ -716,34 +515,7 @@
 </inkml:ink>
 </file>
 
-<file path=ppt/ink/ink3.xml><?xml version="1.0" encoding="utf-8"?>
-<inkml:ink xmlns:inkml="http://www.w3.org/2003/InkML">
-  <inkml:definitions>
-    <inkml:context xml:id="ctx0">
-      <inkml:inkSource xml:id="inkSrc0">
-        <inkml:traceFormat>
-          <inkml:channel name="X" type="integer" min="-2.14748E9" max="2.14748E9" units="cm"/>
-          <inkml:channel name="Y" type="integer" min="-2.14748E9" max="2.14748E9" units="cm"/>
-          <inkml:channel name="F" type="integer" max="32767" units="dev"/>
-        </inkml:traceFormat>
-        <inkml:channelProperties>
-          <inkml:channelProperty channel="X" name="resolution" value="1000" units="1/cm"/>
-          <inkml:channelProperty channel="Y" name="resolution" value="1000" units="1/cm"/>
-          <inkml:channelProperty channel="F" name="resolution" value="0" units="1/dev"/>
-        </inkml:channelProperties>
-      </inkml:inkSource>
-      <inkml:timestamp xml:id="ts0" timeString="2024-03-23T06:01:45.064"/>
-    </inkml:context>
-    <inkml:brush xml:id="br0">
-      <inkml:brushProperty name="width" value="0.05" units="cm"/>
-      <inkml:brushProperty name="height" value="0.05" units="cm"/>
-    </inkml:brush>
-  </inkml:definitions>
-  <inkml:trace contextRef="#ctx0" brushRef="#br0">3 323 1656,'-2'2'5788,"1"28"-4148,2 35-1080,19 231 2189,-20-294-2551,-11-120 1445,14-125-1130,0 213-361,1-1 0,1 1 1,2 0-1,1 1 0,22-54 1,-25 72-93,1 1-1,0 0 1,0 0 0,1 1 0,0-1-1,1 1 1,0 1 0,1 0 0,11-9-1,-16 14-44,0 0-1,0 1 0,0 0 1,0 0-1,0 0 0,0 1 0,0-1 1,1 1-1,-1 0 0,1 0 0,6 0 1,-7 1-12,-1 0 0,1 1 1,-1-1-1,1 1 0,-1 0 0,1 0 1,-1 0-1,1 0 0,-1 1 1,0 0-1,0-1 0,0 1 0,0 0 1,0 0-1,0 1 0,3 3 1,-2-2-12,0 1 1,-1-1-1,1 1 1,-1 0 0,0 1-1,0-1 1,-1 0 0,0 1-1,0 0 1,0-1 0,-1 1-1,1 0 1,-1 0 0,-1 0-1,1 0 1,-1 0 0,-1 7-1,0 3-37,0-1-1,-2 0 0,0 0 1,0-1-1,-10 25 0,3-16-63,-1 0-1,-1-1 0,-1 0 0,-1-1 0,-1 0 0,0-1 0,-2-1 0,0-1 0,-32 27 0,46-42 83,-1-1 0,1 1-1,-1-1 1,0 1 0,0-1 0,0 0 0,0-1-1,-1 1 1,-5 1 0,9-3-12,1 0 38,0-1 0,0 1 0,0 0-1,-1 0 1,1 0 0,0-1 0,0 1 0,0 0-1,-1 0 1,1 0 0,0-1 0,0 1 0,0 0-1,-1 0 1,1 0 0,0 0 0,0 0-1,-1 0 1,1 0 0,0-1 0,0 1 0,-1 0-1,1 0 1,0 0 0,-1 0 0,1 0 0,0 0-1,0 0 1,-1 0 0,1 1 0,-1-1 2,1 0 0,-1 0 1,1 0-1,0 0 1,-1 0-1,1 0 0,0 0 1,-1 0-1,1-1 1,-1 1-1,1 0 0,0 0 1,-1 0-1,1 0 0,0 0 1,-1-1-1,1 1 1,0 0-1,-1 0 0,1 0 1,0-1-1,-1 1 1,1 0-1,0-1 0,0 1 1,-1 0-1,1 0 1,0-1-1,0 1 0,-1-1 1,0-4 87,0 1 0,1-1 0,-1 1 0,1-1 1,0 1-1,0-1 0,1 0 0,0-6 0,0 9 31,-1 2-101,0 0 1,0-1 0,0 1-1,0 0 1,0-1-1,1 1 1,-1 0-1,0 0 1,0-1 0,0 1-1,0 0 1,1 0-1,-1-1 1,0 1 0,0 0-1,1 0 1,-1 0-1,0-1 1,0 1-1,1 0 1,-1 0 0,0 0-1,1 0 1,-1 0-1,0 0 1,0-1 0,1 1-1,-1 0 1,0 0-1,1 0 1,-1 0-1,0 0 1,1 0 0,-1 0-1,0 0 1,1 0-1,-1 1 1,0-1 0,1 0-1,-1 0 1,0 0-1,1 0 1,141 81 338,-51-27-1801,-61-37 448,5 3-1131,-11-7-3067,-15-9 2001</inkml:trace>
-</inkml:ink>
-</file>
-
-<file path=ppt/ink/ink30.xml><?xml version="1.0" encoding="utf-8"?>
+<file path=ppt/ink/ink22.xml><?xml version="1.0" encoding="utf-8"?>
 <inkml:ink xmlns:inkml="http://www.w3.org/2003/InkML">
   <inkml:definitions>
     <inkml:context xml:id="ctx0">
@@ -770,7 +542,7 @@
 </inkml:ink>
 </file>
 
-<file path=ppt/ink/ink31.xml><?xml version="1.0" encoding="utf-8"?>
+<file path=ppt/ink/ink23.xml><?xml version="1.0" encoding="utf-8"?>
 <inkml:ink xmlns:inkml="http://www.w3.org/2003/InkML">
   <inkml:definitions>
     <inkml:context xml:id="ctx0">
@@ -797,7 +569,7 @@
 </inkml:ink>
 </file>
 
-<file path=ppt/ink/ink32.xml><?xml version="1.0" encoding="utf-8"?>
+<file path=ppt/ink/ink24.xml><?xml version="1.0" encoding="utf-8"?>
 <inkml:ink xmlns:inkml="http://www.w3.org/2003/InkML">
   <inkml:definitions>
     <inkml:context xml:id="ctx0">
@@ -824,7 +596,7 @@
 </inkml:ink>
 </file>
 
-<file path=ppt/ink/ink33.xml><?xml version="1.0" encoding="utf-8"?>
+<file path=ppt/ink/ink25.xml><?xml version="1.0" encoding="utf-8"?>
 <inkml:ink xmlns:inkml="http://www.w3.org/2003/InkML">
   <inkml:definitions>
     <inkml:context xml:id="ctx0">
@@ -851,7 +623,7 @@
 </inkml:ink>
 </file>
 
-<file path=ppt/ink/ink34.xml><?xml version="1.0" encoding="utf-8"?>
+<file path=ppt/ink/ink26.xml><?xml version="1.0" encoding="utf-8"?>
 <inkml:ink xmlns:inkml="http://www.w3.org/2003/InkML">
   <inkml:definitions>
     <inkml:context xml:id="ctx0">
@@ -878,7 +650,7 @@
 </inkml:ink>
 </file>
 
-<file path=ppt/ink/ink35.xml><?xml version="1.0" encoding="utf-8"?>
+<file path=ppt/ink/ink27.xml><?xml version="1.0" encoding="utf-8"?>
 <inkml:ink xmlns:inkml="http://www.w3.org/2003/InkML">
   <inkml:definitions>
     <inkml:context xml:id="ctx0">
@@ -905,6 +677,357 @@
 </inkml:ink>
 </file>
 
+<file path=ppt/ink/ink28.xml><?xml version="1.0" encoding="utf-8"?>
+<inkml:ink xmlns:inkml="http://www.w3.org/2003/InkML">
+  <inkml:definitions>
+    <inkml:context xml:id="ctx0">
+      <inkml:inkSource xml:id="inkSrc0">
+        <inkml:traceFormat>
+          <inkml:channel name="X" type="integer" min="-2.14748E9" max="2.14748E9" units="cm"/>
+          <inkml:channel name="Y" type="integer" min="-2.14748E9" max="2.14748E9" units="cm"/>
+          <inkml:channel name="F" type="integer" max="32767" units="dev"/>
+        </inkml:traceFormat>
+        <inkml:channelProperties>
+          <inkml:channelProperty channel="X" name="resolution" value="1000" units="1/cm"/>
+          <inkml:channelProperty channel="Y" name="resolution" value="1000" units="1/cm"/>
+          <inkml:channelProperty channel="F" name="resolution" value="0" units="1/dev"/>
+        </inkml:channelProperties>
+      </inkml:inkSource>
+      <inkml:timestamp xml:id="ts0" timeString="2023-09-23T04:19:09.105"/>
+    </inkml:context>
+    <inkml:brush xml:id="br0">
+      <inkml:brushProperty name="width" value="0.05" units="cm"/>
+      <inkml:brushProperty name="height" value="0.05" units="cm"/>
+    </inkml:brush>
+  </inkml:definitions>
+  <inkml:trace contextRef="#ctx0" brushRef="#br0">9 205 1288,'0'0'578,"-4"-10"3391,-1 0 2687,12 25-6090,-6-12-521,-1-1 0,1 1-1,0-1 1,0 0 0,0 1-1,0-1 1,1 0 0,-1 1-1,1-1 1,-1 0 0,1 0 0,0 0-1,-1 0 1,1 0 0,0-1-1,0 1 1,1-1 0,-1 1-1,4 1 1,-1-2 0,-1 0 0,1 0 0,0-1-1,0 0 1,0 0 0,-1 0 0,1 0 0,9-3 0,28-5 104,0-3 1,56-22-1,-35 11-49,229-84 234,-217 78-262,33-6-330,-107 33 25</inkml:trace>
+</inkml:ink>
+</file>
+
+<file path=ppt/ink/ink29.xml><?xml version="1.0" encoding="utf-8"?>
+<inkml:ink xmlns:inkml="http://www.w3.org/2003/InkML">
+  <inkml:definitions>
+    <inkml:context xml:id="ctx0">
+      <inkml:inkSource xml:id="inkSrc0">
+        <inkml:traceFormat>
+          <inkml:channel name="X" type="integer" min="-2.14748E9" max="2.14748E9" units="cm"/>
+          <inkml:channel name="Y" type="integer" min="-2.14748E9" max="2.14748E9" units="cm"/>
+          <inkml:channel name="F" type="integer" max="32767" units="dev"/>
+        </inkml:traceFormat>
+        <inkml:channelProperties>
+          <inkml:channelProperty channel="X" name="resolution" value="1000" units="1/cm"/>
+          <inkml:channelProperty channel="Y" name="resolution" value="1000" units="1/cm"/>
+          <inkml:channelProperty channel="F" name="resolution" value="0" units="1/dev"/>
+        </inkml:channelProperties>
+      </inkml:inkSource>
+      <inkml:timestamp xml:id="ts0" timeString="2023-09-23T04:19:14.489"/>
+    </inkml:context>
+    <inkml:brush xml:id="br0">
+      <inkml:brushProperty name="width" value="0.05" units="cm"/>
+      <inkml:brushProperty name="height" value="0.05" units="cm"/>
+    </inkml:brush>
+  </inkml:definitions>
+  <inkml:trace contextRef="#ctx0" brushRef="#br0">1 267 1352,'0'0'2100,"4"-9"-168,0-3 6374,-4 12-8298,0 0 0,0 0 0,0 0 0,0 0 0,0-1 0,0 1 0,0 0 0,0 0 0,0 0 0,0 0 0,0 0 0,0 0 0,0 0 0,0 0 0,0 0 0,0 0 0,0 0 0,0 0 0,1 0 0,-1 0 0,0 0 0,0 0 0,0 0 0,0 0 0,0 0 0,0 0 0,0 0 1,0 0-1,0 0 0,0 0 0,0 0 0,0 0 0,1 0 0,-1 0 0,0 0 0,0 0 0,0 0 0,0 0 0,0 0 0,0 0 0,0 0 0,0 0 0,0 0 0,0 0 0,0 0 0,0 0 0,0 0 0,0 0 0,1 0 0,-1 0 0,0 0 0,0 0 0,0 0 0,0 0 0,0 0 0,0 0 0,0 1 0,0-1 0,0 0 0,0 0 0,0 0 0,0 0 0,8 8 284,18 22-102,4 4-53,-25-30-123,0 0 0,0 0-1,0 0 1,1-1 0,-1 0 0,1 0-1,0 0 1,0-1 0,0 1 0,0-2 0,0 1-1,1-1 1,-1 0 0,0 0 0,1 0 0,-1-1-1,0 0 1,1 0 0,-1-1 0,1 0-1,10-3 1,9-3 12,-1-2 0,0-1 0,46-24 0,-65 30-20,191-118 76,-15 8 24,-154 98-107,-13 7-16,0 0 1,20-7-1,-34 16-222,1 0 0,-1-1 0,0 1 0,0 0 0,0 0 0,1 0 0,-1 0 1,0 0-1,0 0 0,0 0 0,1 0 0,-1 1 0,0-1 0,2 1 0,4 0-4436</inkml:trace>
+</inkml:ink>
+</file>
+
+<file path=ppt/ink/ink3.xml><?xml version="1.0" encoding="utf-8"?>
+<inkml:ink xmlns:inkml="http://www.w3.org/2003/InkML">
+  <inkml:definitions>
+    <inkml:context xml:id="ctx0">
+      <inkml:inkSource xml:id="inkSrc0">
+        <inkml:traceFormat>
+          <inkml:channel name="X" type="integer" min="-2.14748E9" max="2.14748E9" units="cm"/>
+          <inkml:channel name="Y" type="integer" min="-2.14748E9" max="2.14748E9" units="cm"/>
+          <inkml:channel name="F" type="integer" max="32767" units="dev"/>
+        </inkml:traceFormat>
+        <inkml:channelProperties>
+          <inkml:channelProperty channel="X" name="resolution" value="1000" units="1/cm"/>
+          <inkml:channelProperty channel="Y" name="resolution" value="1000" units="1/cm"/>
+          <inkml:channelProperty channel="F" name="resolution" value="0" units="1/dev"/>
+        </inkml:channelProperties>
+      </inkml:inkSource>
+      <inkml:timestamp xml:id="ts0" timeString="2024-01-21T13:46:32.255"/>
+    </inkml:context>
+    <inkml:brush xml:id="br0">
+      <inkml:brushProperty name="width" value="0.05" units="cm"/>
+      <inkml:brushProperty name="height" value="0.05" units="cm"/>
+    </inkml:brush>
+  </inkml:definitions>
+  <inkml:trace contextRef="#ctx0" brushRef="#br0">16 246 1600,'-15'-53'13333,"17"60"-12857,1 9-121,2 0 0,0 0 0,1-1 1,0 0-1,16 27 0,-18-37-281,0 0 0,-1 0 0,2 0-1,-1 0 1,0-1 0,1 1 0,0-1 0,0-1 0,0 1-1,1-1 1,-1 0 0,1 0 0,-1 0 0,1-1-1,0 0 1,0 0 0,0 0 0,1-1 0,11 1-1,5-1 7,-1-2 0,0-1 0,0 0 0,0-2 0,0-1 0,39-13-1,125-61 159,-169 71-213,352-181-395,-330 167-200,20-11-451,-26 7-7714</inkml:trace>
+</inkml:ink>
+</file>
+
+<file path=ppt/ink/ink30.xml><?xml version="1.0" encoding="utf-8"?>
+<inkml:ink xmlns:inkml="http://www.w3.org/2003/InkML">
+  <inkml:definitions>
+    <inkml:context xml:id="ctx0">
+      <inkml:inkSource xml:id="inkSrc0">
+        <inkml:traceFormat>
+          <inkml:channel name="X" type="integer" min="-2.14748E9" max="2.14748E9" units="cm"/>
+          <inkml:channel name="Y" type="integer" min="-2.14748E9" max="2.14748E9" units="cm"/>
+          <inkml:channel name="F" type="integer" max="32767" units="dev"/>
+        </inkml:traceFormat>
+        <inkml:channelProperties>
+          <inkml:channelProperty channel="X" name="resolution" value="1000" units="1/cm"/>
+          <inkml:channelProperty channel="Y" name="resolution" value="1000" units="1/cm"/>
+          <inkml:channelProperty channel="F" name="resolution" value="0" units="1/dev"/>
+        </inkml:channelProperties>
+      </inkml:inkSource>
+      <inkml:timestamp xml:id="ts0" timeString="2023-09-23T04:19:19.727"/>
+    </inkml:context>
+    <inkml:brush xml:id="br0">
+      <inkml:brushProperty name="width" value="0.05" units="cm"/>
+      <inkml:brushProperty name="height" value="0.05" units="cm"/>
+    </inkml:brush>
+  </inkml:definitions>
+  <inkml:trace contextRef="#ctx0" brushRef="#br0">8 376 1364,'-7'2'12763,"16"11"-12493,-1 0-1,0 0 0,9 21 1,-16-31-216,1 0 1,-1 1 0,1-1-1,0 0 1,0 0 0,0 0-1,1 0 1,-1-1 0,1 1-1,-1-1 1,1 1 0,0-1-1,0 0 1,0 0-1,0 0 1,5 1 0,-3-1-12,0 0 0,0-1 0,0 0 1,0 0-1,0-1 0,0 1 0,1-1 0,-1 0 1,0-1-1,7 0 0,9-4 37,1-1 0,-1-1 1,0-1-1,26-13 0,414-227 520,-188 94-347,-244 138-231,-12 6-119,31-13-1,-41 18 635</inkml:trace>
+</inkml:ink>
+</file>
+
+<file path=ppt/ink/ink31.xml><?xml version="1.0" encoding="utf-8"?>
+<inkml:ink xmlns:inkml="http://www.w3.org/2003/InkML">
+  <inkml:definitions>
+    <inkml:context xml:id="ctx0">
+      <inkml:inkSource xml:id="inkSrc0">
+        <inkml:traceFormat>
+          <inkml:channel name="X" type="integer" min="-2.14748E9" max="2.14748E9" units="cm"/>
+          <inkml:channel name="Y" type="integer" min="-2.14748E9" max="2.14748E9" units="cm"/>
+          <inkml:channel name="F" type="integer" max="32767" units="dev"/>
+        </inkml:traceFormat>
+        <inkml:channelProperties>
+          <inkml:channelProperty channel="X" name="resolution" value="1000" units="1/cm"/>
+          <inkml:channelProperty channel="Y" name="resolution" value="1000" units="1/cm"/>
+          <inkml:channelProperty channel="F" name="resolution" value="0" units="1/dev"/>
+        </inkml:channelProperties>
+      </inkml:inkSource>
+      <inkml:timestamp xml:id="ts0" timeString="2023-05-06T16:15:10.454"/>
+    </inkml:context>
+    <inkml:brush xml:id="br0">
+      <inkml:brushProperty name="width" value="0.05" units="cm"/>
+      <inkml:brushProperty name="height" value="0.05" units="cm"/>
+    </inkml:brush>
+  </inkml:definitions>
+  <inkml:trace contextRef="#ctx0" brushRef="#br0">0 0 1328,'0'0'6727,"3"5"-6009,8 14 226,-1 0 0,-1 1 0,13 40 0,-1-3 41,30 65 330,17 42-263,-32-87-4782,-30-68-1389</inkml:trace>
+</inkml:ink>
+</file>
+
+<file path=ppt/ink/ink32.xml><?xml version="1.0" encoding="utf-8"?>
+<inkml:ink xmlns:inkml="http://www.w3.org/2003/InkML">
+  <inkml:definitions>
+    <inkml:context xml:id="ctx0">
+      <inkml:inkSource xml:id="inkSrc0">
+        <inkml:traceFormat>
+          <inkml:channel name="X" type="integer" min="-2.14748E9" max="2.14748E9" units="cm"/>
+          <inkml:channel name="Y" type="integer" min="-2.14748E9" max="2.14748E9" units="cm"/>
+          <inkml:channel name="F" type="integer" max="32767" units="dev"/>
+        </inkml:traceFormat>
+        <inkml:channelProperties>
+          <inkml:channelProperty channel="X" name="resolution" value="1000" units="1/cm"/>
+          <inkml:channelProperty channel="Y" name="resolution" value="1000" units="1/cm"/>
+          <inkml:channelProperty channel="F" name="resolution" value="0" units="1/dev"/>
+        </inkml:channelProperties>
+      </inkml:inkSource>
+      <inkml:timestamp xml:id="ts0" timeString="2023-05-06T16:15:11.034"/>
+    </inkml:context>
+    <inkml:brush xml:id="br0">
+      <inkml:brushProperty name="width" value="0.05" units="cm"/>
+      <inkml:brushProperty name="height" value="0.05" units="cm"/>
+    </inkml:brush>
+  </inkml:definitions>
+  <inkml:trace contextRef="#ctx0" brushRef="#br0">116 35 1144,'0'-2'638,"0"0"0,-1 0-1,1 0 1,0 0 0,-1 0 0,1 0-1,-1 1 1,0-1 0,0 0 0,1 0 0,-3-3-1,-2-3-190,0 11-37,-2 1-268,0 1-1,0 0 1,1 0-1,0 0 1,0 1-1,1 0 1,-1 0-1,1 1 1,0-1-1,-7 14 1,8-11-26,0 1 0,0-1 0,1 1-1,0 0 1,0 0 0,1 0 0,1 0 0,0 0 0,0 19-1,1-24-86,1-1 0,-1 0 1,1 0-1,0 0 0,0 0 0,1 0 0,-1 0 0,1 0 0,0 0 0,0-1 0,0 1 0,0 0 0,1-1 0,-1 0 0,1 0 0,0 1 0,0-2 0,0 1 0,0 0 0,1-1 0,-1 1 0,1-1 0,-1 0 0,1 0 0,0 0 0,7 1 0,-6-1-1,1 0-1,-1-1 1,1 0-1,-1 0 1,1 0 0,0-1-1,0 0 1,-1 0-1,1 0 1,7-2-1,-10 1-17,0 0-1,-1 1 1,1-1 0,0-1-1,0 1 1,-1 0-1,1-1 1,-1 1-1,1-1 1,-1 0-1,0 0 1,1 1 0,-1-2-1,0 1 1,0 0-1,-1 0 1,1-1-1,0 1 1,-1-1-1,1 1 1,0-5 0,1 1-3,-1 0 1,-1 0-1,1 0 0,-1 0 1,0 0-1,-1-1 1,1 1-1,-1 0 1,-1-1-1,1 1 1,-1 0-1,0 0 1,0-1-1,-1 1 0,0 0 1,0 0-1,0 1 1,-1-1-1,-4-7 1,4 9-84,0-1 0,0 1 0,-1 0-1,1 0 1,-1 0 0,0 1 0,0-1 0,-1 1 0,1 0 0,-1 0 0,1 0 0,-1 1 0,0-1 0,0 1-1,0 1 1,-1-1 0,1 1 0,0-1 0,-1 2 0,1-1 0,0 0 0,-12 1 0,-29 7-5899,42-6 3256</inkml:trace>
+</inkml:ink>
+</file>
+
+<file path=ppt/ink/ink33.xml><?xml version="1.0" encoding="utf-8"?>
+<inkml:ink xmlns:inkml="http://www.w3.org/2003/InkML">
+  <inkml:definitions>
+    <inkml:context xml:id="ctx0">
+      <inkml:inkSource xml:id="inkSrc0">
+        <inkml:traceFormat>
+          <inkml:channel name="X" type="integer" min="-2.14748E9" max="2.14748E9" units="cm"/>
+          <inkml:channel name="Y" type="integer" min="-2.14748E9" max="2.14748E9" units="cm"/>
+          <inkml:channel name="F" type="integer" max="32767" units="dev"/>
+        </inkml:traceFormat>
+        <inkml:channelProperties>
+          <inkml:channelProperty channel="X" name="resolution" value="1000" units="1/cm"/>
+          <inkml:channelProperty channel="Y" name="resolution" value="1000" units="1/cm"/>
+          <inkml:channelProperty channel="F" name="resolution" value="0" units="1/dev"/>
+        </inkml:channelProperties>
+      </inkml:inkSource>
+      <inkml:timestamp xml:id="ts0" timeString="2023-05-06T16:15:11.405"/>
+    </inkml:context>
+    <inkml:brush xml:id="br0">
+      <inkml:brushProperty name="width" value="0.05" units="cm"/>
+      <inkml:brushProperty name="height" value="0.05" units="cm"/>
+    </inkml:brush>
+  </inkml:definitions>
+  <inkml:trace contextRef="#ctx0" brushRef="#br0">22 69 1432,'1'5'252,"-1"1"-1,1-1 1,1 0-1,-1 0 1,1 0 0,0 0-1,0 0 1,0 0-1,4 6 1,-4-8-100,0 0 0,0-1 0,0 0 0,1 1 0,-1-1 0,0 0 0,1 0 0,0 0 0,-1 0 0,1-1 0,0 1 0,0-1-1,0 0 1,0 1 0,0-1 0,0-1 0,0 1 0,4 0 0,-5 0-73,1-1 0,0 0 0,-1 0 0,1 0 0,0 0 0,-1 0 0,1-1 0,-1 1 0,1-1 0,-1 0 0,1 0 0,-1 0-1,1 0 1,-1 0 0,0 0 0,1 0 0,-1-1 0,0 1 0,0-1 0,0 0 0,0 0 0,0 0 0,-1 0 0,1 0 0,0 0 0,-1 0 0,0 0 0,1-1-1,-1 1 1,0 0 0,0-1 0,0 1 0,-1-1 0,1 1 0,0-1 0,-1 0 0,0 1 0,0-1 0,0 1 0,0-1 0,0 0 0,-1-3 0,0 3-48,0 0 1,0 0 0,0 0 0,-1 0 0,1 0 0,-1 0 0,0 0-1,0 1 1,0-1 0,0 1 0,0-1 0,0 1 0,-1 0 0,-4-3-1,-2-1 9,1 0-1,-20-8 0,19 10-409,1 2 1,-1-1-1,-1 1 1,-17-2-1,2 1-3199</inkml:trace>
+</inkml:ink>
+</file>
+
+<file path=ppt/ink/ink34.xml><?xml version="1.0" encoding="utf-8"?>
+<inkml:ink xmlns:inkml="http://www.w3.org/2003/InkML">
+  <inkml:definitions>
+    <inkml:context xml:id="ctx0">
+      <inkml:inkSource xml:id="inkSrc0">
+        <inkml:traceFormat>
+          <inkml:channel name="X" type="integer" min="-2.14748E9" max="2.14748E9" units="cm"/>
+          <inkml:channel name="Y" type="integer" min="-2.14748E9" max="2.14748E9" units="cm"/>
+          <inkml:channel name="F" type="integer" max="32767" units="dev"/>
+        </inkml:traceFormat>
+        <inkml:channelProperties>
+          <inkml:channelProperty channel="X" name="resolution" value="1000" units="1/cm"/>
+          <inkml:channelProperty channel="Y" name="resolution" value="1000" units="1/cm"/>
+          <inkml:channelProperty channel="F" name="resolution" value="0" units="1/dev"/>
+        </inkml:channelProperties>
+      </inkml:inkSource>
+      <inkml:timestamp xml:id="ts0" timeString="2023-05-06T16:15:12.014"/>
+    </inkml:context>
+    <inkml:brush xml:id="br0">
+      <inkml:brushProperty name="width" value="0.05" units="cm"/>
+      <inkml:brushProperty name="height" value="0.05" units="cm"/>
+    </inkml:brush>
+  </inkml:definitions>
+  <inkml:trace contextRef="#ctx0" brushRef="#br0">0 1 1576,'1'18'666,"0"0"-1,1 0 1,1-1 0,6 22-1,27 66 1727,-23-71-1575,-7-21 16,-2-12 547,-1-15 564,-2 7-2450,0 1 638,-1 3 1,1-9-30,-1 9-15,3-12 117,-3 14-191,0 0 0,0 1 1,1-1-1,-1 0 0,0 1 0,1-1 0,-1 0 0,0 1 1,1-1-1,-1 1 0,1-1 0,-1 1 0,1-1 0,-1 1 1,2-2-1,0 2-7,0 0-1,0 0 1,-1 0 0,1 0-1,0 1 1,0-1 0,0 0 0,-1 1-1,1-1 1,0 1 0,0-1-1,-1 1 1,1 0 0,0 0 0,2 2-1,26 21 42,-9-7-13,7 5 146,-26-22 49,2-2-117,5-5 26,-1 1-1,0-2 1,14-14 0,64-101 1025,-75 110-953,0 0 1,1 0-1,19-15 1,-30 27-200,0 0 1,1 0 0,-1 0-1,1 0 1,-1 1-1,1-1 1,-1 0-1,1 1 1,-1-1 0,1 1-1,0 0 1,-1-1-1,1 1 1,0 0 0,-1 0-1,1 0 1,0 0-1,1 1 1,0 0 2,1-1 0,-1 1 0,0 1 0,0-1 0,-1 0 0,1 1 0,0 0 0,4 3 0,2 3-14,0 0 1,-1 1 0,14 18-1,-10-9-367,0 0-1,-1 0 0,12 31 0,-18-37-1490,0 1 0,-2 0-1,5 23 1,-6-22-1522</inkml:trace>
+</inkml:ink>
+</file>
+
+<file path=ppt/ink/ink35.xml><?xml version="1.0" encoding="utf-8"?>
+<inkml:ink xmlns:inkml="http://www.w3.org/2003/InkML">
+  <inkml:definitions>
+    <inkml:context xml:id="ctx0">
+      <inkml:inkSource xml:id="inkSrc0">
+        <inkml:traceFormat>
+          <inkml:channel name="X" type="integer" min="-2.14748E9" max="2.14748E9" units="cm"/>
+          <inkml:channel name="Y" type="integer" min="-2.14748E9" max="2.14748E9" units="cm"/>
+          <inkml:channel name="F" type="integer" max="32767" units="dev"/>
+        </inkml:traceFormat>
+        <inkml:channelProperties>
+          <inkml:channelProperty channel="X" name="resolution" value="1000" units="1/cm"/>
+          <inkml:channelProperty channel="Y" name="resolution" value="1000" units="1/cm"/>
+          <inkml:channelProperty channel="F" name="resolution" value="0" units="1/dev"/>
+        </inkml:channelProperties>
+      </inkml:inkSource>
+      <inkml:timestamp xml:id="ts0" timeString="2023-05-06T16:15:12.339"/>
+    </inkml:context>
+    <inkml:brush xml:id="br0">
+      <inkml:brushProperty name="width" value="0.05" units="cm"/>
+      <inkml:brushProperty name="height" value="0.05" units="cm"/>
+    </inkml:brush>
+  </inkml:definitions>
+  <inkml:trace contextRef="#ctx0" brushRef="#br0">0 0 856,'0'0'7212,"2"7"-6580,21 80 955,34 122 278,-44-171-1718,10 35 7,-7-29-3548</inkml:trace>
+</inkml:ink>
+</file>
+
+<file path=ppt/ink/ink36.xml><?xml version="1.0" encoding="utf-8"?>
+<inkml:ink xmlns:inkml="http://www.w3.org/2003/InkML">
+  <inkml:definitions>
+    <inkml:context xml:id="ctx0">
+      <inkml:inkSource xml:id="inkSrc0">
+        <inkml:traceFormat>
+          <inkml:channel name="X" type="integer" min="-2.14748E9" max="2.14748E9" units="cm"/>
+          <inkml:channel name="Y" type="integer" min="-2.14748E9" max="2.14748E9" units="cm"/>
+          <inkml:channel name="F" type="integer" max="32767" units="dev"/>
+        </inkml:traceFormat>
+        <inkml:channelProperties>
+          <inkml:channelProperty channel="X" name="resolution" value="1000" units="1/cm"/>
+          <inkml:channelProperty channel="Y" name="resolution" value="1000" units="1/cm"/>
+          <inkml:channelProperty channel="F" name="resolution" value="0" units="1/dev"/>
+        </inkml:channelProperties>
+      </inkml:inkSource>
+      <inkml:timestamp xml:id="ts0" timeString="2023-05-06T16:15:12.745"/>
+    </inkml:context>
+    <inkml:brush xml:id="br0">
+      <inkml:brushProperty name="width" value="0.05" units="cm"/>
+      <inkml:brushProperty name="height" value="0.05" units="cm"/>
+    </inkml:brush>
+  </inkml:definitions>
+  <inkml:trace contextRef="#ctx0" brushRef="#br0">0 209 952,'1'-14'940,"-1"11"-82,5-10 600,-2 7-921,0 0-1,0 0 0,1 0 0,0 0 1,0 1-1,0-1 0,1 1 0,0 0 1,7-6-1,114-81 3178,-122 89-3637,0 0 1,0 0 0,0 1 0,0-1 0,9-3 0,-11 5-17,-1 0-43,0 1 1,1-1-1,-1 1 1,1-1-1,-1 1 1,1 0-1,-1-1 1,0 1-1,1 0 1,-1 0-1,1 0 1,-1 0-1,1 0 1,-1 1-1,1-1 1,-1 0-1,4 1 1,-3 3-12,0-1 0,0 1 0,0-1 0,-1 1 0,1 0 0,-1-1 0,0 1 0,0 0-1,0 0 1,0 0 0,-1 0 0,1 0 0,-1 0 0,0 0 0,-1 0 0,0 4 0,-1 15 12,-12 37-1,4-16 8,7-26-19,1 0 1,0 0-1,1 0 1,3 25-1,-1-34-7,0 0 0,1 0-1,0-1 1,1 1 0,0-1-1,0 1 1,1-1 0,0 0-1,0 0 1,11 13 0,24 26-10,-21-26 3,0 0-1,23 40 1,-40-59 5,0 0 1,1 0 0,-2 0-1,1 0 1,0 0 0,0 0-1,-1 0 1,1 1 0,-1-1-1,1 0 1,-1 0 0,0 1-1,0-1 1,0 0 0,0 1-1,-1-1 1,1 0 0,-1 0-1,1 0 1,-1 1 0,0-1-1,1 0 1,-1 0 0,0 0-1,-1 0 1,1 0 0,0 0-1,-1-1 1,1 1 0,0 0-1,-1-1 1,0 1 0,0-1-1,1 1 1,-1-1 0,0 0-1,0 0 1,-4 2 0,-4 2-182,0-1 1,0 0 0,-1 0-1,1-1 1,-1-1 0,0 0-1,-15 1 1,9-2-1864,1-1 0,-21-2 0,20 0-970</inkml:trace>
+</inkml:ink>
+</file>
+
+<file path=ppt/ink/ink37.xml><?xml version="1.0" encoding="utf-8"?>
+<inkml:ink xmlns:inkml="http://www.w3.org/2003/InkML">
+  <inkml:definitions>
+    <inkml:context xml:id="ctx0">
+      <inkml:inkSource xml:id="inkSrc0">
+        <inkml:traceFormat>
+          <inkml:channel name="X" type="integer" min="-2.14748E9" max="2.14748E9" units="cm"/>
+          <inkml:channel name="Y" type="integer" min="-2.14748E9" max="2.14748E9" units="cm"/>
+          <inkml:channel name="F" type="integer" max="32767" units="dev"/>
+        </inkml:traceFormat>
+        <inkml:channelProperties>
+          <inkml:channelProperty channel="X" name="resolution" value="1000" units="1/cm"/>
+          <inkml:channelProperty channel="Y" name="resolution" value="1000" units="1/cm"/>
+          <inkml:channelProperty channel="F" name="resolution" value="0" units="1/dev"/>
+        </inkml:channelProperties>
+      </inkml:inkSource>
+      <inkml:timestamp xml:id="ts0" timeString="2023-05-06T16:15:22.380"/>
+    </inkml:context>
+    <inkml:brush xml:id="br0">
+      <inkml:brushProperty name="width" value="0.05" units="cm"/>
+      <inkml:brushProperty name="height" value="0.05" units="cm"/>
+    </inkml:brush>
+  </inkml:definitions>
+  <inkml:trace contextRef="#ctx0" brushRef="#br0">20 12 1212,'1'-11'5466,"-5"48"347,-8 97-3725,11-121-1842,0-6-85,0 1 1,0-1-1,1 1 1,0 0 0,0-1-1,1 1 1,0 0-1,1-1 1,2 10-1,-3-16-138,-1 0 1,1 0-1,0 0 0,0 0 0,0 1 0,0-1 1,0 0-1,0-1 0,0 1 0,0 0 0,0 0 1,1 0-1,-1-1 0,0 1 0,0 0 0,1-1 1,-1 0-1,0 1 0,1-1 0,1 1 0,28-1 167,-25-1-161,26-3-168,0-1-1,-1-2 1,1-1-1,-2-1 1,35-16 0,-64 24 97,6-1-166,-1 0-611,1-1-1,-1 0 1,1 0-1,-1 0 1,7-6 0</inkml:trace>
+</inkml:ink>
+</file>
+
+<file path=ppt/ink/ink38.xml><?xml version="1.0" encoding="utf-8"?>
+<inkml:ink xmlns:inkml="http://www.w3.org/2003/InkML">
+  <inkml:definitions>
+    <inkml:context xml:id="ctx0">
+      <inkml:inkSource xml:id="inkSrc0">
+        <inkml:traceFormat>
+          <inkml:channel name="X" type="integer" min="-2.14748E9" max="2.14748E9" units="cm"/>
+          <inkml:channel name="Y" type="integer" min="-2.14748E9" max="2.14748E9" units="cm"/>
+          <inkml:channel name="F" type="integer" max="32767" units="dev"/>
+        </inkml:traceFormat>
+        <inkml:channelProperties>
+          <inkml:channelProperty channel="X" name="resolution" value="1000" units="1/cm"/>
+          <inkml:channelProperty channel="Y" name="resolution" value="1000" units="1/cm"/>
+          <inkml:channelProperty channel="F" name="resolution" value="0" units="1/dev"/>
+        </inkml:channelProperties>
+      </inkml:inkSource>
+      <inkml:timestamp xml:id="ts0" timeString="2023-05-06T16:15:22.722"/>
+    </inkml:context>
+    <inkml:brush xml:id="br0">
+      <inkml:brushProperty name="width" value="0.05" units="cm"/>
+      <inkml:brushProperty name="height" value="0.05" units="cm"/>
+    </inkml:brush>
+  </inkml:definitions>
+  <inkml:trace contextRef="#ctx0" brushRef="#br0">2 3 1444,'-1'-2'957,"1"16"8642,5 80-8544,35 101 835,-16-114-4189,-21-67-6351</inkml:trace>
+</inkml:ink>
+</file>
+
+<file path=ppt/ink/ink39.xml><?xml version="1.0" encoding="utf-8"?>
+<inkml:ink xmlns:inkml="http://www.w3.org/2003/InkML">
+  <inkml:definitions>
+    <inkml:context xml:id="ctx0">
+      <inkml:inkSource xml:id="inkSrc0">
+        <inkml:traceFormat>
+          <inkml:channel name="X" type="integer" min="-2.14748E9" max="2.14748E9" units="cm"/>
+          <inkml:channel name="Y" type="integer" min="-2.14748E9" max="2.14748E9" units="cm"/>
+          <inkml:channel name="F" type="integer" max="32767" units="dev"/>
+        </inkml:traceFormat>
+        <inkml:channelProperties>
+          <inkml:channelProperty channel="X" name="resolution" value="1000" units="1/cm"/>
+          <inkml:channelProperty channel="Y" name="resolution" value="1000" units="1/cm"/>
+          <inkml:channelProperty channel="F" name="resolution" value="0" units="1/dev"/>
+        </inkml:channelProperties>
+      </inkml:inkSource>
+      <inkml:timestamp xml:id="ts0" timeString="2023-05-06T16:15:23.288"/>
+    </inkml:context>
+    <inkml:brush xml:id="br0">
+      <inkml:brushProperty name="width" value="0.05" units="cm"/>
+      <inkml:brushProperty name="height" value="0.05" units="cm"/>
+    </inkml:brush>
+  </inkml:definitions>
+  <inkml:trace contextRef="#ctx0" brushRef="#br0">15 91 1044,'-4'34'2570,"2"1"1,2 38-1,1-33-718,-1-38-716,-1 0-807,-1 6 175,-1-14 545,1-16 272,2 19-1668,-2-18 622,4 8-42,-1 11-212,0-7 114,0-1 0,1 1 0,3-12 1,-4 18-111,0 0 0,0 1 1,1-1-1,-1 0 0,1 1 0,-1 0 1,1-1-1,0 1 0,0 0 1,0 0-1,0 0 0,0 0 1,1 0-1,-1 0 0,4-1 0,-5 2-13,1 1-1,0-1 1,-1 1-1,1 0 1,0-1-1,-1 1 0,1 0 1,0 0-1,0 0 1,-1 0-1,1 1 1,0-1-1,-1 0 0,1 1 1,0 0-1,-1-1 1,4 2-1,-3-1-17,4 2 22,0 1-1,0-1 1,-1 1-1,1 0 1,-1 1-1,0-1 1,0 1-1,0 0 0,-1 1 1,0-1-1,0 1 1,5 9-1,6 1 130,-14-15-41,2-5-98,7-9 11,0-1 0,-1 0 0,10-24 1,-10 20-10,0 1 0,2 0 1,13-17-1,-21 29-13,0 1-1,0 0 1,1 0 0,-1 1 0,1-1-1,0 1 1,0-1 0,0 1 0,1 1-1,-1-1 1,1 1 0,0-1 0,-1 1-1,10-2 1,-13 4 4,1 0-1,-1 0 0,1 0 1,-1 0-1,1 0 0,-1 1 1,0-1-1,1 1 0,-1-1 1,1 1-1,-1-1 0,0 1 1,0 0-1,1-1 0,-1 1 1,0 0-1,0 0 0,0 0 1,2 2-1,15 21-316,-8-8-545,-2 2 0,0-1 0,11 34 0,-6-12-4863,-8-25 2443</inkml:trace>
+</inkml:ink>
+</file>
+
 <file path=ppt/ink/ink4.xml><?xml version="1.0" encoding="utf-8"?>
 <inkml:ink xmlns:inkml="http://www.w3.org/2003/InkML">
   <inkml:definitions>
@@ -921,14 +1044,284 @@
           <inkml:channelProperty channel="F" name="resolution" value="0" units="1/dev"/>
         </inkml:channelProperties>
       </inkml:inkSource>
-      <inkml:timestamp xml:id="ts0" timeString="2024-03-23T06:01:45.442"/>
+      <inkml:timestamp xml:id="ts0" timeString="2024-01-21T13:46:56.335"/>
     </inkml:context>
     <inkml:brush xml:id="br0">
       <inkml:brushProperty name="width" value="0.05" units="cm"/>
       <inkml:brushProperty name="height" value="0.05" units="cm"/>
     </inkml:brush>
   </inkml:definitions>
-  <inkml:trace contextRef="#ctx0" brushRef="#br0">24 113 972,'0'0'1088,"11"-3"1430,-4 0-2179,-1 0-1,1 0 0,-1-1 0,0 0 0,0 0 0,-1-1 1,1 1-1,-1-1 0,0-1 0,0 1 0,0-1 1,-1 1-1,6-12 0,-9 16-275,-1 0 0,1 0 0,-1 0 1,1 1-1,-1-1 0,0 0 0,1 0 1,-1 0-1,0 0 0,0 0 0,0 1 0,0-1 1,0 0-1,0 0 0,0 0 0,0 0 0,0 0 1,0 0-1,0 0 0,-1 0 0,1 1 1,0-1-1,-1 0 0,1 0 0,0 0 0,-1 0 1,1 1-1,-1-1 0,0 0 0,1 1 0,-1-1 1,1 0-1,-1 1 0,-1-2 0,1 1-3,-1 1 0,1-1 0,0 0 0,-1 1 0,1-1 0,-1 1 0,1 0 0,0-1 0,-1 1 0,1 0 0,-1 0 0,1 0 0,-1 0 0,1 0 0,-1 0 0,1 0 0,-1 1 0,1-1 0,-1 0 0,1 1 0,-2 0 0,-3 2 44,1 1-1,-1-1 1,1 1-1,0 0 1,1 0-1,-1 0 1,1 1-1,0-1 1,0 1-1,0 0 1,0 1-1,1-1 1,0 1-1,0-1 1,1 1-1,-1 0 1,1 0-1,-1 8 1,1-9-63,1 1 1,1-1 0,-1 1 0,1-1 0,0 1 0,0-1 0,1 1-1,-1-1 1,1 0 0,0 1 0,1-1 0,-1 0 0,1 1-1,0-1 1,1 0 0,-1 0 0,1-1 0,0 1 0,0 0 0,0-1-1,1 0 1,4 5 0,-1-3-69,0 0 1,1 0-1,0-1 0,0 0 1,0 0-1,1-1 0,-1 0 0,15 4 1,24 3-1985,1-5-4718</inkml:trace>
+  <inkml:trace contextRef="#ctx0" brushRef="#br0">24 173 1064,'0'0'9317,"-3"4"-8942,0-1-273,1-2-50,1 1 1,-1-1 0,1 1 0,-1 0-1,1 0 1,0-1 0,0 1 0,0 0-1,0 0 1,0 0 0,-1 3-1,2-3 1,-1 0 0,1 0-1,0 0 1,0 0 0,0 0-1,0 0 1,0 1 0,0-1-1,0 0 1,2 3 0,-1 5 64,0 5 173,0 1 1,1 0-1,0-1 0,1 1 0,10 28 0,-11-39-231,0-1 0,0 1 0,1-1-1,0 1 1,0-1 0,0 0-1,0 0 1,0 0 0,1 0 0,0-1-1,0 1 1,0-1 0,0 0-1,0 0 1,1-1 0,-1 1 0,1-1-1,0 0 1,0 0 0,0-1-1,9 3 1,3-2 12,1 0-1,-1-2 1,1 0-1,-1 0 1,1-2-1,-1 0 1,1-1 0,-1-1-1,31-11 1,11-8 77,75-41 1,-132 63-146,187-106 221,-57 31-294,44-31-1942,-133 85-80,-14 12-2985,-15 6 1806</inkml:trace>
+</inkml:ink>
+</file>
+
+<file path=ppt/ink/ink40.xml><?xml version="1.0" encoding="utf-8"?>
+<inkml:ink xmlns:inkml="http://www.w3.org/2003/InkML">
+  <inkml:definitions>
+    <inkml:context xml:id="ctx0">
+      <inkml:inkSource xml:id="inkSrc0">
+        <inkml:traceFormat>
+          <inkml:channel name="X" type="integer" min="-2.14748E9" max="2.14748E9" units="cm"/>
+          <inkml:channel name="Y" type="integer" min="-2.14748E9" max="2.14748E9" units="cm"/>
+          <inkml:channel name="F" type="integer" max="32767" units="dev"/>
+        </inkml:traceFormat>
+        <inkml:channelProperties>
+          <inkml:channelProperty channel="X" name="resolution" value="1000" units="1/cm"/>
+          <inkml:channelProperty channel="Y" name="resolution" value="1000" units="1/cm"/>
+          <inkml:channelProperty channel="F" name="resolution" value="0" units="1/dev"/>
+        </inkml:channelProperties>
+      </inkml:inkSource>
+      <inkml:timestamp xml:id="ts0" timeString="2023-05-06T16:15:23.659"/>
+    </inkml:context>
+    <inkml:brush xml:id="br0">
+      <inkml:brushProperty name="width" value="0.05" units="cm"/>
+      <inkml:brushProperty name="height" value="0.05" units="cm"/>
+    </inkml:brush>
+  </inkml:definitions>
+  <inkml:trace contextRef="#ctx0" brushRef="#br0">0 0 1352,'0'0'7499,"1"11"-6949,5 41 455,16 60-1,15 63 156,-34-150-2121,0 24 0,-6-29-3470,2-17 1650</inkml:trace>
+</inkml:ink>
+</file>
+
+<file path=ppt/ink/ink41.xml><?xml version="1.0" encoding="utf-8"?>
+<inkml:ink xmlns:inkml="http://www.w3.org/2003/InkML">
+  <inkml:definitions>
+    <inkml:context xml:id="ctx0">
+      <inkml:inkSource xml:id="inkSrc0">
+        <inkml:traceFormat>
+          <inkml:channel name="X" type="integer" min="-2.14748E9" max="2.14748E9" units="cm"/>
+          <inkml:channel name="Y" type="integer" min="-2.14748E9" max="2.14748E9" units="cm"/>
+          <inkml:channel name="F" type="integer" max="32767" units="dev"/>
+        </inkml:traceFormat>
+        <inkml:channelProperties>
+          <inkml:channelProperty channel="X" name="resolution" value="1000" units="1/cm"/>
+          <inkml:channelProperty channel="Y" name="resolution" value="1000" units="1/cm"/>
+          <inkml:channelProperty channel="F" name="resolution" value="0" units="1/dev"/>
+        </inkml:channelProperties>
+      </inkml:inkSource>
+      <inkml:timestamp xml:id="ts0" timeString="2023-05-06T16:15:24.001"/>
+    </inkml:context>
+    <inkml:brush xml:id="br0">
+      <inkml:brushProperty name="width" value="0.05" units="cm"/>
+      <inkml:brushProperty name="height" value="0.05" units="cm"/>
+    </inkml:brush>
+  </inkml:definitions>
+  <inkml:trace contextRef="#ctx0" brushRef="#br0">1 142 1288,'3'-11'948,"-2"9"-94,-1-1-92,2-2-306,0 0 0,0 0 0,1 1 0,0-1-1,-1 0 1,1 1 0,1 0 0,-1 0 0,1 0 0,6-6 0,0 2 129,0 0-1,0 1 1,15-8 0,-23 14-528,10-6 348,1 1-1,0 0 1,13-4-1,-24 9-276,1 1-71,-1-1 0,1 1 0,-1 0 0,0 0 0,1 0 0,-1 0 1,1 0-1,-1 1 0,5 0 0,-7-1-89,1 0 39,-1 1-1,1-1 1,-1 0 0,1 0-1,-1 1 1,1-1 0,-1 0-1,1 1 1,-1-1-1,1 0 1,-1 1 0,1-1-1,-1 1 1,0-1 0,1 0-1,-1 1 1,0-1 0,1 1-1,-1-1 1,0 1 0,0 0-1,0-1 1,1 1 0,-1-1-1,0 1 1,0 1 0,0 18 112,-3 7-56,-2 0 0,-10 30 0,8-31-17,1 1-1,1 0 1,-3 36-1,8-54-32,1 1-1,0 0 1,0 0-1,1 0 1,1-1-1,-1 1 1,1-1-1,1 1 1,0-1 0,0 0-1,1-1 1,6 10-1,8 7 18,0 0 1,34 30-1,-37-38 3,-15-16-31,-1-1 1,0 0 0,1 1-1,-1-1 1,0 1-1,1-1 1,-1 1 0,0-1-1,0 1 1,1-1-1,-1 1 1,0-1 0,0 1-1,0-1 1,0 1 0,0-1-1,0 1 1,0-1-1,1 1 1,-2-1 0,1 1-1,0-1 1,0 1-1,0-1 1,0 1 0,0 0-1,0-1 1,0 1 0,-1-1-1,1 0 1,0 1-1,-1-1 1,1 1 0,0-1-1,0 1 1,-1-1-1,1 0 1,-1 1 0,0 0-1,-16 9-2,8-7-329,1 0-1,-1-1 1,1 0-1,-1-1 1,0 0-1,0 0 1,-13-1-1,6-4-3650,13 2 2946</inkml:trace>
+</inkml:ink>
+</file>
+
+<file path=ppt/ink/ink42.xml><?xml version="1.0" encoding="utf-8"?>
+<inkml:ink xmlns:inkml="http://www.w3.org/2003/InkML">
+  <inkml:definitions>
+    <inkml:context xml:id="ctx0">
+      <inkml:inkSource xml:id="inkSrc0">
+        <inkml:traceFormat>
+          <inkml:channel name="X" type="integer" min="-2.14748E9" max="2.14748E9" units="cm"/>
+          <inkml:channel name="Y" type="integer" min="-2.14748E9" max="2.14748E9" units="cm"/>
+          <inkml:channel name="F" type="integer" max="32767" units="dev"/>
+        </inkml:traceFormat>
+        <inkml:channelProperties>
+          <inkml:channelProperty channel="X" name="resolution" value="1000" units="1/cm"/>
+          <inkml:channelProperty channel="Y" name="resolution" value="1000" units="1/cm"/>
+          <inkml:channelProperty channel="F" name="resolution" value="0" units="1/dev"/>
+        </inkml:channelProperties>
+      </inkml:inkSource>
+      <inkml:timestamp xml:id="ts0" timeString="2023-05-06T16:15:24.837"/>
+    </inkml:context>
+    <inkml:brush xml:id="br0">
+      <inkml:brushProperty name="width" value="0.05" units="cm"/>
+      <inkml:brushProperty name="height" value="0.05" units="cm"/>
+    </inkml:brush>
+  </inkml:definitions>
+  <inkml:trace contextRef="#ctx0" brushRef="#br0">17 235 1236,'0'0'1499,"-3"0"-135,-11 1 8244,23-5-9276,147-39 707,-91 27-566,78-30 0,-118 37-351,-9 3 442,27-14-1,-41 19-513,-1 0 0,0 0-1,0 0 1,0 0 0,0 0 0,0-1 0,0 1 0,0 0 0,0 0 0,0-1-1,-1 1 1,1-1 0,0 1 0,-1 0 0,1-1 0,-1 1 0,0-1-1,1 1 1,-1-1 0,0 0 0,0 1 0,0-3 0,0 1 85,-9-10-30,7 11-57,-2-2 80,1 0-1,0 1 1,0-2 0,0 1 0,0 0 0,1-1 0,-3-4-1,4 7 75,7 5-190,18 7 6,-21-8-10,-1-1 0,1 1 0,-1-1 0,0 1 0,0 0 0,0 0-1,0 0 1,0 0 0,0 0 0,0 1 0,0-1 0,-1 0-1,1 1 1,-1 0 0,0-1 0,0 1 0,0 0 0,1 5 0,1-1 12,-2-2-16,0 0 0,0 0-1,-1 0 1,1 0 0,-1 0 0,0 1 0,0-1 0,-1 0 0,-2 9-1,1-3-244,-1-1 0,0 1 0,-7 14 0,4-15-898,0 0 0,-14 16 0,3-3-4860,7-9 1433</inkml:trace>
+</inkml:ink>
+</file>
+
+<file path=ppt/ink/ink43.xml><?xml version="1.0" encoding="utf-8"?>
+<inkml:ink xmlns:inkml="http://www.w3.org/2003/InkML">
+  <inkml:definitions>
+    <inkml:context xml:id="ctx0">
+      <inkml:inkSource xml:id="inkSrc0">
+        <inkml:traceFormat>
+          <inkml:channel name="X" type="integer" min="-2.14748E9" max="2.14748E9" units="cm"/>
+          <inkml:channel name="Y" type="integer" min="-2.14748E9" max="2.14748E9" units="cm"/>
+          <inkml:channel name="F" type="integer" max="32767" units="dev"/>
+        </inkml:traceFormat>
+        <inkml:channelProperties>
+          <inkml:channelProperty channel="X" name="resolution" value="1000" units="1/cm"/>
+          <inkml:channelProperty channel="Y" name="resolution" value="1000" units="1/cm"/>
+          <inkml:channelProperty channel="F" name="resolution" value="0" units="1/dev"/>
+        </inkml:channelProperties>
+      </inkml:inkSource>
+      <inkml:timestamp xml:id="ts0" timeString="2023-05-06T16:15:25.309"/>
+    </inkml:context>
+    <inkml:brush xml:id="br0">
+      <inkml:brushProperty name="width" value="0.05" units="cm"/>
+      <inkml:brushProperty name="height" value="0.05" units="cm"/>
+    </inkml:brush>
+  </inkml:definitions>
+  <inkml:trace contextRef="#ctx0" brushRef="#br0">1 122 876,'0'0'1290,"0"-3"-120,1-5-282,1 1 1,-1 0 0,2-1-1,-1 1 1,4-7 0,-4 9-629,1 0 0,0 0 0,0 0 0,1 1 1,-1-1-1,1 1 0,0 0 0,0 0 1,0 0-1,1 1 0,-1 0 0,8-5 0,-10 7-185,0 0-1,0 0 0,0 0 0,0 0 1,0 0-1,1 1 0,-1-1 0,0 1 0,1-1 1,-1 1-1,0 0 0,1 0 0,-1 0 1,4 0-1,-4 1-40,-1-1 1,1 1 0,-1-1-1,1 1 1,-1 0 0,1-1-1,-1 1 1,0 0 0,1 0-1,-1 0 1,0 0 0,0 1-1,1-1 1,-1 0-1,0 0 1,1 2 0,0 1-1,0 0-1,-1 0 1,1 0 0,-1 0 0,0 0-1,0 0 1,0 0 0,0 1 0,-1-1-1,1 0 1,-1 0 0,-1 1 0,0 5-1,-3 13 37,-2-1 0,-1 0 0,-1 0 0,-18 36-1,17-39-28,-44 83 301,52-100-254,2-1-85,0 0 0,0 0 1,0 0-1,0 0 0,0 0 1,0 0-1,0 0 0,0 0 1,2 1-1,-2-2-1,0 0 0,-1 1 0,1-1-1,0 0 1,-1 1 0,1-1 0,0 0 0,-1 1 0,1-1-1,0 0 1,-1 0 0,1 0 0,0 0 0,0 0 0,-1 0-1,1 0 1,0 0 0,0 0 0,-1 0 0,1 0 0,0-1-1,0 1 1,0 0 2,14-1-37,0 0 0,18-5 1,-15 3-89,0 0-374,55-11-819,-66 12 49,0-1 0,0 1 1,-1-1-1,9-5 1</inkml:trace>
+</inkml:ink>
+</file>
+
+<file path=ppt/ink/ink44.xml><?xml version="1.0" encoding="utf-8"?>
+<inkml:ink xmlns:inkml="http://www.w3.org/2003/InkML">
+  <inkml:definitions>
+    <inkml:context xml:id="ctx0">
+      <inkml:inkSource xml:id="inkSrc0">
+        <inkml:traceFormat>
+          <inkml:channel name="X" type="integer" min="-2.14748E9" max="2.14748E9" units="cm"/>
+          <inkml:channel name="Y" type="integer" min="-2.14748E9" max="2.14748E9" units="cm"/>
+          <inkml:channel name="F" type="integer" max="32767" units="dev"/>
+        </inkml:traceFormat>
+        <inkml:channelProperties>
+          <inkml:channelProperty channel="X" name="resolution" value="1000" units="1/cm"/>
+          <inkml:channelProperty channel="Y" name="resolution" value="1000" units="1/cm"/>
+          <inkml:channelProperty channel="F" name="resolution" value="0" units="1/dev"/>
+        </inkml:channelProperties>
+      </inkml:inkSource>
+      <inkml:timestamp xml:id="ts0" timeString="2023-05-06T16:15:25.693"/>
+    </inkml:context>
+    <inkml:brush xml:id="br0">
+      <inkml:brushProperty name="width" value="0.05" units="cm"/>
+      <inkml:brushProperty name="height" value="0.05" units="cm"/>
+    </inkml:brush>
+  </inkml:definitions>
+  <inkml:trace contextRef="#ctx0" brushRef="#br0">0 179 1660,'0'-23'3172,"0"20"-2321,1-1-102,2-2-493,0-1 0,0 1 0,0 0 0,1 0 0,0 0 0,0 0 0,1 1 0,-1-1 1,1 1-1,0 0 0,1 1 0,-1-1 0,8-4 0,69-52-488,-76 56-230</inkml:trace>
+</inkml:ink>
+</file>
+
+<file path=ppt/ink/ink45.xml><?xml version="1.0" encoding="utf-8"?>
+<inkml:ink xmlns:inkml="http://www.w3.org/2003/InkML">
+  <inkml:definitions>
+    <inkml:context xml:id="ctx0">
+      <inkml:inkSource xml:id="inkSrc0">
+        <inkml:traceFormat>
+          <inkml:channel name="X" type="integer" min="-2.14748E9" max="2.14748E9" units="cm"/>
+          <inkml:channel name="Y" type="integer" min="-2.14748E9" max="2.14748E9" units="cm"/>
+          <inkml:channel name="F" type="integer" max="32767" units="dev"/>
+        </inkml:traceFormat>
+        <inkml:channelProperties>
+          <inkml:channelProperty channel="X" name="resolution" value="1000" units="1/cm"/>
+          <inkml:channelProperty channel="Y" name="resolution" value="1000" units="1/cm"/>
+          <inkml:channelProperty channel="F" name="resolution" value="0" units="1/dev"/>
+        </inkml:channelProperties>
+      </inkml:inkSource>
+      <inkml:timestamp xml:id="ts0" timeString="2023-05-06T16:15:26.023"/>
+    </inkml:context>
+    <inkml:brush xml:id="br0">
+      <inkml:brushProperty name="width" value="0.05" units="cm"/>
+      <inkml:brushProperty name="height" value="0.05" units="cm"/>
+    </inkml:brush>
+  </inkml:definitions>
+  <inkml:trace contextRef="#ctx0" brushRef="#br0">100 0 1124,'0'0'774,"-8"9"1606,-18 31 427,24-37-2679,1 1 0,-1 0 0,1 0 0,0 0 0,0 0 0,1 0 0,-1 0 0,1 0 0,0 0 0,0 0 0,0 0 0,0 0 0,1 0 0,-1 0 0,1 0 0,0 0 0,1 0 0,-1 0 1,1 0-1,2 4 0,4 6 230,0 0 1,2-1-1,18 22 1,-17-22-95,5 4 87,-12-12-176,0-1 0,1 1-1,-2 0 1,1 0 0,0 0-1,-1 1 1,0-1 0,4 11-1,-7-14-36,-1 0-109,0 0 0,0 0-1,0 0 1,0 0 0,0 0-1,-1 0 1,1 0 0,-1 0-1,1-1 1,-1 1 0,0-1-1,0 1 1,-3 1 0,-29 16 121,13-11-313,-37 12-1,49-18-862,0 0 0,0-1 1,-14 1-1</inkml:trace>
+</inkml:ink>
+</file>
+
+<file path=ppt/ink/ink46.xml><?xml version="1.0" encoding="utf-8"?>
+<inkml:ink xmlns:inkml="http://www.w3.org/2003/InkML">
+  <inkml:definitions>
+    <inkml:context xml:id="ctx0">
+      <inkml:inkSource xml:id="inkSrc0">
+        <inkml:traceFormat>
+          <inkml:channel name="X" type="integer" min="-2.14748E9" max="2.14748E9" units="cm"/>
+          <inkml:channel name="Y" type="integer" min="-2.14748E9" max="2.14748E9" units="cm"/>
+          <inkml:channel name="F" type="integer" max="32767" units="dev"/>
+        </inkml:traceFormat>
+        <inkml:channelProperties>
+          <inkml:channelProperty channel="X" name="resolution" value="1000" units="1/cm"/>
+          <inkml:channelProperty channel="Y" name="resolution" value="1000" units="1/cm"/>
+          <inkml:channelProperty channel="F" name="resolution" value="0" units="1/dev"/>
+        </inkml:channelProperties>
+      </inkml:inkSource>
+      <inkml:timestamp xml:id="ts0" timeString="2023-05-06T16:15:26.599"/>
+    </inkml:context>
+    <inkml:brush xml:id="br0">
+      <inkml:brushProperty name="width" value="0.05" units="cm"/>
+      <inkml:brushProperty name="height" value="0.05" units="cm"/>
+    </inkml:brush>
+  </inkml:definitions>
+  <inkml:trace contextRef="#ctx0" brushRef="#br0">110 195 1504,'0'0'843,"2"4"-60,2 6-300,0 1-1,-1 0 1,0 0-1,-1 0 0,0 0 1,0 14-1,6 27 347,-3-30-497,35 148 2212,-39-168-2226,0 1 147,1 1-585,-2-8 2718,-9-46-2082,-6-35 1001,-6-146 1,20 223-1444,1 0 1,1 0 0,0 1 0,0-1 0,0 0 0,1 1 0,0-1 0,1 1 0,0 0 0,5-12 0,-3 12-47,1 0 0,-1 0 0,1 0 1,1 1-1,-1 0 0,1 0 0,0 0 1,1 1-1,-1 0 0,14-6 0,-19 10-20,0 1-5,8-2-14,-7 2 29,0 1-10,16 9 10,-18-6-16,-2-3 1,2 1-4,0 1-1,0 0 1,-1 0-1,0-1 1,1 1-1,-1 0 1,0 0 0,0-1-1,0 1 1,-1 0-1,0 5 1,-12 29 19,10-27-18,-11 27 21,-4 12-19,-13 54 0,31-101-8,0 0 0,-1-1 1,1 1-1,0 0 0,1 0 0,-1 0 0,0 0 0,0 0 1,1 0-1,-1-1 0,1 1 0,0 0 0,-1 0 0,1-1 1,0 1-1,2 2 0,18 20-88,-21-23 94,16 12-58,1 0 0,1-1 0,-1-1 1,21 10-1,27 17-267,-64-37 306,1-1 0,-1 1-1,0 0 1,1 0 0,-1 0-1,0 0 1,0 0 0,0 0-1,0 1 1,0-1 0,0 0 0,0 0-1,0 1 1,0-1 0,-1 1-1,1-1 1,0 1 0,-1-1-1,0 1 1,1-1 0,-1 1-1,0-1 1,1 1 0,-1 2 0,-1-3-106,-4 2-14,-10 4 12,-1 0 1,0-1-1,-28 6 1,-59 7-510,86-16 501,-105 11-1140,103-14-131,0 0 0,-24-4 0,31 1-1703</inkml:trace>
+</inkml:ink>
+</file>
+
+<file path=ppt/ink/ink47.xml><?xml version="1.0" encoding="utf-8"?>
+<inkml:ink xmlns:inkml="http://www.w3.org/2003/InkML">
+  <inkml:definitions>
+    <inkml:context xml:id="ctx0">
+      <inkml:inkSource xml:id="inkSrc0">
+        <inkml:traceFormat>
+          <inkml:channel name="X" type="integer" min="-2.14748E9" max="2.14748E9" units="cm"/>
+          <inkml:channel name="Y" type="integer" min="-2.14748E9" max="2.14748E9" units="cm"/>
+          <inkml:channel name="F" type="integer" max="32767" units="dev"/>
+        </inkml:traceFormat>
+        <inkml:channelProperties>
+          <inkml:channelProperty channel="X" name="resolution" value="1000" units="1/cm"/>
+          <inkml:channelProperty channel="Y" name="resolution" value="1000" units="1/cm"/>
+          <inkml:channelProperty channel="F" name="resolution" value="0" units="1/dev"/>
+        </inkml:channelProperties>
+      </inkml:inkSource>
+      <inkml:timestamp xml:id="ts0" timeString="2023-05-06T16:15:26.939"/>
+    </inkml:context>
+    <inkml:brush xml:id="br0">
+      <inkml:brushProperty name="width" value="0.05" units="cm"/>
+      <inkml:brushProperty name="height" value="0.05" units="cm"/>
+    </inkml:brush>
+  </inkml:definitions>
+  <inkml:trace contextRef="#ctx0" brushRef="#br0">1 0 1856,'0'0'4983,"3"4"-4123,1 1-659,0 0-1,-1 0 1,0 0 0,0 1 0,0-1 0,-1 1 0,0-1 0,0 1 0,0 0-1,1 7 1,11 50 721,3 6-171,-4 1-1,9 114 0,-18-144-1231,-2-21-842,0 4-3343,-1-5 1691</inkml:trace>
+</inkml:ink>
+</file>
+
+<file path=ppt/ink/ink48.xml><?xml version="1.0" encoding="utf-8"?>
+<inkml:ink xmlns:inkml="http://www.w3.org/2003/InkML">
+  <inkml:definitions>
+    <inkml:context xml:id="ctx0">
+      <inkml:inkSource xml:id="inkSrc0">
+        <inkml:traceFormat>
+          <inkml:channel name="X" type="integer" min="-2.14748E9" max="2.14748E9" units="cm"/>
+          <inkml:channel name="Y" type="integer" min="-2.14748E9" max="2.14748E9" units="cm"/>
+          <inkml:channel name="F" type="integer" max="32767" units="dev"/>
+        </inkml:traceFormat>
+        <inkml:channelProperties>
+          <inkml:channelProperty channel="X" name="resolution" value="1000" units="1/cm"/>
+          <inkml:channelProperty channel="Y" name="resolution" value="1000" units="1/cm"/>
+          <inkml:channelProperty channel="F" name="resolution" value="0" units="1/dev"/>
+        </inkml:channelProperties>
+      </inkml:inkSource>
+      <inkml:timestamp xml:id="ts0" timeString="2023-05-06T16:15:27.312"/>
+    </inkml:context>
+    <inkml:brush xml:id="br0">
+      <inkml:brushProperty name="width" value="0.05" units="cm"/>
+      <inkml:brushProperty name="height" value="0.05" units="cm"/>
+    </inkml:brush>
+  </inkml:definitions>
+  <inkml:trace contextRef="#ctx0" brushRef="#br0">41 4 1500,'0'0'970,"-1"-1"-857,1 1 0,0 0 0,-1-1 0,1 1 0,0 0 0,-1 0 0,1 0 0,-1-1 0,1 1 0,-1 0 0,1 0 0,0 0 0,-1 0 0,1 0 0,-1 0 0,1 0 1,-1 0-1,1 0 0,0 0 0,-1 0 0,1 0 0,-1 0 0,1 0 0,-1 0 0,1 0 0,-1 0 0,1 1 0,0-1 0,-1 0 0,1 0 0,0 1 0,-1-1 0,1 0 1,-1 1-1,-2 3 80,-14 20 833,16-22-961,0-1 0,1 1 0,-1-1 0,1 1 0,-1 0 0,1-1 0,0 1 0,0-1 0,0 1 0,0 0 0,0-1 0,0 3 0,0 4 88,-1 4 96,1 1-1,0-1 1,0 1-1,2-1 1,-1 0-1,1 1 1,8 22-1,-8-29-165,0-1 0,0 1 0,1-1 0,0 0 0,0 0 0,0 0 0,0 0 0,1 0-1,0-1 1,0 0 0,0 0 0,0 0 0,1 0 0,0-1 0,0 1 0,0-1 0,0 0 0,0-1 0,7 3-1,9-1 326,-19-4-379,-1 0 1,0 0-1,0 0 1,0 0-1,1 0 1,-1-1-1,0 1 1,0 0-1,0-1 1,0 1-1,0-1 1,0 1-1,0-1 1,0 1-1,0-1 1,0 0-1,0 1 1,0-1-1,0 0 1,0 0-1,1-1 1,0-2 5,-1-1 0,1 1 0,-1-1 0,1 1 0,-1-1 1,-1 0-1,1 1 0,-1-1 0,1 0 0,-2 1 0,1-1 0,0 0 1,-1 1-1,0-1 0,0 1 0,0-1 0,0 1 0,-3-6 1,-2-5-145,-1-1 1,-1 1-1,-17-27 1,1 14-1034,6 10-3771,16 16 3904,-6-5-1920</inkml:trace>
+</inkml:ink>
+</file>
+
+<file path=ppt/ink/ink49.xml><?xml version="1.0" encoding="utf-8"?>
+<inkml:ink xmlns:inkml="http://www.w3.org/2003/InkML">
+  <inkml:definitions>
+    <inkml:context xml:id="ctx0">
+      <inkml:inkSource xml:id="inkSrc0">
+        <inkml:traceFormat>
+          <inkml:channel name="X" type="integer" min="-2.14748E9" max="2.14748E9" units="cm"/>
+          <inkml:channel name="Y" type="integer" min="-2.14748E9" max="2.14748E9" units="cm"/>
+          <inkml:channel name="F" type="integer" max="32767" units="dev"/>
+        </inkml:traceFormat>
+        <inkml:channelProperties>
+          <inkml:channelProperty channel="X" name="resolution" value="1000" units="1/cm"/>
+          <inkml:channelProperty channel="Y" name="resolution" value="1000" units="1/cm"/>
+          <inkml:channelProperty channel="F" name="resolution" value="0" units="1/dev"/>
+        </inkml:channelProperties>
+      </inkml:inkSource>
+      <inkml:timestamp xml:id="ts0" timeString="2023-05-06T16:15:27.640"/>
+    </inkml:context>
+    <inkml:brush xml:id="br0">
+      <inkml:brushProperty name="width" value="0.05" units="cm"/>
+      <inkml:brushProperty name="height" value="0.05" units="cm"/>
+    </inkml:brush>
+  </inkml:definitions>
+  <inkml:trace contextRef="#ctx0" brushRef="#br0">53 1 1436,'0'0'5365,"-6"4"-4649,-15 12-46,20-16-640,1 1 1,-1-1-1,1 0 1,-1 1-1,1-1 1,-1 0-1,1 1 1,0-1-1,-1 1 1,1-1-1,0 1 1,-1-1-1,1 1 1,0-1-1,0 1 1,-1-1-1,1 1 1,0-1-1,0 1 1,-5 17 310,1 1-1,0-1 1,2 0 0,0 1 0,1-1-1,1 1 1,3 27 0,-1-31-237,0 0 0,2 0 0,-1 0 0,2 0-1,0 0 1,1-1 0,0 0 0,1 0 0,16 24 0,-18-32-187,0-1 0,0 1 0,8 7 0,7 0-1287,-17-12 776,-1 0 1,0-1 0,1 1 0,0 0 0,-1-1 0,1 0 0,3 1 0,15-1-2138</inkml:trace>
 </inkml:ink>
 </file>
 
@@ -948,14 +1341,284 @@
           <inkml:channelProperty channel="F" name="resolution" value="0" units="1/dev"/>
         </inkml:channelProperties>
       </inkml:inkSource>
-      <inkml:timestamp xml:id="ts0" timeString="2024-03-23T06:01:46.624"/>
+      <inkml:timestamp xml:id="ts0" timeString="2024-01-21T13:47:21.565"/>
     </inkml:context>
     <inkml:brush xml:id="br0">
       <inkml:brushProperty name="width" value="0.05" units="cm"/>
       <inkml:brushProperty name="height" value="0.05" units="cm"/>
     </inkml:brush>
   </inkml:definitions>
-  <inkml:trace contextRef="#ctx0" brushRef="#br0">203 435 1200,'-2'-3'1080,"1"2"-893,0 0 1,0 0 0,0 0-1,0 0 1,0 0 0,0 1 0,-1-1-1,1 0 1,0 0 0,-1 1-1,1-1 1,0 1 0,-1-1 0,1 1-1,-1 0 1,1-1 0,-1 1-1,1 0 1,-1 0 0,1 0 0,-2 0-1,-2 1 41,1 0 1,0 0-1,0 0 0,0 0 0,0 1 0,0-1 0,-6 5 1,1-1-28,1 1 0,-1 0 0,1 1 0,0 0 0,1 0 0,-8 10 0,7-7-45,0 1 0,0 1 0,2-1 1,-1 1-1,2 0 0,-1 1 0,2 0 1,-1-1-1,2 1 0,-4 23 0,14-5 50,-4-31-185,5 2-21,-5-1 1,1-5-5,3-3-12,0-1 1,-1 0-1,1 0 1,-2-1-1,1 0 1,-1 0-1,-1 0 1,6-17-1,10-41-43,-4-1-1,-3-1 1,-2 0-1,0-78 1,-12 8 576,-4 124-392,4 15-118,1-1 0,0 1 0,0 0 0,0 0 0,0-1 0,0 1 0,0 0 0,0-1 0,0 1 0,0 0 0,-1 0 0,1-1 0,0 1 0,0 0 0,0 0 0,0 0 1,-1-1-1,1 1 0,0 0 0,0 0 0,-1 0 0,1 0 0,0-1 0,0 1 0,-1 0 0,1 0 0,0 0 0,0 0 0,-1 0 0,1 0 0,0 0 0,0 0 0,-1 0 0,1 0 0,0 0 0,-1 0 0,1 0 0,0 0 0,0 0 0,-1 0 0,1 0 0,0 0 0,-1 0 0,1 0 0,0 1 0,0-1 0,-1 0 0,1 0 0,0 0 0,-5 9 15,0-1 1,1 1-1,1 0 1,-1 0-1,1 0 1,1 0-1,0 0 1,0 1-1,0 9 1,-1 17 34,2 39 1,1-69-56,1 50-34,11 78 0,-9-117-19,1 0 0,0-1 0,1 1-1,0-1 1,2 0 0,0 0 0,1-1 0,0 0 0,11 14-1,-15-24 0,0 0-1,0-1 0,0 1 0,1-1 0,0 0 0,-1 0 0,1-1 0,1 1 0,10 4 1,-13-7 30,-1 0 0,1 0 0,0 0 0,0 0 1,0-1-1,0 1 0,0-1 0,0 0 0,0 0 1,0 0-1,0 0 0,1 0 0,-1-1 1,0 1-1,-1-1 0,1 0 0,0 0 0,0 0 1,0 0-1,0-1 0,4-2 0,1-2 37,0-1 0,0 0-1,-1 0 1,0-1-1,0 0 1,-1 0 0,0-1-1,7-13 1,2-7 514,14-40 0,-23 52-199,3 2 95,-9 15-416,0-1-1,1 1 1,-1 0-1,0 0 1,0 0 0,1 0-1,-1 0 1,0-1-1,0 1 1,1 0-1,-1 0 1,0 0-1,0 0 1,1 0-1,-1 0 1,0 0-1,0 0 1,1 0-1,-1 0 1,0 0-1,1 0 1,-1 0-1,0 0 1,0 0-1,1 0 1,-1 0-1,0 1 1,0-1-1,1 0 1,-1 0-1,0 0 1,3 3-70,-1 0 1,1 0-1,-1 1 1,0-1-1,0 0 1,2 7-1,-1-4-175,10 16-737,20 27 0,-32-48 921,0 1 0,0-1 0,0 0 0,0 0 0,1 0 0,-1 0 0,0-1 0,1 1 0,-1 0 0,0 0 0,1-1 1,-1 1-1,1-1 0,-1 1 0,1-1 0,-1 0 0,1 0 0,-1 1 0,1-1 0,0 0 0,-1 0 0,1-1 0,-1 1 0,1 0 0,1-1 1,0 1 49,-1-1-1,1 0 1,0 0 0,-1 0 0,1-1 0,-1 1 0,1-1 0,-1 1 0,0-1 0,0 0 0,0 0 0,0 1 0,2-4 0,-2 3 253,0-1 0,-1 1-1,1-1 1,-1 1 0,0-1 0,0 0 0,0 1 0,0-1 0,0 0 0,-1 0 0,1 0-1,-1 0 1,0-5 0,1 9-239,-1 1-1,0-1 1,1 0 0,-1 1-1,1-1 1,-1 0 0,1 1-1,0-1 1,-1 0-1,1 0 1,0 0 0,1 2-1,1 0 11,2 6-75,0 0-1,1 0 1,1-1 0,-1 0-1,1 0 1,0-1 0,15 12 0,-17-15-28,0-1 1,1 1-1,-1-1 1,1 0-1,0 0 1,0-1-1,0 0 1,0 0-1,0 0 1,0-1 0,1 0-1,10 1 1,-14-2 82,1 0 0,-1-1 0,1 0 1,-1 1-1,1-1 0,-1 0 0,0-1 0,1 1 1,-1 0-1,0-1 0,0 0 0,0 0 0,0 0 1,0 0-1,0 0 0,-1-1 0,1 1 1,3-6-1,1-1 137,-1-1 1,0 0 0,0 0-1,5-12 1,-7 10 208,0 1 0,-1-1-1,4-20 1,-5 19-50,-1 11 388,0 6-630,14 64 149,4 13-52,-19-81-151,0 1 0,0 0 1,1 0-1,-1-1 0,0 1 1,1 0-1,-1 0 0,1-1 1,-1 1-1,1 0 0,-1-1 1,1 1-1,-1-1 0,1 1 0,0-1 1,-1 1-1,1-1 0,0 1 1,-1-1-1,1 0 0,0 1 1,0-1-1,-1 0 0,1 1 1,0-1-1,0 0 0,-1 0 1,1 0-1,0 0 0,0 0 1,0 0-1,-1 0 0,1 0 1,0 0-1,1-1 0,3 0 16,0-1-1,-1 1 1,1-1-1,8-5 1,-3 1 45,71-29 431,-77 35-469,-1-1-1,0 1 0,1-1 1,-1 1-1,0 0 0,1 0 1,-1 1-1,1-1 0,-1 1 1,0 0-1,1 0 0,-1 0 1,0 0-1,0 0 0,0 1 1,0-1-1,0 1 0,0 0 1,0 0-1,-1 0 0,1 0 1,4 5-1,4 4 11,-1 0 0,0 1-1,12 18 1,3 16-695,-15-25-1600,1-2-3541</inkml:trace>
+  <inkml:trace contextRef="#ctx0" brushRef="#br0">1 248 952,'10'-14'11766,"-10"14"-11605,17 33 169,-1 0-1,15 44 0,-11-24-36,-18-48-272,3 9 75,1-1-1,0 1 1,1-1-1,1 0 1,15 21-1,-21-32-82,0 0 1,0-1-1,0 1 0,1 0 1,-1-1-1,0 1 0,1-1 1,-1 0-1,1 0 0,0 0 1,-1 0-1,1 0 0,0-1 1,-1 1-1,1-1 0,0 0 0,0 0 1,-1 0-1,1 0 0,0 0 1,0 0-1,5-2 0,4-1 19,0-1 0,0-1-1,19-9 1,-21 9-14,179-104 207,-152 85-198,161-113 93,-147 100-100,48-40 65,-63 46-340,2 2 1,56-33 0,-64 51-2535,-12 7-2022</inkml:trace>
+</inkml:ink>
+</file>
+
+<file path=ppt/ink/ink50.xml><?xml version="1.0" encoding="utf-8"?>
+<inkml:ink xmlns:inkml="http://www.w3.org/2003/InkML">
+  <inkml:definitions>
+    <inkml:context xml:id="ctx0">
+      <inkml:inkSource xml:id="inkSrc0">
+        <inkml:traceFormat>
+          <inkml:channel name="X" type="integer" min="-2.14748E9" max="2.14748E9" units="cm"/>
+          <inkml:channel name="Y" type="integer" min="-2.14748E9" max="2.14748E9" units="cm"/>
+          <inkml:channel name="F" type="integer" max="32767" units="dev"/>
+        </inkml:traceFormat>
+        <inkml:channelProperties>
+          <inkml:channelProperty channel="X" name="resolution" value="1000" units="1/cm"/>
+          <inkml:channelProperty channel="Y" name="resolution" value="1000" units="1/cm"/>
+          <inkml:channelProperty channel="F" name="resolution" value="0" units="1/dev"/>
+        </inkml:channelProperties>
+      </inkml:inkSource>
+      <inkml:timestamp xml:id="ts0" timeString="2023-05-06T16:15:28.027"/>
+    </inkml:context>
+    <inkml:brush xml:id="br0">
+      <inkml:brushProperty name="width" value="0.05" units="cm"/>
+      <inkml:brushProperty name="height" value="0.05" units="cm"/>
+    </inkml:brush>
+  </inkml:definitions>
+  <inkml:trace contextRef="#ctx0" brushRef="#br0">13 15 1792,'-1'-2'1019,"-3"-11"3021,3 21-3348,-3 46 346,2 0 1,7 82 0,23 158 611,25 25-182,-49-301-1330,-2-7 202,1-1 0,0 1 0,6 13 0,-8-22 358,3-10-568,4-14-55,0-1 0,-1 0-1,4-24 1,35-179 257,-28 142-254,-7 40-41,1 0 1,2 2-1,2 0 0,33-62 0,-48 103-36,-1 1-1,0-1-1,0 0 1,0 1 0,1-1-1,-1 1 1,0-1 0,1 1-1,-1-1 1,0 1 0,1-1-1,-1 1 1,1-1 0,-1 1-1,1-1 1,-1 1 0,1 0-1,-1-1 1,1 1 0,-1 0-1,1-1 1,-1 1 0,1 0-1,0 0 1,-1 0 0,1-1 0,1 1-1,10 0 7,-9 0 0,-4 6 0,2-1-2,-1-3-2,0 0 1,0-1-1,0 1 1,0 0-1,0 0 1,0-1-1,0 1 0,-1 0 1,1 0-1,0-1 1,-1 1-1,0 0 1,1-1-1,-1 1 0,-1 1 1,-7 15 3,0-1 1,-2 0-1,0 0 1,0-1-1,-20 19 1,7-10 44,-1-1 1,-38 29-1,24-31 173,37-21-207,5 3 10,46 46-48,-23-25-379,-1 2 0,-1 0 0,29 45 0,-41-54-319,1 2-806,-4-3-4356,-2-2 2323</inkml:trace>
+</inkml:ink>
+</file>
+
+<file path=ppt/ink/ink51.xml><?xml version="1.0" encoding="utf-8"?>
+<inkml:ink xmlns:inkml="http://www.w3.org/2003/InkML">
+  <inkml:definitions>
+    <inkml:context xml:id="ctx0">
+      <inkml:inkSource xml:id="inkSrc0">
+        <inkml:traceFormat>
+          <inkml:channel name="X" type="integer" min="-2.14748E9" max="2.14748E9" units="cm"/>
+          <inkml:channel name="Y" type="integer" min="-2.14748E9" max="2.14748E9" units="cm"/>
+          <inkml:channel name="F" type="integer" max="32767" units="dev"/>
+        </inkml:traceFormat>
+        <inkml:channelProperties>
+          <inkml:channelProperty channel="X" name="resolution" value="1000" units="1/cm"/>
+          <inkml:channelProperty channel="Y" name="resolution" value="1000" units="1/cm"/>
+          <inkml:channelProperty channel="F" name="resolution" value="0" units="1/dev"/>
+        </inkml:channelProperties>
+      </inkml:inkSource>
+      <inkml:timestamp xml:id="ts0" timeString="2023-05-06T16:15:28.387"/>
+    </inkml:context>
+    <inkml:brush xml:id="br0">
+      <inkml:brushProperty name="width" value="0.05" units="cm"/>
+      <inkml:brushProperty name="height" value="0.05" units="cm"/>
+    </inkml:brush>
+  </inkml:definitions>
+  <inkml:trace contextRef="#ctx0" brushRef="#br0">155 28 1448,'33'-20'3416,"-32"19"-2816,-1 0-475,0 1 1,0 0-1,-1 0 0,1-1 1,0 1-1,0 0 0,0-1 1,0 1-1,-1 0 1,1 0-1,0-1 0,0 1 1,-1 0-1,1 0 0,0-1 1,0 1-1,-1 0 0,1 0 1,0 0-1,-1 0 1,1-1-1,0 1 0,-1 0 1,1 0-1,0 0 0,-1 0 1,1 0-1,0 0 1,-1 0-1,1 0 0,0 0 1,-1 0-1,1 0 0,0 0 1,-1 0-1,1 0 1,0 0-1,-1 1 0,1-1 1,0 0-1,-1 0 0,-27 10 1035,12-3-963,1 2 0,-17 11 0,28-17-113,-1 1 0,1-1-1,-1 1 1,1 0 0,1 1-1,-1-1 1,0 1 0,1-1-1,0 1 1,0 0 0,1 1-1,-4 8 1,5-10-23,0 1-1,0 0 1,0-1-1,1 1 1,-1 0 0,1-1-1,1 1 1,-1 0 0,1 0-1,-1-1 1,1 1-1,1-1 1,-1 1 0,1-1-1,3 9 1,2-2 64,1 0-1,-1 0 1,2 0 0,0-1 0,12 11-1,-12-12 23,0 1-1,0-1 0,-1 2 0,0-1 0,8 16 0,-11-10 114,-4-13-177,-4 2-136,1-2-56,1 0 1,-1-1-1,0 1 0,0 0 1,-1-1-1,1 1 1,-1-1-1,1 1 0,-1-1 1,0 0-1,0 0 1,1-1-1,-1 1 0,-1 0 1,1-1-1,-3 1 1,-70 22-6060,31-16 2273</inkml:trace>
+</inkml:ink>
+</file>
+
+<file path=ppt/ink/ink52.xml><?xml version="1.0" encoding="utf-8"?>
+<inkml:ink xmlns:inkml="http://www.w3.org/2003/InkML">
+  <inkml:definitions>
+    <inkml:context xml:id="ctx0">
+      <inkml:inkSource xml:id="inkSrc0">
+        <inkml:traceFormat>
+          <inkml:channel name="X" type="integer" min="-2.14748E9" max="2.14748E9" units="cm"/>
+          <inkml:channel name="Y" type="integer" min="-2.14748E9" max="2.14748E9" units="cm"/>
+          <inkml:channel name="F" type="integer" max="32767" units="dev"/>
+        </inkml:traceFormat>
+        <inkml:channelProperties>
+          <inkml:channelProperty channel="X" name="resolution" value="1000" units="1/cm"/>
+          <inkml:channelProperty channel="Y" name="resolution" value="1000" units="1/cm"/>
+          <inkml:channelProperty channel="F" name="resolution" value="0" units="1/dev"/>
+        </inkml:channelProperties>
+      </inkml:inkSource>
+      <inkml:timestamp xml:id="ts0" timeString="2024-01-21T15:59:27.324"/>
+    </inkml:context>
+    <inkml:brush xml:id="br0">
+      <inkml:brushProperty name="width" value="0.05" units="cm"/>
+      <inkml:brushProperty name="height" value="0.05" units="cm"/>
+    </inkml:brush>
+  </inkml:definitions>
+  <inkml:trace contextRef="#ctx0" brushRef="#br0">50 306 1600,'-2'-1'760,"-28"-17"2691,28 17-2865,0-1-29,-7-2-34,7 3-30,2 1-459,0 0 0,0 0 0,1-1 1,-1 1-1,0 0 0,0 0 0,0 0 0,1 0 0,-1 0 0,0 0 1,0 0-1,0-1 0,0 1 0,0 0 0,1 0 0,-1 0 0,0 0 1,0-1-1,0 1 0,0 0 0,0 0 0,0 0 0,0-1 0,1 1 0,-1 0 1,0 0-1,0 0 0,0-1 0,0 1 0,0 0 0,0 0 0,0 0 1,0-1-1,0 1 0,0 0 0,0 0 0,0 0 0,0-1 0,-1 1 1,1 0-1,0 0 0,0 0 0,0-1 0,0 1 0,0 0 0,0 0 0,0 0 1,-1-1-1,1 1 0,0 0 0,0 0 0,0 0 0,0 0 0,-1 0 1,1 0-1,0-1 0,0 1 0,0 0 0,-1 0 0,1 0 0,0 0 1,0 0-1,0 0 0,-1 0 0,1 0 0,0 0 0,0 0 0,0 0 0,-1 0 1,17-8 100,1 2 0,0-1 1,33-6-1,63-7 129,-57 11-159,702-74 757,-232 23-864,-492 55-782,0-2 0,-1 0 0,61-24 0,-91 30 387,3-3-2917,-1-4 999</inkml:trace>
+</inkml:ink>
+</file>
+
+<file path=ppt/ink/ink53.xml><?xml version="1.0" encoding="utf-8"?>
+<inkml:ink xmlns:inkml="http://www.w3.org/2003/InkML">
+  <inkml:definitions>
+    <inkml:context xml:id="ctx0">
+      <inkml:inkSource xml:id="inkSrc0">
+        <inkml:traceFormat>
+          <inkml:channel name="X" type="integer" min="-2.14748E9" max="2.14748E9" units="cm"/>
+          <inkml:channel name="Y" type="integer" min="-2.14748E9" max="2.14748E9" units="cm"/>
+          <inkml:channel name="F" type="integer" max="32767" units="dev"/>
+        </inkml:traceFormat>
+        <inkml:channelProperties>
+          <inkml:channelProperty channel="X" name="resolution" value="1000" units="1/cm"/>
+          <inkml:channelProperty channel="Y" name="resolution" value="1000" units="1/cm"/>
+          <inkml:channelProperty channel="F" name="resolution" value="0" units="1/dev"/>
+        </inkml:channelProperties>
+      </inkml:inkSource>
+      <inkml:timestamp xml:id="ts0" timeString="2024-01-21T15:59:27.701"/>
+    </inkml:context>
+    <inkml:brush xml:id="br0">
+      <inkml:brushProperty name="width" value="0.05" units="cm"/>
+      <inkml:brushProperty name="height" value="0.05" units="cm"/>
+    </inkml:brush>
+  </inkml:definitions>
+  <inkml:trace contextRef="#ctx0" brushRef="#br0">5 189 1512,'0'1'63,"0"-1"0,0 0 0,0 0 0,0 0 0,-1 0-1,1 0 1,0 0 0,0 0 0,0 0 0,0 0 0,-1 0 0,1 0 0,0 0 0,0 0 0,0 0-1,0 0 1,0 0 0,-1 0 0,1 0 0,0-1 0,0 1 0,0 0 0,0 0 0,0 0-1,-1 0 1,1 0 0,0 0 0,0 0 0,0 0 0,0 0 0,0-1 0,0 1 0,0 0-1,0 0 1,-1 0 0,1 0 0,0 0 0,0-1 0,0 1 0,0 0 0,0 0 0,0 0 0,0 0-1,0-1 1,0 1 0,0 0 0,0 0 0,0 0 0,0 0 0,0-1 0,10-4 524,21-4-681,124-15 957,-89 16-644,636-70 1525,-271 34-496,-379 33-493,-51 10-716,2 0-87,8-1-46,-9 1-57,1 1-374,26 1-2239,-26-1 799</inkml:trace>
+</inkml:ink>
+</file>
+
+<file path=ppt/ink/ink54.xml><?xml version="1.0" encoding="utf-8"?>
+<inkml:ink xmlns:inkml="http://www.w3.org/2003/InkML">
+  <inkml:definitions>
+    <inkml:context xml:id="ctx0">
+      <inkml:inkSource xml:id="inkSrc0">
+        <inkml:traceFormat>
+          <inkml:channel name="X" type="integer" min="-2.14748E9" max="2.14748E9" units="cm"/>
+          <inkml:channel name="Y" type="integer" min="-2.14748E9" max="2.14748E9" units="cm"/>
+          <inkml:channel name="F" type="integer" max="32767" units="dev"/>
+        </inkml:traceFormat>
+        <inkml:channelProperties>
+          <inkml:channelProperty channel="X" name="resolution" value="1000" units="1/cm"/>
+          <inkml:channelProperty channel="Y" name="resolution" value="1000" units="1/cm"/>
+          <inkml:channelProperty channel="F" name="resolution" value="0" units="1/dev"/>
+        </inkml:channelProperties>
+      </inkml:inkSource>
+      <inkml:timestamp xml:id="ts0" timeString="2024-01-21T15:59:30.953"/>
+    </inkml:context>
+    <inkml:brush xml:id="br0">
+      <inkml:brushProperty name="width" value="0.05" units="cm"/>
+      <inkml:brushProperty name="height" value="0.05" units="cm"/>
+    </inkml:brush>
+  </inkml:definitions>
+  <inkml:trace contextRef="#ctx0" brushRef="#br0">1764 228 1344,'1'-1'618,"20"-35"2324,-20 33-2645,0 0 1,0 0 0,0 0 0,0 0 0,0 0 0,0 0-1,-1 0 1,1 0 0,-1-1 0,0 1 0,-1-6-1,0 7-262,0-1 0,0 1 0,-1-1 0,1 1 0,-1 0 0,1 0 0,-1-1 0,0 1 0,0 1 0,0-1 0,0 0 0,0 0 0,-1 1 0,1-1 0,0 1 0,-1 0 0,-2-2 0,-9-3-70,-27-8-1,31 12 85,-246-55-35,180 44-17,21 4 31,-110-2 0,107 13-24,0 2 1,1 2 0,-109 28 0,88-11 0,1 3 1,-87 43-1,127-50-5,1 1 1,0 2-1,1 1 1,2 2-1,1 2 1,0 0-1,2 2 1,2 1-1,0 2 0,2 1 1,2 0-1,-31 56 1,47-72 3,0 0 1,1 1 0,1 0-1,0 1 1,2 0 0,0-1-1,1 1 1,0 0 0,2 1-1,1 27 1,1-31-1,1-1 1,1 1-1,0-1 0,1 0 1,0 0-1,1 0 0,1 0 0,1-1 1,0 0-1,0 0 0,2-1 1,0 0-1,12 15 0,0-6 6,2 0-1,0-1 1,1-1-1,40 25 1,-25-22 3,0-2 1,68 25-1,-22-17 16,1-5 0,140 22 1,-49-24 2,0-7 0,1-8 0,184-16 0,-300 5-1,0-3 0,95-23 0,-122 21 29,1 0 0,-2-3 0,0-1-1,59-31 1,-63 25-13,-1-1 0,0-2 0,-2-1 0,-1-1 0,0-1 0,-2-2 0,-1 0 0,-2-1 0,20-33 0,-22 27-2,-1-1 1,-2 0-1,-2-1 1,-1 0 0,10-48-1,-16 51-6,-2 0 0,-1-1 0,-1 1 0,-2-1-1,-2 1 1,-6-47 0,4 65-30,0 0 0,-1 1 0,-1-1 0,0 1 0,-1 1 0,0-1-1,-2 1 1,1 0 0,-1 0 0,-1 1 0,-1 0 0,1 1 0,-2 0 0,-15-13 0,4 6-18,-1 1 0,0 2-1,-1 0 1,-1 2 0,0 0 0,-46-15 0,32 17-151,0 1 1,-73-9-1,79 14 15,-68-5-2344,-111 2 1,150 9 80</inkml:trace>
+</inkml:ink>
+</file>
+
+<file path=ppt/ink/ink55.xml><?xml version="1.0" encoding="utf-8"?>
+<inkml:ink xmlns:inkml="http://www.w3.org/2003/InkML">
+  <inkml:definitions>
+    <inkml:context xml:id="ctx0">
+      <inkml:inkSource xml:id="inkSrc0">
+        <inkml:traceFormat>
+          <inkml:channel name="X" type="integer" min="-2.14748E9" max="2.14748E9" units="cm"/>
+          <inkml:channel name="Y" type="integer" min="-2.14748E9" max="2.14748E9" units="cm"/>
+          <inkml:channel name="F" type="integer" max="32767" units="dev"/>
+        </inkml:traceFormat>
+        <inkml:channelProperties>
+          <inkml:channelProperty channel="X" name="resolution" value="1000" units="1/cm"/>
+          <inkml:channelProperty channel="Y" name="resolution" value="1000" units="1/cm"/>
+          <inkml:channelProperty channel="F" name="resolution" value="0" units="1/dev"/>
+        </inkml:channelProperties>
+      </inkml:inkSource>
+      <inkml:timestamp xml:id="ts0" timeString="2024-01-21T15:59:31.501"/>
+    </inkml:context>
+    <inkml:brush xml:id="br0">
+      <inkml:brushProperty name="width" value="0.05" units="cm"/>
+      <inkml:brushProperty name="height" value="0.05" units="cm"/>
+    </inkml:brush>
+  </inkml:definitions>
+  <inkml:trace contextRef="#ctx0" brushRef="#br0">1 15 1644,'3'-14'5541,"-3"15"-4316,-2 19 923,2-12-2475,-2 63 1152,4 1-1,16 106 1,-7-78-2234,-11-85-23,0-4-2700</inkml:trace>
+</inkml:ink>
+</file>
+
+<file path=ppt/ink/ink56.xml><?xml version="1.0" encoding="utf-8"?>
+<inkml:ink xmlns:inkml="http://www.w3.org/2003/InkML">
+  <inkml:definitions>
+    <inkml:context xml:id="ctx0">
+      <inkml:inkSource xml:id="inkSrc0">
+        <inkml:traceFormat>
+          <inkml:channel name="X" type="integer" min="-2.14748E9" max="2.14748E9" units="cm"/>
+          <inkml:channel name="Y" type="integer" min="-2.14748E9" max="2.14748E9" units="cm"/>
+          <inkml:channel name="F" type="integer" max="32767" units="dev"/>
+        </inkml:traceFormat>
+        <inkml:channelProperties>
+          <inkml:channelProperty channel="X" name="resolution" value="1000" units="1/cm"/>
+          <inkml:channelProperty channel="Y" name="resolution" value="1000" units="1/cm"/>
+          <inkml:channelProperty channel="F" name="resolution" value="0" units="1/dev"/>
+        </inkml:channelProperties>
+      </inkml:inkSource>
+      <inkml:timestamp xml:id="ts0" timeString="2024-01-21T15:59:31.896"/>
+    </inkml:context>
+    <inkml:brush xml:id="br0">
+      <inkml:brushProperty name="width" value="0.05" units="cm"/>
+      <inkml:brushProperty name="height" value="0.05" units="cm"/>
+    </inkml:brush>
+  </inkml:definitions>
+  <inkml:trace contextRef="#ctx0" brushRef="#br0">19 65 1244,'-18'-27'6415,"22"30"-6034,159 73 1386,-129-62-1612,1-2-1,0-2 1,1-1 0,0-2 0,57 5 0,-84-12-146,0 0 0,0-1 0,0 1 1,0-2-1,-1 1 0,1-2 0,-1 1 1,1-1-1,-1 0 0,15-8 0,-10 4-1,0-1-1,-1 0 1,0-1-1,-1-1 1,18-17-1,-21 17 35,0-1-1,8-14 0,6-8 153,-21 32-156,2-4 10,-2 4-29,-2 4 100,-18 36-827,-2-1-1,-1-2 1,-32 40-1,37-55-1959,4-1 34</inkml:trace>
+</inkml:ink>
+</file>
+
+<file path=ppt/ink/ink57.xml><?xml version="1.0" encoding="utf-8"?>
+<inkml:ink xmlns:inkml="http://www.w3.org/2003/InkML">
+  <inkml:definitions>
+    <inkml:context xml:id="ctx0">
+      <inkml:inkSource xml:id="inkSrc0">
+        <inkml:traceFormat>
+          <inkml:channel name="X" type="integer" min="-2.14748E9" max="2.14748E9" units="cm"/>
+          <inkml:channel name="Y" type="integer" min="-2.14748E9" max="2.14748E9" units="cm"/>
+          <inkml:channel name="F" type="integer" max="32767" units="dev"/>
+        </inkml:traceFormat>
+        <inkml:channelProperties>
+          <inkml:channelProperty channel="X" name="resolution" value="1000" units="1/cm"/>
+          <inkml:channelProperty channel="Y" name="resolution" value="1000" units="1/cm"/>
+          <inkml:channelProperty channel="F" name="resolution" value="0" units="1/dev"/>
+        </inkml:channelProperties>
+      </inkml:inkSource>
+      <inkml:timestamp xml:id="ts0" timeString="2024-01-21T15:59:32.798"/>
+    </inkml:context>
+    <inkml:brush xml:id="br0">
+      <inkml:brushProperty name="width" value="0.05" units="cm"/>
+      <inkml:brushProperty name="height" value="0.05" units="cm"/>
+    </inkml:brush>
+  </inkml:definitions>
+  <inkml:trace contextRef="#ctx0" brushRef="#br0">62 53 924,'-2'2'5662,"-2"12"-4684,-2 19-1272,0 31 1022,4 104 0,3-137-583,1 263 1147,-4-277-1081,2-15-69,0 0 83,-2 5-265,1-6 260,-1-5 448,-8-32-517,-9-61 1,14 42 75,2-66 0,4 95-121,1 0 0,1 0-1,2 0 1,13-45 0,-11 56-71,0 0 1,1 0 0,0 1 0,1 1 0,1-1-1,0 1 1,1 1 0,0 0 0,21-16 0,-24 21-26,1 1 1,0 1-1,0-1 1,0 1 0,1 1-1,0 0 1,0 0-1,15-3 1,-22 7-12,0 1 9,11 3 8,-13-4-13,-1 1 0,1-1-1,0 1 1,-1-1 0,1 1 0,0 0-1,-1-1 1,1 1 0,-1 0-1,1-1 1,-1 1 0,1 0 0,-1 0-1,1-1 1,-1 1 0,0 0 0,1 0-1,-1 0 1,0 0 0,0 0-1,0-1 1,0 1 0,0 0 0,0 1-1,0 19 12,0-19-12,-3 19 4,0-1 0,-2 1 0,0-1 1,-2 0-1,0-1 0,-12 25 1,6-16-7,-12 45 1,22-63-9,0 1-1,1-1 1,1 1 0,-1-1-1,2 1 1,0 13 0,1-19-2,0 0 1,0 0 0,0 0-1,0 0 1,1-1 0,0 1-1,0-1 1,0 1-1,1-1 1,-1 0 0,1 0-1,0 0 1,0 0 0,1 0-1,5 4 1,10 7-28,0-1-1,38 20 1,-37-23 21,-1 1-1,0 1 1,19 17 0,-25-11 52,-12-17-14,-4 1-16,-1 1-3,-1 0 0,1-1 0,-1 1 0,0-1 0,0 0 1,-1-1-1,1 0 0,-1 1 0,1-2 0,-1 1 0,-6 1 1,-50 7-1056,-109 4 1,161-14-653,0-1 0,-17-2 0</inkml:trace>
+</inkml:ink>
+</file>
+
+<file path=ppt/ink/ink58.xml><?xml version="1.0" encoding="utf-8"?>
+<inkml:ink xmlns:inkml="http://www.w3.org/2003/InkML">
+  <inkml:definitions>
+    <inkml:context xml:id="ctx0">
+      <inkml:inkSource xml:id="inkSrc0">
+        <inkml:traceFormat>
+          <inkml:channel name="X" type="integer" min="-2.14748E9" max="2.14748E9" units="cm"/>
+          <inkml:channel name="Y" type="integer" min="-2.14748E9" max="2.14748E9" units="cm"/>
+          <inkml:channel name="F" type="integer" max="32767" units="dev"/>
+        </inkml:traceFormat>
+        <inkml:channelProperties>
+          <inkml:channelProperty channel="X" name="resolution" value="1000" units="1/cm"/>
+          <inkml:channelProperty channel="Y" name="resolution" value="1000" units="1/cm"/>
+          <inkml:channelProperty channel="F" name="resolution" value="0" units="1/dev"/>
+        </inkml:channelProperties>
+      </inkml:inkSource>
+      <inkml:timestamp xml:id="ts0" timeString="2024-01-21T15:59:33.173"/>
+    </inkml:context>
+    <inkml:brush xml:id="br0">
+      <inkml:brushProperty name="width" value="0.05" units="cm"/>
+      <inkml:brushProperty name="height" value="0.05" units="cm"/>
+    </inkml:brush>
+  </inkml:definitions>
+  <inkml:trace contextRef="#ctx0" brushRef="#br0">3 0 1648,'-1'103'2666,"0"-12"-1106,1 101 667,0-104-1488,6 74 443,-3-131-982,0 3-626,11 43 0,-8-65-690,-4-6-2036</inkml:trace>
+</inkml:ink>
+</file>
+
+<file path=ppt/ink/ink59.xml><?xml version="1.0" encoding="utf-8"?>
+<inkml:ink xmlns:inkml="http://www.w3.org/2003/InkML">
+  <inkml:definitions>
+    <inkml:context xml:id="ctx0">
+      <inkml:inkSource xml:id="inkSrc0">
+        <inkml:traceFormat>
+          <inkml:channel name="X" type="integer" min="-2.14748E9" max="2.14748E9" units="cm"/>
+          <inkml:channel name="Y" type="integer" min="-2.14748E9" max="2.14748E9" units="cm"/>
+          <inkml:channel name="F" type="integer" max="32767" units="dev"/>
+        </inkml:traceFormat>
+        <inkml:channelProperties>
+          <inkml:channelProperty channel="X" name="resolution" value="1000" units="1/cm"/>
+          <inkml:channelProperty channel="Y" name="resolution" value="1000" units="1/cm"/>
+          <inkml:channelProperty channel="F" name="resolution" value="0" units="1/dev"/>
+        </inkml:channelProperties>
+      </inkml:inkSource>
+      <inkml:timestamp xml:id="ts0" timeString="2024-01-21T15:59:33.521"/>
+    </inkml:context>
+    <inkml:brush xml:id="br0">
+      <inkml:brushProperty name="width" value="0.05" units="cm"/>
+      <inkml:brushProperty name="height" value="0.05" units="cm"/>
+    </inkml:brush>
+  </inkml:definitions>
+  <inkml:trace contextRef="#ctx0" brushRef="#br0">9 1 900,'0'0'4192,"-1"7"-3785,-5 19-34,4-20-26,3-1-17,1 0-171,0 0 1,0 0 0,0-1-1,1 1 1,0 0-1,5 6 1,-6-8-76,0-1 1,0 0-1,0 0 0,0 0 0,0 0 1,0-1-1,1 1 0,-1-1 1,0 1-1,1-1 0,-1 0 1,1 0-1,0 0 0,-1 0 0,1 0 1,0 0-1,0-1 0,4 1 1,-1-1 48,-3 0-60,0 1 0,0-1 1,0 0-1,0-1 0,0 1 0,0 0 0,0-1 0,0 1 1,0-1-1,0 0 0,-1 0 0,1 0 0,3-3 1,-4 3-21,0-1 0,0 0 1,-1 0-1,1 0 1,-1 0-1,1 0 1,-1 0-1,0 0 0,0 0 1,0-1-1,0 1 1,0 0-1,-1-1 1,1-2-1,0 2 69,-4-1-20,1 1-79,1 1-7,-1 0 0,1 0 0,0 0 0,-1 1 0,0-1 0,1 0 1,-1 1-1,0-1 0,0 1 0,0-1 0,1 1 0,-2 0 0,1 0 0,0 0 1,0 0-1,-4-1 0,-41-2-438,44 4 63,-1 1-148,-2 0 249,4-1 80,0 0 1,0 0 0,0 1-1,0-1 1,1 1 0,-1-1-1,0 1 1,0 0-1,0-1 1,-1 2 0</inkml:trace>
 </inkml:ink>
 </file>
 
@@ -975,14 +1638,233 @@
           <inkml:channelProperty channel="F" name="resolution" value="0" units="1/dev"/>
         </inkml:channelProperties>
       </inkml:inkSource>
-      <inkml:timestamp xml:id="ts0" timeString="2024-03-23T06:01:47.032"/>
+      <inkml:timestamp xml:id="ts0" timeString="2023-09-17T06:39:22.783"/>
     </inkml:context>
     <inkml:brush xml:id="br0">
       <inkml:brushProperty name="width" value="0.05" units="cm"/>
       <inkml:brushProperty name="height" value="0.05" units="cm"/>
     </inkml:brush>
   </inkml:definitions>
-  <inkml:trace contextRef="#ctx0" brushRef="#br0">289 480 892,'-1'-3'247,"0"0"0,-1 0 0,1 0 0,-1 0 0,0 0 0,0 0 0,0 0 0,0 1 0,0-1 0,0 1 0,-1-1 1,1 1-1,-1 0 0,0 0 0,0 0 0,0 0 0,0 1 0,0-1 0,0 1 0,0 0 0,0 0 0,-4-1 0,0 1-78,0 1 0,0 0-1,0 0 1,0 1 0,0 0 0,0 0-1,0 1 1,1-1 0,-1 1 0,0 1 0,1-1-1,0 1 1,-1 1 0,1-1 0,0 1 0,1 0-1,-1 0 1,-9 9 0,5-2-4,0 0 0,0 0 0,0 0 0,2 2 0,0-1 0,0 1 0,-11 25 0,16-30-135,0-1 1,1 1-1,0 0 0,1 0 1,-1 0-1,1 0 0,1 0 0,0 1 1,0-1-1,0 0 0,1 0 1,0 0-1,1 0 0,0 0 1,0 0-1,1 0 0,5 11 0,-8-18-29,1 0 0,-1 0-1,1-1 1,-1 1-1,1 0 1,0 0 0,-1-1-1,1 1 1,0 0 0,0-1-1,-1 1 1,1-1-1,0 1 1,0-1 0,0 1-1,0-1 1,0 0-1,-1 1 1,1-1 0,0 0-1,0 0 1,0 0 0,0 0-1,0 1 1,0-1-1,0-1 1,0 1 0,0 0-1,0 0 1,0 0-1,0 0 1,0-1 0,0 1-1,0 0 1,-1-1 0,1 1-1,0-1 1,0 1-1,0-1 1,0 0 0,4-2-3,-2 0 1,1 0-1,0 0 1,-1-1-1,6-6 1,0-3 1,-2 1 0,0-1 0,0 0 0,-2-1-1,1 0 1,-2 0 0,6-27 0,-2-5 22,3-48 0,-10 81-12,10-262 622,-11 220-289,1 29 163,-2 1 0,-4-35 0,4 58 3,-3 22-399,0 1 0,2-1 0,0 1 0,2 0 0,1 24 0,19 103 153,-18-140-243,25 108 43,-7-39-162,-12-46-156,19 51 1,-20-66-177,0-1 0,1 0 0,0 0 0,21 26 0,-28-40 189,17 17-635,-16-17 347,0 0 0,-1-1 0,1 1 0,0 0 0,-1-1 0,1 1 0,0-1 0,0 1 1,2-1-1,22 2-2413</inkml:trace>
+  <inkml:trace contextRef="#ctx0" brushRef="#br0">105 62 2128,'-44'-7'10978,"264"17"-10053,-121-7-786,141-6 136,-79-1-170,2 2-69,231 4-130,-155 2-50,-190-4 61,-34 0-166,28 5 0,-42-4 171,-5 1-312,-23 10 288,1-2 1,-2 0-1,-37 7 1,18-8-62,-66 5-1,-202-12-112,-9-29 111,-236-33 315,544 59-125,-29-5 53,43 5-10,9 1-58,337 1 38,-126 4-52,-25-4-19,401-9-715,-557 6 627,-5 1-90,44-7 0,-76 8 185,1 0 0,0 0 0,-1 0 0,1 0 0,-1 0 0,1 0 0,0 0 0,-1 0 0,1 0 0,-1-1 0,1 1 0,0 0 0,-1 0 0,1-1 0,-1 1 0,1 0 0,-1-1-1,1 1 1,-1 0 0,1-1 0,0 0 0,-14-3-82,-38-2 123,43 5-65,-472-19-98,312 17 144,-259 16 67,257-3 30,9 4 93,95-7-114,65-7-79,-43 7 72,41-7-60,-1 1 0,1 0 0,-1 0 0,1 1 0,-1-1 0,1 1 0,0-1 0,-6 5 0,8-5 52,4 2-35,4 1-24,0 0 0,0 0 1,0 0-1,1-1 0,0 0 1,-1-1-1,1 0 0,9 1 1,74 9 21,-76-10-24,125 4 27,-87-4-24,493 13 54,-374-16-49,52 2 11,357-10 57,-572 8-190,-1 0 0,1-1 0,-1 0 1,13-5-1,-19 6-300</inkml:trace>
+</inkml:ink>
+</file>
+
+<file path=ppt/ink/ink60.xml><?xml version="1.0" encoding="utf-8"?>
+<inkml:ink xmlns:inkml="http://www.w3.org/2003/InkML">
+  <inkml:definitions>
+    <inkml:context xml:id="ctx0">
+      <inkml:inkSource xml:id="inkSrc0">
+        <inkml:traceFormat>
+          <inkml:channel name="X" type="integer" min="-2.14748E9" max="2.14748E9" units="cm"/>
+          <inkml:channel name="Y" type="integer" min="-2.14748E9" max="2.14748E9" units="cm"/>
+          <inkml:channel name="F" type="integer" max="32767" units="dev"/>
+        </inkml:traceFormat>
+        <inkml:channelProperties>
+          <inkml:channelProperty channel="X" name="resolution" value="1000" units="1/cm"/>
+          <inkml:channelProperty channel="Y" name="resolution" value="1000" units="1/cm"/>
+          <inkml:channelProperty channel="F" name="resolution" value="0" units="1/dev"/>
+        </inkml:channelProperties>
+      </inkml:inkSource>
+      <inkml:timestamp xml:id="ts0" timeString="2024-01-21T15:59:33.929"/>
+    </inkml:context>
+    <inkml:brush xml:id="br0">
+      <inkml:brushProperty name="width" value="0.05" units="cm"/>
+      <inkml:brushProperty name="height" value="0.05" units="cm"/>
+    </inkml:brush>
+  </inkml:definitions>
+  <inkml:trace contextRef="#ctx0" brushRef="#br0">264 172 1584,'-6'0'269,"1"1"0,-1 0 0,1 0 0,-1 1 0,1-1 0,0 1 0,0 0 0,-1 1-1,2-1 1,-1 1 0,0 0 0,0 0 0,1 1 0,0-1 0,0 1 0,-7 7 0,-4 7 269,1 1 0,-20 30 0,33-47-503,-16 26 344,1 1 0,1 0-1,1 1 1,2 0 0,1 2 0,-9 42-1,19-65-294,-1 0 0,2-1 0,-1 1 0,1 0-1,1 0 1,0 0 0,0-1 0,0 1 0,1 0 0,4 10 0,-5-15-118,1-1 1,0 1-1,-1-1 1,1 1 0,0-1-1,1 1 1,-1-1 0,0 0-1,1 0 1,0 0-1,0-1 1,0 1 0,0-1-1,0 1 1,0-1 0,1 0-1,-1 0 1,1 0 0,0-1-1,-1 1 1,1-1-1,0 0 1,0 0 0,7 1-1,-2-2-437,1 0 1,-1 0-1,0-1 0,1 0 0,-1 0 0,0-1 0,0 0 0,0-1 0,0 0 0,14-7 0,10-8-1881</inkml:trace>
+  <inkml:trace contextRef="#ctx0" brushRef="#br0" timeOffset="1">540 0 1288,'0'0'1471,"-3"8"-1056,-11 57 275,2 0-1,-4 94 0,2-15-72,0 16-45,6-45-255,7-48-631,2-38-449,-1-28-56,0 2-587,0 10 24</inkml:trace>
+</inkml:ink>
+</file>
+
+<file path=ppt/ink/ink61.xml><?xml version="1.0" encoding="utf-8"?>
+<inkml:ink xmlns:inkml="http://www.w3.org/2003/InkML">
+  <inkml:definitions>
+    <inkml:context xml:id="ctx0">
+      <inkml:inkSource xml:id="inkSrc0">
+        <inkml:traceFormat>
+          <inkml:channel name="X" type="integer" min="-2.14748E9" max="2.14748E9" units="cm"/>
+          <inkml:channel name="Y" type="integer" min="-2.14748E9" max="2.14748E9" units="cm"/>
+          <inkml:channel name="F" type="integer" max="32767" units="dev"/>
+        </inkml:traceFormat>
+        <inkml:channelProperties>
+          <inkml:channelProperty channel="X" name="resolution" value="1000" units="1/cm"/>
+          <inkml:channelProperty channel="Y" name="resolution" value="1000" units="1/cm"/>
+          <inkml:channelProperty channel="F" name="resolution" value="0" units="1/dev"/>
+        </inkml:channelProperties>
+      </inkml:inkSource>
+      <inkml:timestamp xml:id="ts0" timeString="2024-01-21T15:59:34.325"/>
+    </inkml:context>
+    <inkml:brush xml:id="br0">
+      <inkml:brushProperty name="width" value="0.05" units="cm"/>
+      <inkml:brushProperty name="height" value="0.05" units="cm"/>
+    </inkml:brush>
+  </inkml:definitions>
+  <inkml:trace contextRef="#ctx0" brushRef="#br0">277 102 1180,'20'-23'702,"0"-1"905,30-28-1,-50 52-1562,1 0-1,-1-1 1,1 1-1,-1 0 1,1 0 0,-1-1-1,1 1 1,-1 0-1,1 0 1,-1 0-1,1 0 1,-1 0-1,1 0 1,-1 0 0,1 0-1,-1 0 1,1 0-1,-1 0 1,1 0-1,-1 0 1,1 0 0,-1 1-1,1-1 1,-1 0-1,1 0 1,-1 0-1,0 1 1,1-1-1,-1 0 1,1 1 0,-1-1-1,0 0 1,1 1-1,-1-1 1,0 0-1,1 1 1,-1-1 0,0 1-1,1-1 1,-1 1-1,0-1 1,0 1-1,1 0 1,-1 0 151,0-1-189,0 0-1,1 0 1,-1 1-1,0-1 1,0 0-1,0 0 1,0 0-1,0 0 1,0 1-1,1-1 1,-1 0-1,0 0 1,0 0-1,0 0 0,0 1 1,0-1-1,0 0 1,0 0-1,0 0 1,0 1-1,0-1 1,0 0-1,0 0 1,0 0-1,0 1 1,0-1-1,0 0 1,0 0-1,0 0 1,0 1-1,0-1 1,-1 0-1,1 0 1,0 0-1,0 0 0,0 1 1,0-1-1,0 0 1,0 0-1,-1 0 1,1 0-1,-21 36 207,-1-2 0,-2 0 0,-1-2 0,-45 45 0,9-18 108,-84 62 1,129-110-217,14-11-6,11 0-90,5-1 2,0 1 0,0 1 1,0 0-1,-1 1 0,27 6 0,21 16-7,-2 3 0,0 2 0,82 55 1,-109-66-353,-25-15 14,0 0 1,0 1-1,-1 0 0,12 9 0,-4-4-2671,-12-7 1145</inkml:trace>
+</inkml:ink>
+</file>
+
+<file path=ppt/ink/ink62.xml><?xml version="1.0" encoding="utf-8"?>
+<inkml:ink xmlns:inkml="http://www.w3.org/2003/InkML">
+  <inkml:definitions>
+    <inkml:context xml:id="ctx0">
+      <inkml:inkSource xml:id="inkSrc0">
+        <inkml:traceFormat>
+          <inkml:channel name="X" type="integer" min="-2.14748E9" max="2.14748E9" units="cm"/>
+          <inkml:channel name="Y" type="integer" min="-2.14748E9" max="2.14748E9" units="cm"/>
+          <inkml:channel name="F" type="integer" max="32767" units="dev"/>
+        </inkml:traceFormat>
+        <inkml:channelProperties>
+          <inkml:channelProperty channel="X" name="resolution" value="1000" units="1/cm"/>
+          <inkml:channelProperty channel="Y" name="resolution" value="1000" units="1/cm"/>
+          <inkml:channelProperty channel="F" name="resolution" value="0" units="1/dev"/>
+        </inkml:channelProperties>
+      </inkml:inkSource>
+      <inkml:timestamp xml:id="ts0" timeString="2024-01-21T15:59:34.703"/>
+    </inkml:context>
+    <inkml:brush xml:id="br0">
+      <inkml:brushProperty name="width" value="0.05" units="cm"/>
+      <inkml:brushProperty name="height" value="0.05" units="cm"/>
+    </inkml:brush>
+  </inkml:definitions>
+  <inkml:trace contextRef="#ctx0" brushRef="#br0">351 4 844,'-3'-1'887,"-8"0"-601,0 0 0,1 0 0,-1 1-1,0 1 1,1 0 0,-1 0-1,0 1 1,1 0 0,0 1-1,-1 0 1,-13 7 0,0 1 27,0 1 0,0 1 0,-33 25 0,49-32-217,1 0 0,0 0 0,0 1 1,0 0-1,1 0 0,0 1 0,-9 16 0,12-21-56,1 1-1,1 0 1,-1 0-1,1 1 1,-1-1-1,1 0 1,0 0-1,1 1 1,-1-1-1,1 0 1,0 1-1,0-1 1,0 1-1,0-1 1,1 0-1,0 1 1,0-1-1,0 0 1,0 0-1,3 6 1,3 3 37,1-1 1,0 0-1,1-1 1,0 1-1,0-2 1,1 1-1,1-1 1,13 9 0,100 65 480,-96-66-421,17 9 106,-19-13 13,-1 2 0,-1 1 0,42 37-1,-63-51-171,0 1-1,0-1 1,0 1 0,-1 0-1,1 0 1,-1 0-1,0 0 1,0 0 0,0 1-1,1 5 1,-3-8-54,0 0 0,0 0 0,0 0 1,0 0-1,-1 0 0,1-1 0,-1 1 1,1 0-1,-1 0 0,0 0 0,0-1 1,0 1-1,0 0 0,0-1 0,0 1 1,0-1-1,0 1 0,-3 1 0,-24 22 219,11-15-314,1 0 0,-1-1 0,-1-1 0,1-1-1,-1-1 1,-33 8 0,48-13-415,0-1-1,0 0 1,0 0 0,0 0-1,0 0 1,0 0-1,0 0 1,0-1 0,0 0-1,0 1 1,-5-4 0</inkml:trace>
+  <inkml:trace contextRef="#ctx0" brushRef="#br0" timeOffset="1">598 468 1732,'4'5'489,"0"1"-1,-1 0 1,1 0-1,-2 0 1,1 1 0,2 9-1,9 44 799,-11-47-960,33 154 1130,-31-143-3049</inkml:trace>
+</inkml:ink>
+</file>
+
+<file path=ppt/ink/ink63.xml><?xml version="1.0" encoding="utf-8"?>
+<inkml:ink xmlns:inkml="http://www.w3.org/2003/InkML">
+  <inkml:definitions>
+    <inkml:context xml:id="ctx0">
+      <inkml:inkSource xml:id="inkSrc0">
+        <inkml:traceFormat>
+          <inkml:channel name="X" type="integer" min="-2.14748E9" max="2.14748E9" units="cm"/>
+          <inkml:channel name="Y" type="integer" min="-2.14748E9" max="2.14748E9" units="cm"/>
+          <inkml:channel name="F" type="integer" max="32767" units="dev"/>
+        </inkml:traceFormat>
+        <inkml:channelProperties>
+          <inkml:channelProperty channel="X" name="resolution" value="1000" units="1/cm"/>
+          <inkml:channelProperty channel="Y" name="resolution" value="1000" units="1/cm"/>
+          <inkml:channelProperty channel="F" name="resolution" value="0" units="1/dev"/>
+        </inkml:channelProperties>
+      </inkml:inkSource>
+      <inkml:timestamp xml:id="ts0" timeString="2024-01-21T15:59:35.084"/>
+    </inkml:context>
+    <inkml:brush xml:id="br0">
+      <inkml:brushProperty name="width" value="0.05" units="cm"/>
+      <inkml:brushProperty name="height" value="0.05" units="cm"/>
+    </inkml:brush>
+  </inkml:definitions>
+  <inkml:trace contextRef="#ctx0" brushRef="#br0">5 13 1052,'0'0'568,"-5"-13"-504</inkml:trace>
+</inkml:ink>
+</file>
+
+<file path=ppt/ink/ink64.xml><?xml version="1.0" encoding="utf-8"?>
+<inkml:ink xmlns:inkml="http://www.w3.org/2003/InkML">
+  <inkml:definitions>
+    <inkml:context xml:id="ctx0">
+      <inkml:inkSource xml:id="inkSrc0">
+        <inkml:traceFormat>
+          <inkml:channel name="X" type="integer" min="-2.14748E9" max="2.14748E9" units="cm"/>
+          <inkml:channel name="Y" type="integer" min="-2.14748E9" max="2.14748E9" units="cm"/>
+          <inkml:channel name="F" type="integer" max="32767" units="dev"/>
+        </inkml:traceFormat>
+        <inkml:channelProperties>
+          <inkml:channelProperty channel="X" name="resolution" value="1000" units="1/cm"/>
+          <inkml:channelProperty channel="Y" name="resolution" value="1000" units="1/cm"/>
+          <inkml:channelProperty channel="F" name="resolution" value="0" units="1/dev"/>
+        </inkml:channelProperties>
+      </inkml:inkSource>
+      <inkml:timestamp xml:id="ts0" timeString="2024-01-21T15:59:35.442"/>
+    </inkml:context>
+    <inkml:brush xml:id="br0">
+      <inkml:brushProperty name="width" value="0.05" units="cm"/>
+      <inkml:brushProperty name="height" value="0.05" units="cm"/>
+    </inkml:brush>
+  </inkml:definitions>
+  <inkml:trace contextRef="#ctx0" brushRef="#br0">0 0 1288,'3'1'789,"19"2"199,1-1 0,-1-1 0,38-3 0,9 1-150,5 0 9,-52-1-436,0 2 0,0 0 0,0 2 0,32 5 0,-53-6-379,1-1 0,-1 0 0,0 1-1,0-1 1,0 1 0,0-1 0,0 1 0,0 0 0,0-1 0,0 1 0,0 0 0,0 0 0,0 0-1,0 0 1,-1 0 0,1 0 0,0 0 0,-1 0 0,1 0 0,-1 0 0,1 0 0,-1 0-1,1 0 1,-1 0 0,0 0 0,1 3 0,-1 1 18,1-1 0,-1 1 1,-1-1-1,1 1 0,-2 5 0,2-9-49,-7 31 150,-2-1 1,0-1 0,-26 54-1,18-45-39,2-5-18,5-11 38,0 0 1,-11 44-1,21-64-110,-1 1-1,1-1 1,0 1-1,0-1 1,0 1-1,0-1 0,1 6 1,0-8-19,-1 1 1,0-1-1,1 1 1,-1-1-1,1 1 1,0-1-1,-1 1 1,1-1-1,0 1 0,0-1 1,0 0-1,0 0 1,0 1-1,0-1 1,1 0-1,-1 0 1,0 0-1,3 1 0,0 0-119,0-1 0,1 0 0,-1 0 0,1-1-1,-1 1 1,1-1 0,-1 0 0,1 0 0,-1 0-1,1-1 1,-1 0 0,9-2 0,9-3-1119,24-10 1,-40 14 962,30-13-2238,2-3 29</inkml:trace>
+  <inkml:trace contextRef="#ctx0" brushRef="#br0" timeOffset="1">868 305 1288,'0'0'2541,"3"-1"-2068,-1 0-362,0 1-21,0 0 0,-1 0 0,1-1 0,0 1 0,0-1 1,-1 0-1,1 0 0,0 1 0,-1-1 0,1 0 1,-1 0-1,1 0 0,-1-1 0,0 1 0,1 0 0,-1 0 1,0-1-1,0 1 0,0-1 0,0 1 0,1-3 1,1-2 192,-1 0 1,0 1 0,-1-1-1,3-10 1,-4 13-191,0 0-1,0 0 1,-1 1 0,1-1-1,-1 0 1,1 0 0,-1 0-1,0 1 1,0-1 0,0 0-1,0 1 1,-2-4-1,2 5-51,0-1-1,-1 1 0,1-1 0,0 1 1,0-1-1,-1 1 0,1 0 0,-1 0 1,1 0-1,-1 0 0,1 0 0,-1 0 0,0 0 1,0 0-1,-3 0 0,3 0 39,-3 0 1,-1 0 0,1 1 0,-1-1 0,1 1 1,-1 1-1,1-1 0,-1 1 0,1 0 0,-1 0 0,1 0 0,-9 4 0,9-2-38,-1-1-1,1 1 1,0 0 0,0 0-1,0 0 1,1 1 0,-1 0-1,1 0 1,0 0 0,0 0-1,0 0 1,0 1 0,1 0-1,0 0 1,0 0-1,0 0 1,1 0 0,-1 1-1,1-1 1,1 1 0,-1 0-1,-1 8 1,3-12-31,0 0 1,0 0-1,0 0 0,0 0 1,0 0-1,0 0 0,1 0 0,-1 0 1,1 0-1,-1 0 0,2 2 1,1 3 10,-2-2-6,1-1 0,0 1 0,0-1 0,0 1 0,1-1 0,0 0 1,0 0-1,0 0 0,0 0 0,0 0 0,1-1 0,0 0 0,6 5 0,4 2 14,1-1 0,23 10 0,-28-15-16,17 9-80,1-1 0,1-2 1,0-1-1,39 7 0,-47-13-1161,-1-1 0,2 0 0,-1-2 0,22-1 1,-27-2-1291</inkml:trace>
+</inkml:ink>
+</file>
+
+<file path=ppt/ink/ink65.xml><?xml version="1.0" encoding="utf-8"?>
+<inkml:ink xmlns:inkml="http://www.w3.org/2003/InkML">
+  <inkml:definitions>
+    <inkml:context xml:id="ctx0">
+      <inkml:inkSource xml:id="inkSrc0">
+        <inkml:traceFormat>
+          <inkml:channel name="X" type="integer" min="-2.14748E9" max="2.14748E9" units="cm"/>
+          <inkml:channel name="Y" type="integer" min="-2.14748E9" max="2.14748E9" units="cm"/>
+          <inkml:channel name="F" type="integer" max="32767" units="dev"/>
+        </inkml:traceFormat>
+        <inkml:channelProperties>
+          <inkml:channelProperty channel="X" name="resolution" value="1000" units="1/cm"/>
+          <inkml:channelProperty channel="Y" name="resolution" value="1000" units="1/cm"/>
+          <inkml:channelProperty channel="F" name="resolution" value="0" units="1/dev"/>
+        </inkml:channelProperties>
+      </inkml:inkSource>
+      <inkml:timestamp xml:id="ts0" timeString="2024-01-21T15:59:39.439"/>
+    </inkml:context>
+    <inkml:brush xml:id="br0">
+      <inkml:brushProperty name="width" value="0.05" units="cm"/>
+      <inkml:brushProperty name="height" value="0.05" units="cm"/>
+    </inkml:brush>
+  </inkml:definitions>
+  <inkml:trace contextRef="#ctx0" brushRef="#br0">236 1485 1368,'0'0'3304,"5"-2"-3029,6-2-55,0 0 0,1 1 0,-1 1 0,19-2 1,55-1 582,-27 3-452,260-26 720,50-3-506,-68 19-366,-101 5-115,58 2 5,-44 6-55,-61 3-38,-42-5 33,269-4 37,-128-2-58,-90 1-7,-12 2 5,-20 2-4,-101 1-4,36 2 0,-25-1 10,23 4 0,-60-4 6,1 0 10,4 0 3,-2 0 212,0 0 0,0 0-1,0 0 1,7-2 0,-10 2-196,-1 0 1,0-1 0,0 1-1,0 0 1,0-1-1,0 1 1,0-1-1,1 0 1,-1 1-1,0-1 1,-1 0 0,1 0-1,0 1 1,0-1-1,0 0 1,0 0-1,-1 0 1,1 0-1,0 0 1,-1 0 0,1 0-1,-1 0 1,1-1-1,0-1 1,8-45 305,3-53 1,-3 14-251,1-25-5,2-8-20,-4 36-40,-4-156 0,-5 171-18,-1 35-14,-1-1 1,-1 1 0,-10-34-1,-34-100 39,38 134-25,-20-51 1,30 84-17,0 0 0,-1 0 0,1 0 0,-1 1 0,1-1 0,0 0 0,-1 0 0,0 0 0,1 0 0,-1 0 0,0 1 0,1-1 0,-1 0 0,0 0 0,0 1 1,0-1-1,1 1 0,-1-1 0,0 1 0,0-1 0,0 1 0,0-1 0,0 1 0,0 0 0,0 0 0,0-1 0,0 1 0,0 0 0,0 0 0,0 0 0,0 0 0,0 0 0,0 0 0,0 0 0,-1 1 0,1-1 0,0 0 0,1 1 0,-1-1 0,0 0 1,-2 2-1,2-2-1,-11 5 6,1 0-1,0 0 1,0 1 0,-13 10-1,13-10 30,1 1-1,-21 9 1,-12-1-2,-1-2 0,0-2 1,-46 6-1,-136 4-1,-65-12-25,1-19 2,21-1 4,45 3-11,33 3-19,83 4-7,-246 19-180,219-6 58,-153 24-45,222-25 140,-195 28-132,139-23 117,60-6 36,-84 1 0,97-13 14,-6-2 28,52 3-12,-11-3 16,11 4-16,-2-1 1,1-1 1,-1 1-1,0-1 0,1 1 0,-7-5 0,5 3 10,3 2-5,-11-6 3,14 6-10,-1 0 0,0 0 0,0 0 0,0 1 0,1-1 0,-1 0 0,0 1 0,0-1 0,0 1 0,0-1 0,0 1 0,0-1 0,0 1 0,0 0 0,0-1 0,-2 1 0,-6-5-33,5 8 42,-13 9-4,15-9-2,0 1-1,0-1 0,1 1 0,-1-1 0,1 1 0,-1 0 1,1 0-1,0 0 0,1-1 0,-1 1 0,1 0 0,-1 0 1,1 0-1,1 6 0,-1 2-1,-2 25 12,3-1 0,1 1-1,2-1 1,12 55 0,32 163 61,-21-67 8,-20-118-46,6 140 110,-4-77-91,-6-108-32,0 2-8,1 0 0,10 32-1,-8-20 6,-5-36-20,5 35 8,-6-34-13,2 1 7,3 12-3,-4-12 6,0-1-3,1 10 7,-1-10 3,0 0-2,5 53 724,-3-57-729,12-1 14,-12 2 46,1-3-48,12-10-10,-13 9 1,-2 3-4,-1 0 1,1 1 0,-1-1-1,1 0 1,-1 0 0,1 0-1,-1 1 1,1-1 0,0 0-1,-1 1 1,1-1 0,0 1-1,0-1 1,0 1 0,-1-1 0,2 0-1,-1 1 3,0-1-1,-1 1 0,1 0 1,0-1-1,0 1 0,-1-1 1,1 1-1,-1-1 1,1 0-1,0 1 0,-1-1 1,1 0-1,-1 1 1,1-3-1,-1 3-3,1-1 0,-1 0 0,0 1 0,1-1 1,-1 0-1,1 1 0,-1-1 0,1 0 0,-1 1 0,1-1 0,-1 1 0,1-1 1,0 1-1,-1-1 0,2 0 0,3-3 31,15-14-74,-18 16 46,-2 2-8,0-1 4,0 1 0,1 0-1,-1-1 1,0 1 0,0 0 0,0-1 0,1 1 0,-1 0 0,0 0-1,0-1 1,1 1 0,-1 0 0,0 0 0,0-1 0,1 1 0,-1 0-1,0 0 1,1 0 0,-1 0 0,0-1 0,1 1 0,0 0 0,6-5 0,-4 2 3,0 0 0,0 1 0,0-1 0,1 1 0,6-4 0,-10 6-3,3-2 4,-2 0-33,7-5 21,-6 5 3,5-1 358,-4 0-2255</inkml:trace>
+</inkml:ink>
+</file>
+
+<file path=ppt/ink/ink66.xml><?xml version="1.0" encoding="utf-8"?>
+<inkml:ink xmlns:inkml="http://www.w3.org/2003/InkML">
+  <inkml:definitions>
+    <inkml:context xml:id="ctx0">
+      <inkml:inkSource xml:id="inkSrc0">
+        <inkml:traceFormat>
+          <inkml:channel name="X" type="integer" min="-2.14748E9" max="2.14748E9" units="cm"/>
+          <inkml:channel name="Y" type="integer" min="-2.14748E9" max="2.14748E9" units="cm"/>
+          <inkml:channel name="F" type="integer" max="32767" units="dev"/>
+        </inkml:traceFormat>
+        <inkml:channelProperties>
+          <inkml:channelProperty channel="X" name="resolution" value="1000" units="1/cm"/>
+          <inkml:channelProperty channel="Y" name="resolution" value="1000" units="1/cm"/>
+          <inkml:channelProperty channel="F" name="resolution" value="0" units="1/dev"/>
+        </inkml:channelProperties>
+      </inkml:inkSource>
+      <inkml:timestamp xml:id="ts0" timeString="2024-01-21T15:59:40.336"/>
+    </inkml:context>
+    <inkml:brush xml:id="br0">
+      <inkml:brushProperty name="width" value="0.05" units="cm"/>
+      <inkml:brushProperty name="height" value="0.05" units="cm"/>
+    </inkml:brush>
+  </inkml:definitions>
+  <inkml:trace contextRef="#ctx0" brushRef="#br0">4 214 1056,'0'0'1394,"-3"0"-801,16 2 3854,15 2-4293,50 1-1,349-20 741,-111 1-532,159-2 71,-154 4-202,-146 3-117,125-4 59,103-4 9,134-31 54,-329 21-137,-65 7-64,-76 6-211,-9 1-614,-46 9 305,-3 1-3632</inkml:trace>
+</inkml:ink>
+</file>
+
+<file path=ppt/ink/ink67.xml><?xml version="1.0" encoding="utf-8"?>
+<inkml:ink xmlns:inkml="http://www.w3.org/2003/InkML">
+  <inkml:definitions>
+    <inkml:context xml:id="ctx0">
+      <inkml:inkSource xml:id="inkSrc0">
+        <inkml:traceFormat>
+          <inkml:channel name="X" type="integer" min="-2.14748E9" max="2.14748E9" units="cm"/>
+          <inkml:channel name="Y" type="integer" min="-2.14748E9" max="2.14748E9" units="cm"/>
+          <inkml:channel name="F" type="integer" max="32767" units="dev"/>
+        </inkml:traceFormat>
+        <inkml:channelProperties>
+          <inkml:channelProperty channel="X" name="resolution" value="1000" units="1/cm"/>
+          <inkml:channelProperty channel="Y" name="resolution" value="1000" units="1/cm"/>
+          <inkml:channelProperty channel="F" name="resolution" value="0" units="1/dev"/>
+        </inkml:channelProperties>
+      </inkml:inkSource>
+      <inkml:timestamp xml:id="ts0" timeString="2024-01-21T15:59:40.906"/>
+    </inkml:context>
+    <inkml:brush xml:id="br0">
+      <inkml:brushProperty name="width" value="0.05" units="cm"/>
+      <inkml:brushProperty name="height" value="0.05" units="cm"/>
+    </inkml:brush>
+  </inkml:definitions>
+  <inkml:trace contextRef="#ctx0" brushRef="#br0">3 241 1076,'-2'1'3448,"28"-5"-747,90-13-2369,313-32 752,54 14-461,-146 19-294,-15 3-67,185 6 101,-431 7-300,297-10 134,-256 2-113,265-29 1501,-280 13 1393,-100 24-2449,0-1-295,9-4-15,-9 4 290,1 0-372,33-12 116,-34 12-641</inkml:trace>
 </inkml:ink>
 </file>
 
@@ -1002,14 +1884,14 @@
           <inkml:channelProperty channel="F" name="resolution" value="0" units="1/dev"/>
         </inkml:channelProperties>
       </inkml:inkSource>
-      <inkml:timestamp xml:id="ts0" timeString="2024-03-23T06:01:47.651"/>
+      <inkml:timestamp xml:id="ts0" timeString="2023-09-17T06:39:24.536"/>
     </inkml:context>
     <inkml:brush xml:id="br0">
       <inkml:brushProperty name="width" value="0.05" units="cm"/>
       <inkml:brushProperty name="height" value="0.05" units="cm"/>
     </inkml:brush>
   </inkml:definitions>
-  <inkml:trace contextRef="#ctx0" brushRef="#br0">239 157 1076,'1'-3'271,"0"-1"-1,0 1 1,0-1-1,0 0 1,-1 1-1,0-1 1,1 0-1,-1 0 1,-1 1-1,1-1 1,0 0-1,-1 1 1,0-1-1,0 0 1,0 1-1,0-1 1,-1 1-1,1-1 1,-1 1-1,0 0 1,0 0-1,0 0 1,0 0-1,-1 0 1,1 0-1,-1 0 1,0 1-1,-2-3 1,2 4-172,1 0 0,0 0 1,-1 1-1,1-1 0,-1 1 1,1-1-1,-1 1 0,1 0 0,0 0 1,-1 0-1,1 0 0,-1 0 0,-3 1 1,-30 9 533,27-6-519,1 1 1,-1 0 0,1 1 0,0-1-1,0 2 1,0-1 0,1 1-1,0 0 1,0 0 0,1 1 0,-9 14-1,10-15-138,0 1 0,1-1 0,0 1 0,1 1 0,0-1-1,0 0 1,0 1 0,1-1 0,1 1 0,-1 0 0,2 0 0,-1 0 0,1 9-1,0-16-78,1 1-1,-1-1 0,0 1 1,1-1-1,0 1 0,-1-1 1,1 1-1,0-1 0,1 0 1,1 5-1,-2-6 31,1 0 0,-1 0 0,0 0 1,0 0-1,0 0 0,1 0 0,-1 0 0,1 0 1,-1-1-1,0 1 0,1 0 0,-1-1 0,1 0 1,-1 1-1,3-1 0,-2 1-216,2-3 41,2-1 203,-1 0 0,1-1 0,-1 1 0,0-1 1,-1 0-1,1 0 0,0-1 0,-1 1 0,0-1 0,0 0 0,3-6 0,-2 2 317,0-1 1,-1 1-1,1-1 0,-2 0 0,1 0 1,1-11-1,-5 19-99,1 0 63,-1 1-216,0 1-1,0 0 1,0 0-1,0 0 1,0 0-1,0 0 1,0-1-1,0 1 1,0 0-1,0 0 1,0 0-1,0 0 1,0 0-1,0-1 1,0 1-1,0 0 1,0 0-1,0 0 1,1 0-1,-1 0 1,0 0-1,0-1 1,0 1-1,0 0 1,0 0-1,0 0 1,0 0-1,0 0 1,1 0 0,-1 0-1,0 0 1,0 0-1,0 0 1,0 0-1,0-1 1,1 1-1,-1 0 1,0 0-1,0 0 1,0 0-1,0 0 1,0 0-1,1 0 1,-1 0-1,0 0 1,0 0-1,0 0 1,0 1-1,0-1 1,1 0-1,-1 0 1,0 0-1,36 16 79,-27-11-111,1 0-1,-1-1 1,1 0-1,0-1 0,0 0 1,16 3-1,-21-6 17,0 0 0,1 0 0,-1 0 0,0-1-1,0 0 1,0 0 0,0 0 0,0 0 0,0-1 0,-1 0 0,1 0 0,5-3-1,-3 0 34,0 1-1,0-2 0,-1 1 1,0-1-1,0 0 0,9-11 1,-3 1 275,-2 0 0,0-1 0,-1 0 0,0-1 0,9-28 0,-8 19 500,-9 25-539,1 5-241,3 5-56,0 1 1,-1-1-1,5 11 0,-6-10-47,1-1-1,0 1 1,1-1-1,8 11 1,-12-17 67,0-1 1,1 0-1,-1 0 0,0 0 1,1 0-1,-1-1 1,0 1-1,1 0 1,-1 0-1,1-1 1,0 1-1,-1-1 1,1 1-1,-1-1 0,1 0 1,0 0-1,2 0 1,31-4 90,-23 2-17,87-13 576,-94 15-623,-1 0 0,1 0 1,-1 1-1,0 0 0,0 0 0,1 0 0,-1 0 0,0 0 0,0 1 0,0 0 0,0 0 0,0 0 0,5 5 0,3 2-99,-1 0 0,15 16 1,-19-18-91,21 31-4656</inkml:trace>
+  <inkml:trace contextRef="#ctx0" brushRef="#br0">126 84 1096,'-21'-13'3299,"-27"-12"-1,47 25-2854,-2-1 143,-2-1-650,8-1 2022,184-7-1397,-126 9-476,481-10 404,-252 7-404,-111 3-91,134-5-142,-196 5 102,-71 1 40,-44 0 29,-12 0-25,-386 17-27,-305 2-81,353-4 63,144-1 31,92-5 28,99-7 3,10-2 0,7 0 14,134-5-24,-61 4 3,544-25-116,-319 27-795,-231-1-597,-543-21 1127,225 6 712,151 10-99,-128-4 707,199 10-704,23 0 126,13 0-295,173 14 104,656 8-883,-715-23 8,90-4-3560,-136-2 1874</inkml:trace>
 </inkml:ink>
 </file>
 
@@ -1029,14 +1911,14 @@
           <inkml:channelProperty channel="F" name="resolution" value="0" units="1/dev"/>
         </inkml:channelProperties>
       </inkml:inkSource>
-      <inkml:timestamp xml:id="ts0" timeString="2024-03-23T06:01:48.014"/>
+      <inkml:timestamp xml:id="ts0" timeString="2023-09-17T06:39:25.820"/>
     </inkml:context>
     <inkml:brush xml:id="br0">
       <inkml:brushProperty name="width" value="0.05" units="cm"/>
       <inkml:brushProperty name="height" value="0.05" units="cm"/>
     </inkml:brush>
   </inkml:definitions>
-  <inkml:trace contextRef="#ctx0" brushRef="#br0">190 42 1536,'-3'-4'525,"0"0"0,0 0 0,-1 0 0,1 0 1,-1 0-1,-5-4 0,7 7-336,1 0 0,-1 0 0,0 0 0,0 0 1,0 0-1,0 1 0,0-1 0,0 0 0,0 1 0,0-1 1,0 1-1,0 0 0,0 0 0,0 0 0,0 0 0,-1 0 1,1 0-1,0 1 0,0-1 0,0 1 0,-3 1 1,-2 1-25,1 0 1,-1 1 0,1 0 0,0 0-1,0 1 1,1 0 0,-1 0 0,1 0 0,0 0-1,0 1 1,1 0 0,0 0 0,0 0 0,0 1-1,0-1 1,1 1 0,-3 12 0,1-6-99,1 1 0,0 0-1,2 0 1,-1 0 0,2 0 0,0 0 0,1 1 0,2 24 0,-1-30-247,1 0 0,0 0 0,0-1-1,1 1 1,7 14 0,-8-19-243,0 0 0,1 0 1,-1-1-1,0 1 0,1-1 0,0 0 0,0 0 0,0 0 0,0 0 0,1 0 0,-1 0 0,1-1 0,7 4 1,5-1-2225</inkml:trace>
+  <inkml:trace contextRef="#ctx0" brushRef="#br0">76 79 1840,'-46'-8'6085,"43"8"-5413,-4 0-693,9-1 1865,398-12-685,-80 6-891,85-4-459,-250 6-57,45-3-214,10 0-464,-323 15 918,-459 28-76,-170 26 237,697-56-90,-156 11 432,174-18-214,25 2-152,-5-2 13,5 0-96,7-1 228,29-7-190,66-9 1,125-12 11,493-14-471,-531 44-58,10-3-491,-181 5 719,-13-1 114,-17-1-252,-237-7 186,-332-6 500,302 26 172,261-12-359,-27 4-1,45-4 189,16 1-284,222 5 79,9-11-59,-95 4-68,-44-2-31,232 1-506,-89-1-1910,-202-3-861,-30 4 1239</inkml:trace>
 </inkml:ink>
 </file>
 
@@ -1056,14 +1938,14 @@
           <inkml:channelProperty channel="F" name="resolution" value="0" units="1/dev"/>
         </inkml:channelProperties>
       </inkml:inkSource>
-      <inkml:timestamp xml:id="ts0" timeString="2024-03-23T06:01:48.361"/>
+      <inkml:timestamp xml:id="ts0" timeString="2024-01-21T13:50:48.438"/>
     </inkml:context>
     <inkml:brush xml:id="br0">
       <inkml:brushProperty name="width" value="0.05" units="cm"/>
       <inkml:brushProperty name="height" value="0.05" units="cm"/>
     </inkml:brush>
   </inkml:definitions>
-  <inkml:trace contextRef="#ctx0" brushRef="#br0">20 240 1612,'6'-15'724,"-1"5"336,-1-1 0,-1 1 0,3-13 0,-6 21 156,-3-9 175,8 15 411,10 14-996,-12-15-772,1 1 0,1 0 0,-1-1-1,0 0 1,1 0 0,-1 0 0,1-1 0,0 0 0,0 0-1,0 0 1,0 0 0,1-1 0,-1 1 0,0-1 0,10 0-1,-9-1-14,0 0-1,0 0 0,0 0 0,0-1 0,0 0 0,0 0 0,0 0 0,-1-1 0,1 0 0,0 0 0,-1 0 0,1-1 0,-1 0 0,0 0 0,0 0 0,0-1 0,-1 0 0,1 0 1,-1 0-1,0 0 0,0-1 0,0 1 0,-1-1 0,6-10 0,85-126 1221,-93 140-1229,-1 1-1,0 0 0,0 0 1,1 0-1,-1-1 0,0 1 1,0 0-1,1 0 1,-1 0-1,0 0 0,0-1 1,1 1-1,-1 0 0,0 0 1,1 0-1,-1 0 0,0 0 1,1 0-1,-1 0 1,0 0-1,1 0 0,-1 0 1,0 0-1,1 0 0,-1 0 1,0 0-1,1 0 0,-1 0 1,0 0-1,0 0 1,1 1-1,-1-1 0,0 0 1,1 0-1,-1 0 0,0 1 1,0-1-1,1 0 0,-1 0 1,0 0-1,0 1 1,0-1-1,1 0 0,-1 0 1,0 1-1,0-1 0,0 0 1,0 1-1,0-1 0,1 1 1,7 15 146,-8-16-164,12 35 133,-1 0 0,9 57-1,-9-38-62,-6-30-44,38 211 173,-39-202-195,-2 0 0,-1 0 1,-1 0-1,-2 0 0,-8 42 0,8-68-33,1 0-1,-1 0 1,-1-1 0,0 1 0,1-1 0,-2 0 0,1 1 0,-1-2 0,0 1 0,0 0-1,-1-1 1,0 1 0,0-1 0,0-1 0,0 1 0,-12 7 0,10-8-16,0-1 0,0 1 0,-1-1 0,0 0 1,0-1-1,0 0 0,0 0 0,0-1 0,0 0 0,0 0 1,0-1-1,0 0 0,0 0 0,-12-3 0,2 0 54,1-2 0,-1 0 0,1-1 0,1-1-1,-1 0 1,1-1 0,-21-15 0,24 15 75,0-1 0,1-1 1,0 0-1,1-1 0,0 0 0,1-1 1,0 0-1,-15-25 0,23 33-43,-1-1-1,1 1 1,1-1 0,-1 0 0,1 1-1,-1-1 1,1 0 0,1 0 0,-1 0-1,1 0 1,0 0 0,0 0 0,0 1-1,2-9 1,-1 7-12,1-1 0,1 1 0,-1 0 0,1 0 0,0 0 0,0 1 0,1-1 0,-1 1 0,9-10 1,2 2-65,0 0 1,1 1 0,0 1 0,0 0 0,1 1 0,30-13 0,-1 3-634,1 2 0,62-16 0,28 7-4875,-88 20 2191</inkml:trace>
+  <inkml:trace contextRef="#ctx0" brushRef="#br0">163 202 1340,'-3'-1'628,"-18"-3"7507,26 2-8004,26-8 38,0 2 0,1 1-1,52-4 1,-1-1-62,349-41 217,-16 16-216,-291 31-68,-58 5-13,108-18 0,-62 0 49,-112 19-80,7-1-120,-5 1-3,-5 1 55,-56 21 14,5-7-18,-95 16-1,89-22 52,0-3-1,-97-1 0,-16-6 15,-72-2-9,131 5 65,-164 5 163,38 14-91,221-19-115,-12 3 2,-19 5 0,-3 1 209,50-10-64,-1-1-96,-5 3-7,6-3 177,11 0-210,346-27 71,-2-1-9,-212 16-68,-72 7 2,532-35 35,-517 36-45,-46 3-247,0-1 0,0-2 0,47-11 0,-51 3-2592,-23 8-163,0 0 619</inkml:trace>
 </inkml:ink>
 </file>
 
@@ -1216,7 +2098,7 @@
           <a:p>
             <a:fld id="{3DF34DBE-5A3D-4342-AD2F-2CD33662AB08}" type="datetimeFigureOut">
               <a:rPr lang="en-IN" smtClean="0"/>
-              <a:t>23-03-2024</a:t>
+              <a:t>24-03-2024</a:t>
             </a:fld>
             <a:endParaRPr lang="en-IN"/>
           </a:p>
@@ -1416,7 +2298,7 @@
           <a:p>
             <a:fld id="{3DF34DBE-5A3D-4342-AD2F-2CD33662AB08}" type="datetimeFigureOut">
               <a:rPr lang="en-IN" smtClean="0"/>
-              <a:t>23-03-2024</a:t>
+              <a:t>24-03-2024</a:t>
             </a:fld>
             <a:endParaRPr lang="en-IN"/>
           </a:p>
@@ -1626,7 +2508,7 @@
           <a:p>
             <a:fld id="{3DF34DBE-5A3D-4342-AD2F-2CD33662AB08}" type="datetimeFigureOut">
               <a:rPr lang="en-IN" smtClean="0"/>
-              <a:t>23-03-2024</a:t>
+              <a:t>24-03-2024</a:t>
             </a:fld>
             <a:endParaRPr lang="en-IN"/>
           </a:p>
@@ -1826,7 +2708,7 @@
           <a:p>
             <a:fld id="{3DF34DBE-5A3D-4342-AD2F-2CD33662AB08}" type="datetimeFigureOut">
               <a:rPr lang="en-IN" smtClean="0"/>
-              <a:t>23-03-2024</a:t>
+              <a:t>24-03-2024</a:t>
             </a:fld>
             <a:endParaRPr lang="en-IN"/>
           </a:p>
@@ -2102,7 +2984,7 @@
           <a:p>
             <a:fld id="{3DF34DBE-5A3D-4342-AD2F-2CD33662AB08}" type="datetimeFigureOut">
               <a:rPr lang="en-IN" smtClean="0"/>
-              <a:t>23-03-2024</a:t>
+              <a:t>24-03-2024</a:t>
             </a:fld>
             <a:endParaRPr lang="en-IN"/>
           </a:p>
@@ -2370,7 +3252,7 @@
           <a:p>
             <a:fld id="{3DF34DBE-5A3D-4342-AD2F-2CD33662AB08}" type="datetimeFigureOut">
               <a:rPr lang="en-IN" smtClean="0"/>
-              <a:t>23-03-2024</a:t>
+              <a:t>24-03-2024</a:t>
             </a:fld>
             <a:endParaRPr lang="en-IN"/>
           </a:p>
@@ -2785,7 +3667,7 @@
           <a:p>
             <a:fld id="{3DF34DBE-5A3D-4342-AD2F-2CD33662AB08}" type="datetimeFigureOut">
               <a:rPr lang="en-IN" smtClean="0"/>
-              <a:t>23-03-2024</a:t>
+              <a:t>24-03-2024</a:t>
             </a:fld>
             <a:endParaRPr lang="en-IN"/>
           </a:p>
@@ -2927,7 +3809,7 @@
           <a:p>
             <a:fld id="{3DF34DBE-5A3D-4342-AD2F-2CD33662AB08}" type="datetimeFigureOut">
               <a:rPr lang="en-IN" smtClean="0"/>
-              <a:t>23-03-2024</a:t>
+              <a:t>24-03-2024</a:t>
             </a:fld>
             <a:endParaRPr lang="en-IN"/>
           </a:p>
@@ -3040,7 +3922,7 @@
           <a:p>
             <a:fld id="{3DF34DBE-5A3D-4342-AD2F-2CD33662AB08}" type="datetimeFigureOut">
               <a:rPr lang="en-IN" smtClean="0"/>
-              <a:t>23-03-2024</a:t>
+              <a:t>24-03-2024</a:t>
             </a:fld>
             <a:endParaRPr lang="en-IN"/>
           </a:p>
@@ -3353,7 +4235,7 @@
           <a:p>
             <a:fld id="{3DF34DBE-5A3D-4342-AD2F-2CD33662AB08}" type="datetimeFigureOut">
               <a:rPr lang="en-IN" smtClean="0"/>
-              <a:t>23-03-2024</a:t>
+              <a:t>24-03-2024</a:t>
             </a:fld>
             <a:endParaRPr lang="en-IN"/>
           </a:p>
@@ -3642,7 +4524,7 @@
           <a:p>
             <a:fld id="{3DF34DBE-5A3D-4342-AD2F-2CD33662AB08}" type="datetimeFigureOut">
               <a:rPr lang="en-IN" smtClean="0"/>
-              <a:t>23-03-2024</a:t>
+              <a:t>24-03-2024</a:t>
             </a:fld>
             <a:endParaRPr lang="en-IN"/>
           </a:p>
@@ -3885,7 +4767,7 @@
           <a:p>
             <a:fld id="{3DF34DBE-5A3D-4342-AD2F-2CD33662AB08}" type="datetimeFigureOut">
               <a:rPr lang="en-IN" smtClean="0"/>
-              <a:t>23-03-2024</a:t>
+              <a:t>24-03-2024</a:t>
             </a:fld>
             <a:endParaRPr lang="en-IN"/>
           </a:p>
@@ -4462,6 +5344,3138 @@
 </p:sld>
 </file>
 
+<file path=ppt/slides/slide11.xml><?xml version="1.0" encoding="utf-8"?>
+<p:sld xmlns:a="http://schemas.openxmlformats.org/drawingml/2006/main" xmlns:r="http://schemas.openxmlformats.org/officeDocument/2006/relationships" xmlns:p="http://schemas.openxmlformats.org/presentationml/2006/main">
+  <p:cSld>
+    <p:spTree>
+      <p:nvGrpSpPr>
+        <p:cNvPr id="1" name=""/>
+        <p:cNvGrpSpPr/>
+        <p:nvPr/>
+      </p:nvGrpSpPr>
+      <p:grpSpPr>
+        <a:xfrm>
+          <a:off x="0" y="0"/>
+          <a:ext cx="0" cy="0"/>
+          <a:chOff x="0" y="0"/>
+          <a:chExt cx="0" cy="0"/>
+        </a:xfrm>
+      </p:grpSpPr>
+      <p:sp>
+        <p:nvSpPr>
+          <p:cNvPr id="2" name="Title 1">
+            <a:extLst>
+              <a:ext uri="{FF2B5EF4-FFF2-40B4-BE49-F238E27FC236}">
+                <a16:creationId xmlns:a16="http://schemas.microsoft.com/office/drawing/2014/main" id="{3674CC19-33FF-3347-15E5-E733C8869CB3}"/>
+              </a:ext>
+            </a:extLst>
+          </p:cNvPr>
+          <p:cNvSpPr>
+            <a:spLocks noGrp="1"/>
+          </p:cNvSpPr>
+          <p:nvPr>
+            <p:ph type="ctrTitle"/>
+          </p:nvPr>
+        </p:nvSpPr>
+        <p:spPr/>
+        <p:txBody>
+          <a:bodyPr/>
+          <a:lstStyle/>
+          <a:p>
+            <a:r>
+              <a:rPr lang="en-US" dirty="0"/>
+              <a:t>Blob Storage</a:t>
+            </a:r>
+            <a:endParaRPr lang="en-IN" dirty="0"/>
+          </a:p>
+        </p:txBody>
+      </p:sp>
+      <p:sp>
+        <p:nvSpPr>
+          <p:cNvPr id="3" name="Subtitle 2">
+            <a:extLst>
+              <a:ext uri="{FF2B5EF4-FFF2-40B4-BE49-F238E27FC236}">
+                <a16:creationId xmlns:a16="http://schemas.microsoft.com/office/drawing/2014/main" id="{8B19B75A-0EAF-261F-59BC-C0BEC6E5D497}"/>
+              </a:ext>
+            </a:extLst>
+          </p:cNvPr>
+          <p:cNvSpPr>
+            <a:spLocks noGrp="1"/>
+          </p:cNvSpPr>
+          <p:nvPr>
+            <p:ph type="subTitle" idx="1"/>
+          </p:nvPr>
+        </p:nvSpPr>
+        <p:spPr/>
+        <p:txBody>
+          <a:bodyPr/>
+          <a:lstStyle/>
+          <a:p>
+            <a:endParaRPr lang="en-IN"/>
+          </a:p>
+        </p:txBody>
+      </p:sp>
+    </p:spTree>
+    <p:extLst>
+      <p:ext uri="{BB962C8B-B14F-4D97-AF65-F5344CB8AC3E}">
+        <p14:creationId xmlns:p14="http://schemas.microsoft.com/office/powerpoint/2010/main" val="2084365648"/>
+      </p:ext>
+    </p:extLst>
+  </p:cSld>
+  <p:clrMapOvr>
+    <a:masterClrMapping/>
+  </p:clrMapOvr>
+</p:sld>
+</file>
+
+<file path=ppt/slides/slide12.xml><?xml version="1.0" encoding="utf-8"?>
+<p:sld xmlns:a="http://schemas.openxmlformats.org/drawingml/2006/main" xmlns:r="http://schemas.openxmlformats.org/officeDocument/2006/relationships" xmlns:p="http://schemas.openxmlformats.org/presentationml/2006/main">
+  <p:cSld>
+    <p:spTree>
+      <p:nvGrpSpPr>
+        <p:cNvPr id="1" name=""/>
+        <p:cNvGrpSpPr/>
+        <p:nvPr/>
+      </p:nvGrpSpPr>
+      <p:grpSpPr>
+        <a:xfrm>
+          <a:off x="0" y="0"/>
+          <a:ext cx="0" cy="0"/>
+          <a:chOff x="0" y="0"/>
+          <a:chExt cx="0" cy="0"/>
+        </a:xfrm>
+      </p:grpSpPr>
+      <p:sp>
+        <p:nvSpPr>
+          <p:cNvPr id="2" name="Title 1">
+            <a:extLst>
+              <a:ext uri="{FF2B5EF4-FFF2-40B4-BE49-F238E27FC236}">
+                <a16:creationId xmlns:a16="http://schemas.microsoft.com/office/drawing/2014/main" id="{935DE6AB-ED71-8876-17E6-E8C8968CD6C4}"/>
+              </a:ext>
+            </a:extLst>
+          </p:cNvPr>
+          <p:cNvSpPr>
+            <a:spLocks noGrp="1"/>
+          </p:cNvSpPr>
+          <p:nvPr>
+            <p:ph type="title"/>
+          </p:nvPr>
+        </p:nvSpPr>
+        <p:spPr/>
+        <p:txBody>
+          <a:bodyPr/>
+          <a:lstStyle/>
+          <a:p>
+            <a:r>
+              <a:rPr lang="en-US" dirty="0"/>
+              <a:t>Blob Storage</a:t>
+            </a:r>
+            <a:endParaRPr lang="en-IN" dirty="0"/>
+          </a:p>
+        </p:txBody>
+      </p:sp>
+      <p:sp>
+        <p:nvSpPr>
+          <p:cNvPr id="3" name="Content Placeholder 2">
+            <a:extLst>
+              <a:ext uri="{FF2B5EF4-FFF2-40B4-BE49-F238E27FC236}">
+                <a16:creationId xmlns:a16="http://schemas.microsoft.com/office/drawing/2014/main" id="{0F8DD4C8-128B-FF2A-4E41-CE0AFE80ACBE}"/>
+              </a:ext>
+            </a:extLst>
+          </p:cNvPr>
+          <p:cNvSpPr>
+            <a:spLocks noGrp="1"/>
+          </p:cNvSpPr>
+          <p:nvPr>
+            <p:ph idx="1"/>
+          </p:nvPr>
+        </p:nvSpPr>
+        <p:spPr/>
+        <p:txBody>
+          <a:bodyPr/>
+          <a:lstStyle/>
+          <a:p>
+            <a:r>
+              <a:rPr lang="en-US" dirty="0"/>
+              <a:t>Azure blob storage is a service that stores unstructured data as objects/blobs.</a:t>
+            </a:r>
+          </a:p>
+          <a:p>
+            <a:r>
+              <a:rPr lang="en-IN" dirty="0"/>
+              <a:t>Common Uses:</a:t>
+            </a:r>
+          </a:p>
+          <a:p>
+            <a:pPr lvl="1"/>
+            <a:r>
+              <a:rPr lang="en-IN" dirty="0"/>
+              <a:t>Serving images or documents directly to a browser</a:t>
+            </a:r>
+          </a:p>
+          <a:p>
+            <a:pPr lvl="1"/>
+            <a:r>
+              <a:rPr lang="en-IN" dirty="0"/>
+              <a:t>Storing files for distributed access, such as installation</a:t>
+            </a:r>
+          </a:p>
+          <a:p>
+            <a:pPr lvl="1"/>
+            <a:r>
+              <a:rPr lang="en-IN" dirty="0"/>
+              <a:t>Streaming video and audio</a:t>
+            </a:r>
+          </a:p>
+          <a:p>
+            <a:pPr lvl="1"/>
+            <a:r>
+              <a:rPr lang="en-IN" dirty="0"/>
+              <a:t>Storing data for backup and restore, disaster recovery and archiving</a:t>
+            </a:r>
+          </a:p>
+        </p:txBody>
+      </p:sp>
+    </p:spTree>
+    <p:extLst>
+      <p:ext uri="{BB962C8B-B14F-4D97-AF65-F5344CB8AC3E}">
+        <p14:creationId xmlns:p14="http://schemas.microsoft.com/office/powerpoint/2010/main" val="2212311055"/>
+      </p:ext>
+    </p:extLst>
+  </p:cSld>
+  <p:clrMapOvr>
+    <a:masterClrMapping/>
+  </p:clrMapOvr>
+</p:sld>
+</file>
+
+<file path=ppt/slides/slide13.xml><?xml version="1.0" encoding="utf-8"?>
+<p:sld xmlns:a="http://schemas.openxmlformats.org/drawingml/2006/main" xmlns:r="http://schemas.openxmlformats.org/officeDocument/2006/relationships" xmlns:p="http://schemas.openxmlformats.org/presentationml/2006/main">
+  <p:cSld>
+    <p:spTree>
+      <p:nvGrpSpPr>
+        <p:cNvPr id="1" name=""/>
+        <p:cNvGrpSpPr/>
+        <p:nvPr/>
+      </p:nvGrpSpPr>
+      <p:grpSpPr>
+        <a:xfrm>
+          <a:off x="0" y="0"/>
+          <a:ext cx="0" cy="0"/>
+          <a:chOff x="0" y="0"/>
+          <a:chExt cx="0" cy="0"/>
+        </a:xfrm>
+      </p:grpSpPr>
+      <p:sp>
+        <p:nvSpPr>
+          <p:cNvPr id="2" name="Title 1">
+            <a:extLst>
+              <a:ext uri="{FF2B5EF4-FFF2-40B4-BE49-F238E27FC236}">
+                <a16:creationId xmlns:a16="http://schemas.microsoft.com/office/drawing/2014/main" id="{2D219322-56C7-90AB-C328-58CB2D7040B2}"/>
+              </a:ext>
+            </a:extLst>
+          </p:cNvPr>
+          <p:cNvSpPr>
+            <a:spLocks noGrp="1"/>
+          </p:cNvSpPr>
+          <p:nvPr>
+            <p:ph type="title"/>
+          </p:nvPr>
+        </p:nvSpPr>
+        <p:spPr/>
+        <p:txBody>
+          <a:bodyPr/>
+          <a:lstStyle/>
+          <a:p>
+            <a:r>
+              <a:rPr lang="en-US" dirty="0"/>
+              <a:t>Blob Service Resources</a:t>
+            </a:r>
+            <a:endParaRPr lang="en-IN" dirty="0"/>
+          </a:p>
+        </p:txBody>
+      </p:sp>
+      <p:sp>
+        <p:nvSpPr>
+          <p:cNvPr id="3" name="Content Placeholder 2">
+            <a:extLst>
+              <a:ext uri="{FF2B5EF4-FFF2-40B4-BE49-F238E27FC236}">
+                <a16:creationId xmlns:a16="http://schemas.microsoft.com/office/drawing/2014/main" id="{493B56DE-E2BB-1337-22F2-F20CB0AE1F7D}"/>
+              </a:ext>
+            </a:extLst>
+          </p:cNvPr>
+          <p:cNvSpPr>
+            <a:spLocks noGrp="1"/>
+          </p:cNvSpPr>
+          <p:nvPr>
+            <p:ph idx="1"/>
+          </p:nvPr>
+        </p:nvSpPr>
+        <p:spPr/>
+        <p:txBody>
+          <a:bodyPr/>
+          <a:lstStyle/>
+          <a:p>
+            <a:r>
+              <a:rPr lang="en-US" dirty="0"/>
+              <a:t>Three types of resources:</a:t>
+            </a:r>
+          </a:p>
+          <a:p>
+            <a:pPr lvl="1"/>
+            <a:r>
+              <a:rPr lang="en-US" dirty="0"/>
+              <a:t>Storage account</a:t>
+            </a:r>
+          </a:p>
+          <a:p>
+            <a:pPr lvl="1"/>
+            <a:r>
+              <a:rPr lang="en-US" dirty="0"/>
+              <a:t>Containers in storage account</a:t>
+            </a:r>
+          </a:p>
+          <a:p>
+            <a:pPr lvl="1"/>
+            <a:r>
+              <a:rPr lang="en-US" dirty="0"/>
+              <a:t>Blobs in a container</a:t>
+            </a:r>
+            <a:endParaRPr lang="en-IN" dirty="0"/>
+          </a:p>
+        </p:txBody>
+      </p:sp>
+      <p:pic>
+        <p:nvPicPr>
+          <p:cNvPr id="1026" name="Picture 2" descr="Azure Blob Storage Metadata 400 Bad Request - Blog IT">
+            <a:extLst>
+              <a:ext uri="{FF2B5EF4-FFF2-40B4-BE49-F238E27FC236}">
+                <a16:creationId xmlns:a16="http://schemas.microsoft.com/office/drawing/2014/main" id="{E0A2F099-67E4-DDE0-E4CF-472A82D8F588}"/>
+              </a:ext>
+            </a:extLst>
+          </p:cNvPr>
+          <p:cNvPicPr>
+            <a:picLocks noChangeAspect="1" noChangeArrowheads="1"/>
+          </p:cNvPicPr>
+          <p:nvPr/>
+        </p:nvPicPr>
+        <p:blipFill>
+          <a:blip r:embed="rId2">
+            <a:extLst>
+              <a:ext uri="{28A0092B-C50C-407E-A947-70E740481C1C}">
+                <a14:useLocalDpi xmlns:a14="http://schemas.microsoft.com/office/drawing/2010/main" val="0"/>
+              </a:ext>
+            </a:extLst>
+          </a:blip>
+          <a:srcRect/>
+          <a:stretch>
+            <a:fillRect/>
+          </a:stretch>
+        </p:blipFill>
+        <p:spPr bwMode="auto">
+          <a:xfrm>
+            <a:off x="6005841" y="3429000"/>
+            <a:ext cx="4802177" cy="2437579"/>
+          </a:xfrm>
+          <a:prstGeom prst="rect">
+            <a:avLst/>
+          </a:prstGeom>
+          <a:noFill/>
+          <a:extLst>
+            <a:ext uri="{909E8E84-426E-40DD-AFC4-6F175D3DCCD1}">
+              <a14:hiddenFill xmlns:a14="http://schemas.microsoft.com/office/drawing/2010/main">
+                <a:solidFill>
+                  <a:srgbClr val="FFFFFF"/>
+                </a:solidFill>
+              </a14:hiddenFill>
+            </a:ext>
+          </a:extLst>
+        </p:spPr>
+      </p:pic>
+      <mc:AlternateContent xmlns:mc="http://schemas.openxmlformats.org/markup-compatibility/2006" xmlns:p14="http://schemas.microsoft.com/office/powerpoint/2010/main">
+        <mc:Choice Requires="p14">
+          <p:contentPart p14:bwMode="auto" r:id="rId3">
+            <p14:nvContentPartPr>
+              <p14:cNvPr id="5" name="Ink 4">
+                <a:extLst>
+                  <a:ext uri="{FF2B5EF4-FFF2-40B4-BE49-F238E27FC236}">
+                    <a16:creationId xmlns:a16="http://schemas.microsoft.com/office/drawing/2014/main" id="{6F021FCD-8289-2A65-E86C-200BEC51A0BF}"/>
+                  </a:ext>
+                </a:extLst>
+              </p14:cNvPr>
+              <p14:cNvContentPartPr/>
+              <p14:nvPr/>
+            </p14:nvContentPartPr>
+            <p14:xfrm>
+              <a:off x="6627687" y="3407801"/>
+              <a:ext cx="293400" cy="88920"/>
+            </p14:xfrm>
+          </p:contentPart>
+        </mc:Choice>
+        <mc:Fallback xmlns="">
+          <p:pic>
+            <p:nvPicPr>
+              <p:cNvPr id="5" name="Ink 4">
+                <a:extLst>
+                  <a:ext uri="{FF2B5EF4-FFF2-40B4-BE49-F238E27FC236}">
+                    <a16:creationId xmlns:a16="http://schemas.microsoft.com/office/drawing/2014/main" id="{6F021FCD-8289-2A65-E86C-200BEC51A0BF}"/>
+                  </a:ext>
+                </a:extLst>
+              </p:cNvPr>
+              <p:cNvPicPr/>
+              <p:nvPr/>
+            </p:nvPicPr>
+            <p:blipFill>
+              <a:blip r:embed="rId4"/>
+              <a:stretch>
+                <a:fillRect/>
+              </a:stretch>
+            </p:blipFill>
+            <p:spPr>
+              <a:xfrm>
+                <a:off x="6618687" y="3398801"/>
+                <a:ext cx="311040" cy="106560"/>
+              </a:xfrm>
+              <a:prstGeom prst="rect">
+                <a:avLst/>
+              </a:prstGeom>
+            </p:spPr>
+          </p:pic>
+        </mc:Fallback>
+      </mc:AlternateContent>
+      <mc:AlternateContent xmlns:mc="http://schemas.openxmlformats.org/markup-compatibility/2006" xmlns:p14="http://schemas.microsoft.com/office/powerpoint/2010/main">
+        <mc:Choice Requires="p14">
+          <p:contentPart p14:bwMode="auto" r:id="rId5">
+            <p14:nvContentPartPr>
+              <p14:cNvPr id="6" name="Ink 5">
+                <a:extLst>
+                  <a:ext uri="{FF2B5EF4-FFF2-40B4-BE49-F238E27FC236}">
+                    <a16:creationId xmlns:a16="http://schemas.microsoft.com/office/drawing/2014/main" id="{6344F2B5-BAC5-F34A-BC33-2AF609345A75}"/>
+                  </a:ext>
+                </a:extLst>
+              </p14:cNvPr>
+              <p14:cNvContentPartPr/>
+              <p14:nvPr/>
+            </p14:nvContentPartPr>
+            <p14:xfrm>
+              <a:off x="8205567" y="3337961"/>
+              <a:ext cx="313560" cy="128880"/>
+            </p14:xfrm>
+          </p:contentPart>
+        </mc:Choice>
+        <mc:Fallback xmlns="">
+          <p:pic>
+            <p:nvPicPr>
+              <p:cNvPr id="6" name="Ink 5">
+                <a:extLst>
+                  <a:ext uri="{FF2B5EF4-FFF2-40B4-BE49-F238E27FC236}">
+                    <a16:creationId xmlns:a16="http://schemas.microsoft.com/office/drawing/2014/main" id="{6344F2B5-BAC5-F34A-BC33-2AF609345A75}"/>
+                  </a:ext>
+                </a:extLst>
+              </p:cNvPr>
+              <p:cNvPicPr/>
+              <p:nvPr/>
+            </p:nvPicPr>
+            <p:blipFill>
+              <a:blip r:embed="rId6"/>
+              <a:stretch>
+                <a:fillRect/>
+              </a:stretch>
+            </p:blipFill>
+            <p:spPr>
+              <a:xfrm>
+                <a:off x="8196927" y="3329321"/>
+                <a:ext cx="331200" cy="146520"/>
+              </a:xfrm>
+              <a:prstGeom prst="rect">
+                <a:avLst/>
+              </a:prstGeom>
+            </p:spPr>
+          </p:pic>
+        </mc:Fallback>
+      </mc:AlternateContent>
+      <mc:AlternateContent xmlns:mc="http://schemas.openxmlformats.org/markup-compatibility/2006" xmlns:p14="http://schemas.microsoft.com/office/powerpoint/2010/main">
+        <mc:Choice Requires="p14">
+          <p:contentPart p14:bwMode="auto" r:id="rId7">
+            <p14:nvContentPartPr>
+              <p14:cNvPr id="7" name="Ink 6">
+                <a:extLst>
+                  <a:ext uri="{FF2B5EF4-FFF2-40B4-BE49-F238E27FC236}">
+                    <a16:creationId xmlns:a16="http://schemas.microsoft.com/office/drawing/2014/main" id="{7DC91A83-02FC-8CC2-CF4A-10CA3BC8B830}"/>
+                  </a:ext>
+                </a:extLst>
+              </p14:cNvPr>
+              <p14:cNvContentPartPr/>
+              <p14:nvPr/>
+            </p14:nvContentPartPr>
+            <p14:xfrm>
+              <a:off x="9910527" y="3315281"/>
+              <a:ext cx="402480" cy="181800"/>
+            </p14:xfrm>
+          </p:contentPart>
+        </mc:Choice>
+        <mc:Fallback xmlns="">
+          <p:pic>
+            <p:nvPicPr>
+              <p:cNvPr id="7" name="Ink 6">
+                <a:extLst>
+                  <a:ext uri="{FF2B5EF4-FFF2-40B4-BE49-F238E27FC236}">
+                    <a16:creationId xmlns:a16="http://schemas.microsoft.com/office/drawing/2014/main" id="{7DC91A83-02FC-8CC2-CF4A-10CA3BC8B830}"/>
+                  </a:ext>
+                </a:extLst>
+              </p:cNvPr>
+              <p:cNvPicPr/>
+              <p:nvPr/>
+            </p:nvPicPr>
+            <p:blipFill>
+              <a:blip r:embed="rId8"/>
+              <a:stretch>
+                <a:fillRect/>
+              </a:stretch>
+            </p:blipFill>
+            <p:spPr>
+              <a:xfrm>
+                <a:off x="9901887" y="3306281"/>
+                <a:ext cx="420120" cy="199440"/>
+              </a:xfrm>
+              <a:prstGeom prst="rect">
+                <a:avLst/>
+              </a:prstGeom>
+            </p:spPr>
+          </p:pic>
+        </mc:Fallback>
+      </mc:AlternateContent>
+    </p:spTree>
+    <p:extLst>
+      <p:ext uri="{BB962C8B-B14F-4D97-AF65-F5344CB8AC3E}">
+        <p14:creationId xmlns:p14="http://schemas.microsoft.com/office/powerpoint/2010/main" val="3414695513"/>
+      </p:ext>
+    </p:extLst>
+  </p:cSld>
+  <p:clrMapOvr>
+    <a:masterClrMapping/>
+  </p:clrMapOvr>
+</p:sld>
+</file>
+
+<file path=ppt/slides/slide14.xml><?xml version="1.0" encoding="utf-8"?>
+<p:sld xmlns:a="http://schemas.openxmlformats.org/drawingml/2006/main" xmlns:r="http://schemas.openxmlformats.org/officeDocument/2006/relationships" xmlns:p="http://schemas.openxmlformats.org/presentationml/2006/main">
+  <p:cSld>
+    <p:spTree>
+      <p:nvGrpSpPr>
+        <p:cNvPr id="1" name=""/>
+        <p:cNvGrpSpPr/>
+        <p:nvPr/>
+      </p:nvGrpSpPr>
+      <p:grpSpPr>
+        <a:xfrm>
+          <a:off x="0" y="0"/>
+          <a:ext cx="0" cy="0"/>
+          <a:chOff x="0" y="0"/>
+          <a:chExt cx="0" cy="0"/>
+        </a:xfrm>
+      </p:grpSpPr>
+      <p:sp>
+        <p:nvSpPr>
+          <p:cNvPr id="2" name="Title 1">
+            <a:extLst>
+              <a:ext uri="{FF2B5EF4-FFF2-40B4-BE49-F238E27FC236}">
+                <a16:creationId xmlns:a16="http://schemas.microsoft.com/office/drawing/2014/main" id="{0BF05B40-AC9A-D9EA-D307-82C02A68F5A8}"/>
+              </a:ext>
+            </a:extLst>
+          </p:cNvPr>
+          <p:cNvSpPr>
+            <a:spLocks noGrp="1"/>
+          </p:cNvSpPr>
+          <p:nvPr>
+            <p:ph type="title"/>
+          </p:nvPr>
+        </p:nvSpPr>
+        <p:spPr/>
+        <p:txBody>
+          <a:bodyPr/>
+          <a:lstStyle/>
+          <a:p>
+            <a:r>
+              <a:rPr lang="en-US" dirty="0"/>
+              <a:t>Public Access Level</a:t>
+            </a:r>
+            <a:endParaRPr lang="en-IN" dirty="0"/>
+          </a:p>
+        </p:txBody>
+      </p:sp>
+      <p:sp>
+        <p:nvSpPr>
+          <p:cNvPr id="3" name="Content Placeholder 2">
+            <a:extLst>
+              <a:ext uri="{FF2B5EF4-FFF2-40B4-BE49-F238E27FC236}">
+                <a16:creationId xmlns:a16="http://schemas.microsoft.com/office/drawing/2014/main" id="{4FD3DF9C-A3EF-6F65-7A2E-7A8ED6AE8302}"/>
+              </a:ext>
+            </a:extLst>
+          </p:cNvPr>
+          <p:cNvSpPr>
+            <a:spLocks noGrp="1"/>
+          </p:cNvSpPr>
+          <p:nvPr>
+            <p:ph idx="1"/>
+          </p:nvPr>
+        </p:nvSpPr>
+        <p:spPr/>
+        <p:txBody>
+          <a:bodyPr/>
+          <a:lstStyle/>
+          <a:p>
+            <a:r>
+              <a:rPr lang="en-US" dirty="0"/>
+              <a:t>Private – no anonymous request to containers and blobs</a:t>
+            </a:r>
+          </a:p>
+          <a:p>
+            <a:r>
+              <a:rPr lang="en-US" dirty="0"/>
+              <a:t>Blob – allow anonymous public read access for blobs only</a:t>
+            </a:r>
+          </a:p>
+          <a:p>
+            <a:r>
+              <a:rPr lang="en-US" dirty="0"/>
+              <a:t>Container – allow anonymous public read and list access to the entire container</a:t>
+            </a:r>
+            <a:endParaRPr lang="en-IN" dirty="0"/>
+          </a:p>
+        </p:txBody>
+      </p:sp>
+    </p:spTree>
+    <p:extLst>
+      <p:ext uri="{BB962C8B-B14F-4D97-AF65-F5344CB8AC3E}">
+        <p14:creationId xmlns:p14="http://schemas.microsoft.com/office/powerpoint/2010/main" val="1895560445"/>
+      </p:ext>
+    </p:extLst>
+  </p:cSld>
+  <p:clrMapOvr>
+    <a:masterClrMapping/>
+  </p:clrMapOvr>
+</p:sld>
+</file>
+
+<file path=ppt/slides/slide15.xml><?xml version="1.0" encoding="utf-8"?>
+<p:sld xmlns:a="http://schemas.openxmlformats.org/drawingml/2006/main" xmlns:r="http://schemas.openxmlformats.org/officeDocument/2006/relationships" xmlns:p="http://schemas.openxmlformats.org/presentationml/2006/main">
+  <p:cSld>
+    <p:spTree>
+      <p:nvGrpSpPr>
+        <p:cNvPr id="1" name=""/>
+        <p:cNvGrpSpPr/>
+        <p:nvPr/>
+      </p:nvGrpSpPr>
+      <p:grpSpPr>
+        <a:xfrm>
+          <a:off x="0" y="0"/>
+          <a:ext cx="0" cy="0"/>
+          <a:chOff x="0" y="0"/>
+          <a:chExt cx="0" cy="0"/>
+        </a:xfrm>
+      </p:grpSpPr>
+      <p:sp>
+        <p:nvSpPr>
+          <p:cNvPr id="2" name="Title 1">
+            <a:extLst>
+              <a:ext uri="{FF2B5EF4-FFF2-40B4-BE49-F238E27FC236}">
+                <a16:creationId xmlns:a16="http://schemas.microsoft.com/office/drawing/2014/main" id="{BE49F736-B953-4D08-3102-1210AFC71DE2}"/>
+              </a:ext>
+            </a:extLst>
+          </p:cNvPr>
+          <p:cNvSpPr>
+            <a:spLocks noGrp="1"/>
+          </p:cNvSpPr>
+          <p:nvPr>
+            <p:ph type="title"/>
+          </p:nvPr>
+        </p:nvSpPr>
+        <p:spPr/>
+        <p:txBody>
+          <a:bodyPr/>
+          <a:lstStyle/>
+          <a:p>
+            <a:r>
+              <a:rPr lang="en-US" dirty="0"/>
+              <a:t>Blob Performance Tiers</a:t>
+            </a:r>
+            <a:endParaRPr lang="en-IN" dirty="0"/>
+          </a:p>
+        </p:txBody>
+      </p:sp>
+      <p:sp>
+        <p:nvSpPr>
+          <p:cNvPr id="3" name="Content Placeholder 2">
+            <a:extLst>
+              <a:ext uri="{FF2B5EF4-FFF2-40B4-BE49-F238E27FC236}">
+                <a16:creationId xmlns:a16="http://schemas.microsoft.com/office/drawing/2014/main" id="{CE609485-1476-576A-D28D-DAA4543A0A88}"/>
+              </a:ext>
+            </a:extLst>
+          </p:cNvPr>
+          <p:cNvSpPr>
+            <a:spLocks noGrp="1"/>
+          </p:cNvSpPr>
+          <p:nvPr>
+            <p:ph idx="1"/>
+          </p:nvPr>
+        </p:nvSpPr>
+        <p:spPr/>
+        <p:txBody>
+          <a:bodyPr/>
+          <a:lstStyle/>
+          <a:p>
+            <a:r>
+              <a:rPr lang="en-US" dirty="0"/>
+              <a:t>Hot – Optimized for frequent access of objects in the storage account.</a:t>
+            </a:r>
+          </a:p>
+          <a:p>
+            <a:r>
+              <a:rPr lang="en-US" dirty="0"/>
+              <a:t>Cool – Optimized for storing large amounts of data that is infrequently accessed and store at least for 30 days</a:t>
+            </a:r>
+          </a:p>
+          <a:p>
+            <a:r>
+              <a:rPr lang="en-US" dirty="0"/>
+              <a:t>Cold – Optimized for storing data that rarely accessed or modified but still need fast retrieval and store at least for 90 days</a:t>
+            </a:r>
+          </a:p>
+          <a:p>
+            <a:r>
+              <a:rPr lang="en-US" dirty="0"/>
+              <a:t>Archive – Optimized for data that can tolerate several hours of retrieval latency and will remain in the archive tier for at least 180 days</a:t>
+            </a:r>
+            <a:endParaRPr lang="en-IN" dirty="0"/>
+          </a:p>
+        </p:txBody>
+      </p:sp>
+    </p:spTree>
+    <p:extLst>
+      <p:ext uri="{BB962C8B-B14F-4D97-AF65-F5344CB8AC3E}">
+        <p14:creationId xmlns:p14="http://schemas.microsoft.com/office/powerpoint/2010/main" val="4016231475"/>
+      </p:ext>
+    </p:extLst>
+  </p:cSld>
+  <p:clrMapOvr>
+    <a:masterClrMapping/>
+  </p:clrMapOvr>
+</p:sld>
+</file>
+
+<file path=ppt/slides/slide16.xml><?xml version="1.0" encoding="utf-8"?>
+<p:sld xmlns:a="http://schemas.openxmlformats.org/drawingml/2006/main" xmlns:r="http://schemas.openxmlformats.org/officeDocument/2006/relationships" xmlns:p="http://schemas.openxmlformats.org/presentationml/2006/main">
+  <p:cSld>
+    <p:spTree>
+      <p:nvGrpSpPr>
+        <p:cNvPr id="1" name=""/>
+        <p:cNvGrpSpPr/>
+        <p:nvPr/>
+      </p:nvGrpSpPr>
+      <p:grpSpPr>
+        <a:xfrm>
+          <a:off x="0" y="0"/>
+          <a:ext cx="0" cy="0"/>
+          <a:chOff x="0" y="0"/>
+          <a:chExt cx="0" cy="0"/>
+        </a:xfrm>
+      </p:grpSpPr>
+      <p:sp>
+        <p:nvSpPr>
+          <p:cNvPr id="2" name="Title 1">
+            <a:extLst>
+              <a:ext uri="{FF2B5EF4-FFF2-40B4-BE49-F238E27FC236}">
+                <a16:creationId xmlns:a16="http://schemas.microsoft.com/office/drawing/2014/main" id="{CE3CAB04-52BA-BEA9-DF1B-7E3B6F5DD615}"/>
+              </a:ext>
+            </a:extLst>
+          </p:cNvPr>
+          <p:cNvSpPr>
+            <a:spLocks noGrp="1"/>
+          </p:cNvSpPr>
+          <p:nvPr>
+            <p:ph type="title"/>
+          </p:nvPr>
+        </p:nvSpPr>
+        <p:spPr/>
+        <p:txBody>
+          <a:bodyPr/>
+          <a:lstStyle/>
+          <a:p>
+            <a:r>
+              <a:rPr lang="en-US"/>
+              <a:t>Uploading Blobs</a:t>
+            </a:r>
+            <a:endParaRPr lang="en-IN" dirty="0"/>
+          </a:p>
+        </p:txBody>
+      </p:sp>
+      <p:sp>
+        <p:nvSpPr>
+          <p:cNvPr id="3" name="Content Placeholder 2">
+            <a:extLst>
+              <a:ext uri="{FF2B5EF4-FFF2-40B4-BE49-F238E27FC236}">
+                <a16:creationId xmlns:a16="http://schemas.microsoft.com/office/drawing/2014/main" id="{BA9D3E19-D191-1458-7691-1D9B89DF6543}"/>
+              </a:ext>
+            </a:extLst>
+          </p:cNvPr>
+          <p:cNvSpPr>
+            <a:spLocks noGrp="1"/>
+          </p:cNvSpPr>
+          <p:nvPr>
+            <p:ph idx="1"/>
+          </p:nvPr>
+        </p:nvSpPr>
+        <p:spPr/>
+        <p:txBody>
+          <a:bodyPr/>
+          <a:lstStyle/>
+          <a:p>
+            <a:r>
+              <a:rPr lang="en-US" dirty="0"/>
+              <a:t>Block blobs</a:t>
+            </a:r>
+          </a:p>
+          <a:p>
+            <a:r>
+              <a:rPr lang="en-US" dirty="0"/>
+              <a:t>Append Blobs – logging scenarios</a:t>
+            </a:r>
+          </a:p>
+          <a:p>
+            <a:r>
+              <a:rPr lang="en-US" dirty="0"/>
+              <a:t>Page Blobs – 8TB in size. Azure VM disk use page blobs as OS disk and data disk</a:t>
+            </a:r>
+            <a:endParaRPr lang="en-IN" dirty="0"/>
+          </a:p>
+        </p:txBody>
+      </p:sp>
+      <p:grpSp>
+        <p:nvGrpSpPr>
+          <p:cNvPr id="35" name="Group 34">
+            <a:extLst>
+              <a:ext uri="{FF2B5EF4-FFF2-40B4-BE49-F238E27FC236}">
+                <a16:creationId xmlns:a16="http://schemas.microsoft.com/office/drawing/2014/main" id="{926530EF-D1AB-CB51-9C71-27E20E31C1CF}"/>
+              </a:ext>
+            </a:extLst>
+          </p:cNvPr>
+          <p:cNvGrpSpPr/>
+          <p:nvPr/>
+        </p:nvGrpSpPr>
+        <p:grpSpPr>
+          <a:xfrm>
+            <a:off x="7106127" y="422681"/>
+            <a:ext cx="721440" cy="243000"/>
+            <a:chOff x="7106127" y="422681"/>
+            <a:chExt cx="721440" cy="243000"/>
+          </a:xfrm>
+        </p:grpSpPr>
+        <mc:AlternateContent xmlns:mc="http://schemas.openxmlformats.org/markup-compatibility/2006" xmlns:p14="http://schemas.microsoft.com/office/powerpoint/2010/main">
+          <mc:Choice Requires="p14">
+            <p:contentPart p14:bwMode="auto" r:id="rId2">
+              <p14:nvContentPartPr>
+                <p14:cNvPr id="29" name="Ink 28">
+                  <a:extLst>
+                    <a:ext uri="{FF2B5EF4-FFF2-40B4-BE49-F238E27FC236}">
+                      <a16:creationId xmlns:a16="http://schemas.microsoft.com/office/drawing/2014/main" id="{7BEEF0F0-858F-B100-E686-9BB3806D2E90}"/>
+                    </a:ext>
+                  </a:extLst>
+                </p14:cNvPr>
+                <p14:cNvContentPartPr/>
+                <p14:nvPr/>
+              </p14:nvContentPartPr>
+              <p14:xfrm>
+                <a:off x="7106127" y="449681"/>
+                <a:ext cx="85680" cy="198720"/>
+              </p14:xfrm>
+            </p:contentPart>
+          </mc:Choice>
+          <mc:Fallback xmlns="">
+            <p:pic>
+              <p:nvPicPr>
+                <p:cNvPr id="29" name="Ink 28">
+                  <a:extLst>
+                    <a:ext uri="{FF2B5EF4-FFF2-40B4-BE49-F238E27FC236}">
+                      <a16:creationId xmlns:a16="http://schemas.microsoft.com/office/drawing/2014/main" id="{7BEEF0F0-858F-B100-E686-9BB3806D2E90}"/>
+                    </a:ext>
+                  </a:extLst>
+                </p:cNvPr>
+                <p:cNvPicPr/>
+                <p:nvPr/>
+              </p:nvPicPr>
+              <p:blipFill>
+                <a:blip r:embed="rId3"/>
+                <a:stretch>
+                  <a:fillRect/>
+                </a:stretch>
+              </p:blipFill>
+              <p:spPr>
+                <a:xfrm>
+                  <a:off x="7097127" y="440681"/>
+                  <a:ext cx="103320" cy="216360"/>
+                </a:xfrm>
+                <a:prstGeom prst="rect">
+                  <a:avLst/>
+                </a:prstGeom>
+              </p:spPr>
+            </p:pic>
+          </mc:Fallback>
+        </mc:AlternateContent>
+        <mc:AlternateContent xmlns:mc="http://schemas.openxmlformats.org/markup-compatibility/2006" xmlns:p14="http://schemas.microsoft.com/office/powerpoint/2010/main">
+          <mc:Choice Requires="p14">
+            <p:contentPart p14:bwMode="auto" r:id="rId4">
+              <p14:nvContentPartPr>
+                <p14:cNvPr id="30" name="Ink 29">
+                  <a:extLst>
+                    <a:ext uri="{FF2B5EF4-FFF2-40B4-BE49-F238E27FC236}">
+                      <a16:creationId xmlns:a16="http://schemas.microsoft.com/office/drawing/2014/main" id="{E113BD34-538D-A1DD-F5F6-77F6E901B3F7}"/>
+                    </a:ext>
+                  </a:extLst>
+                </p14:cNvPr>
+                <p14:cNvContentPartPr/>
+                <p14:nvPr/>
+              </p14:nvContentPartPr>
+              <p14:xfrm>
+                <a:off x="7212687" y="480641"/>
+                <a:ext cx="72000" cy="105480"/>
+              </p14:xfrm>
+            </p:contentPart>
+          </mc:Choice>
+          <mc:Fallback xmlns="">
+            <p:pic>
+              <p:nvPicPr>
+                <p:cNvPr id="30" name="Ink 29">
+                  <a:extLst>
+                    <a:ext uri="{FF2B5EF4-FFF2-40B4-BE49-F238E27FC236}">
+                      <a16:creationId xmlns:a16="http://schemas.microsoft.com/office/drawing/2014/main" id="{E113BD34-538D-A1DD-F5F6-77F6E901B3F7}"/>
+                    </a:ext>
+                  </a:extLst>
+                </p:cNvPr>
+                <p:cNvPicPr/>
+                <p:nvPr/>
+              </p:nvPicPr>
+              <p:blipFill>
+                <a:blip r:embed="rId5"/>
+                <a:stretch>
+                  <a:fillRect/>
+                </a:stretch>
+              </p:blipFill>
+              <p:spPr>
+                <a:xfrm>
+                  <a:off x="7203687" y="472001"/>
+                  <a:ext cx="89640" cy="123120"/>
+                </a:xfrm>
+                <a:prstGeom prst="rect">
+                  <a:avLst/>
+                </a:prstGeom>
+              </p:spPr>
+            </p:pic>
+          </mc:Fallback>
+        </mc:AlternateContent>
+        <mc:AlternateContent xmlns:mc="http://schemas.openxmlformats.org/markup-compatibility/2006" xmlns:p14="http://schemas.microsoft.com/office/powerpoint/2010/main">
+          <mc:Choice Requires="p14">
+            <p:contentPart p14:bwMode="auto" r:id="rId6">
+              <p14:nvContentPartPr>
+                <p14:cNvPr id="31" name="Ink 30">
+                  <a:extLst>
+                    <a:ext uri="{FF2B5EF4-FFF2-40B4-BE49-F238E27FC236}">
+                      <a16:creationId xmlns:a16="http://schemas.microsoft.com/office/drawing/2014/main" id="{AA0E53A3-0259-F376-F024-D9B1A2194A73}"/>
+                    </a:ext>
+                  </a:extLst>
+                </p14:cNvPr>
+                <p14:cNvContentPartPr/>
+                <p14:nvPr/>
+              </p14:nvContentPartPr>
+              <p14:xfrm>
+                <a:off x="7348407" y="514481"/>
+                <a:ext cx="59760" cy="57960"/>
+              </p14:xfrm>
+            </p:contentPart>
+          </mc:Choice>
+          <mc:Fallback xmlns="">
+            <p:pic>
+              <p:nvPicPr>
+                <p:cNvPr id="31" name="Ink 30">
+                  <a:extLst>
+                    <a:ext uri="{FF2B5EF4-FFF2-40B4-BE49-F238E27FC236}">
+                      <a16:creationId xmlns:a16="http://schemas.microsoft.com/office/drawing/2014/main" id="{AA0E53A3-0259-F376-F024-D9B1A2194A73}"/>
+                    </a:ext>
+                  </a:extLst>
+                </p:cNvPr>
+                <p:cNvPicPr/>
+                <p:nvPr/>
+              </p:nvPicPr>
+              <p:blipFill>
+                <a:blip r:embed="rId7"/>
+                <a:stretch>
+                  <a:fillRect/>
+                </a:stretch>
+              </p:blipFill>
+              <p:spPr>
+                <a:xfrm>
+                  <a:off x="7339407" y="505841"/>
+                  <a:ext cx="77400" cy="75600"/>
+                </a:xfrm>
+                <a:prstGeom prst="rect">
+                  <a:avLst/>
+                </a:prstGeom>
+              </p:spPr>
+            </p:pic>
+          </mc:Fallback>
+        </mc:AlternateContent>
+        <mc:AlternateContent xmlns:mc="http://schemas.openxmlformats.org/markup-compatibility/2006" xmlns:p14="http://schemas.microsoft.com/office/powerpoint/2010/main">
+          <mc:Choice Requires="p14">
+            <p:contentPart p14:bwMode="auto" r:id="rId8">
+              <p14:nvContentPartPr>
+                <p14:cNvPr id="32" name="Ink 31">
+                  <a:extLst>
+                    <a:ext uri="{FF2B5EF4-FFF2-40B4-BE49-F238E27FC236}">
+                      <a16:creationId xmlns:a16="http://schemas.microsoft.com/office/drawing/2014/main" id="{A61F0C40-F06E-A0B3-D597-568194B2A42E}"/>
+                    </a:ext>
+                  </a:extLst>
+                </p14:cNvPr>
+                <p14:cNvContentPartPr/>
+                <p14:nvPr/>
+              </p14:nvContentPartPr>
+              <p14:xfrm>
+                <a:off x="7451007" y="497201"/>
+                <a:ext cx="214920" cy="101160"/>
+              </p14:xfrm>
+            </p:contentPart>
+          </mc:Choice>
+          <mc:Fallback xmlns="">
+            <p:pic>
+              <p:nvPicPr>
+                <p:cNvPr id="32" name="Ink 31">
+                  <a:extLst>
+                    <a:ext uri="{FF2B5EF4-FFF2-40B4-BE49-F238E27FC236}">
+                      <a16:creationId xmlns:a16="http://schemas.microsoft.com/office/drawing/2014/main" id="{A61F0C40-F06E-A0B3-D597-568194B2A42E}"/>
+                    </a:ext>
+                  </a:extLst>
+                </p:cNvPr>
+                <p:cNvPicPr/>
+                <p:nvPr/>
+              </p:nvPicPr>
+              <p:blipFill>
+                <a:blip r:embed="rId9"/>
+                <a:stretch>
+                  <a:fillRect/>
+                </a:stretch>
+              </p:blipFill>
+              <p:spPr>
+                <a:xfrm>
+                  <a:off x="7442007" y="488561"/>
+                  <a:ext cx="232560" cy="118800"/>
+                </a:xfrm>
+                <a:prstGeom prst="rect">
+                  <a:avLst/>
+                </a:prstGeom>
+              </p:spPr>
+            </p:pic>
+          </mc:Fallback>
+        </mc:AlternateContent>
+        <mc:AlternateContent xmlns:mc="http://schemas.openxmlformats.org/markup-compatibility/2006" xmlns:p14="http://schemas.microsoft.com/office/powerpoint/2010/main">
+          <mc:Choice Requires="p14">
+            <p:contentPart p14:bwMode="auto" r:id="rId10">
+              <p14:nvContentPartPr>
+                <p14:cNvPr id="33" name="Ink 32">
+                  <a:extLst>
+                    <a:ext uri="{FF2B5EF4-FFF2-40B4-BE49-F238E27FC236}">
+                      <a16:creationId xmlns:a16="http://schemas.microsoft.com/office/drawing/2014/main" id="{10772A26-0FB6-36B8-3532-5D1C959FC772}"/>
+                    </a:ext>
+                  </a:extLst>
+                </p14:cNvPr>
+                <p14:cNvContentPartPr/>
+                <p14:nvPr/>
+              </p14:nvContentPartPr>
+              <p14:xfrm>
+                <a:off x="7695807" y="471281"/>
+                <a:ext cx="48600" cy="164880"/>
+              </p14:xfrm>
+            </p:contentPart>
+          </mc:Choice>
+          <mc:Fallback xmlns="">
+            <p:pic>
+              <p:nvPicPr>
+                <p:cNvPr id="33" name="Ink 32">
+                  <a:extLst>
+                    <a:ext uri="{FF2B5EF4-FFF2-40B4-BE49-F238E27FC236}">
+                      <a16:creationId xmlns:a16="http://schemas.microsoft.com/office/drawing/2014/main" id="{10772A26-0FB6-36B8-3532-5D1C959FC772}"/>
+                    </a:ext>
+                  </a:extLst>
+                </p:cNvPr>
+                <p:cNvPicPr/>
+                <p:nvPr/>
+              </p:nvPicPr>
+              <p:blipFill>
+                <a:blip r:embed="rId11"/>
+                <a:stretch>
+                  <a:fillRect/>
+                </a:stretch>
+              </p:blipFill>
+              <p:spPr>
+                <a:xfrm>
+                  <a:off x="7686807" y="462281"/>
+                  <a:ext cx="66240" cy="182520"/>
+                </a:xfrm>
+                <a:prstGeom prst="rect">
+                  <a:avLst/>
+                </a:prstGeom>
+              </p:spPr>
+            </p:pic>
+          </mc:Fallback>
+        </mc:AlternateContent>
+        <mc:AlternateContent xmlns:mc="http://schemas.openxmlformats.org/markup-compatibility/2006" xmlns:p14="http://schemas.microsoft.com/office/powerpoint/2010/main">
+          <mc:Choice Requires="p14">
+            <p:contentPart p14:bwMode="auto" r:id="rId12">
+              <p14:nvContentPartPr>
+                <p14:cNvPr id="34" name="Ink 33">
+                  <a:extLst>
+                    <a:ext uri="{FF2B5EF4-FFF2-40B4-BE49-F238E27FC236}">
+                      <a16:creationId xmlns:a16="http://schemas.microsoft.com/office/drawing/2014/main" id="{1EC97636-1DAF-FEE8-5633-F39E04A5D0AA}"/>
+                    </a:ext>
+                  </a:extLst>
+                </p14:cNvPr>
+                <p14:cNvContentPartPr/>
+                <p14:nvPr/>
+              </p14:nvContentPartPr>
+              <p14:xfrm>
+                <a:off x="7686087" y="422681"/>
+                <a:ext cx="141480" cy="243000"/>
+              </p14:xfrm>
+            </p:contentPart>
+          </mc:Choice>
+          <mc:Fallback xmlns="">
+            <p:pic>
+              <p:nvPicPr>
+                <p:cNvPr id="34" name="Ink 33">
+                  <a:extLst>
+                    <a:ext uri="{FF2B5EF4-FFF2-40B4-BE49-F238E27FC236}">
+                      <a16:creationId xmlns:a16="http://schemas.microsoft.com/office/drawing/2014/main" id="{1EC97636-1DAF-FEE8-5633-F39E04A5D0AA}"/>
+                    </a:ext>
+                  </a:extLst>
+                </p:cNvPr>
+                <p:cNvPicPr/>
+                <p:nvPr/>
+              </p:nvPicPr>
+              <p:blipFill>
+                <a:blip r:embed="rId13"/>
+                <a:stretch>
+                  <a:fillRect/>
+                </a:stretch>
+              </p:blipFill>
+              <p:spPr>
+                <a:xfrm>
+                  <a:off x="7677087" y="413681"/>
+                  <a:ext cx="159120" cy="260640"/>
+                </a:xfrm>
+                <a:prstGeom prst="rect">
+                  <a:avLst/>
+                </a:prstGeom>
+              </p:spPr>
+            </p:pic>
+          </mc:Fallback>
+        </mc:AlternateContent>
+      </p:grpSp>
+      <p:grpSp>
+        <p:nvGrpSpPr>
+          <p:cNvPr id="58" name="Group 57">
+            <a:extLst>
+              <a:ext uri="{FF2B5EF4-FFF2-40B4-BE49-F238E27FC236}">
+                <a16:creationId xmlns:a16="http://schemas.microsoft.com/office/drawing/2014/main" id="{EFCFBED7-2F7C-0F1F-8DF0-43A1B892C14D}"/>
+              </a:ext>
+            </a:extLst>
+          </p:cNvPr>
+          <p:cNvGrpSpPr/>
+          <p:nvPr/>
+        </p:nvGrpSpPr>
+        <p:grpSpPr>
+          <a:xfrm>
+            <a:off x="7409247" y="841001"/>
+            <a:ext cx="533520" cy="210960"/>
+            <a:chOff x="7409247" y="841001"/>
+            <a:chExt cx="533520" cy="210960"/>
+          </a:xfrm>
+        </p:grpSpPr>
+        <mc:AlternateContent xmlns:mc="http://schemas.openxmlformats.org/markup-compatibility/2006" xmlns:p14="http://schemas.microsoft.com/office/powerpoint/2010/main">
+          <mc:Choice Requires="p14">
+            <p:contentPart p14:bwMode="auto" r:id="rId14">
+              <p14:nvContentPartPr>
+                <p14:cNvPr id="42" name="Ink 41">
+                  <a:extLst>
+                    <a:ext uri="{FF2B5EF4-FFF2-40B4-BE49-F238E27FC236}">
+                      <a16:creationId xmlns:a16="http://schemas.microsoft.com/office/drawing/2014/main" id="{1556138C-1B3D-CA70-96B0-7C40B44CA7C3}"/>
+                    </a:ext>
+                  </a:extLst>
+                </p14:cNvPr>
+                <p14:cNvContentPartPr/>
+                <p14:nvPr/>
+              </p14:nvContentPartPr>
+              <p14:xfrm>
+                <a:off x="7409247" y="852161"/>
+                <a:ext cx="124560" cy="103320"/>
+              </p14:xfrm>
+            </p:contentPart>
+          </mc:Choice>
+          <mc:Fallback xmlns="">
+            <p:pic>
+              <p:nvPicPr>
+                <p:cNvPr id="42" name="Ink 41">
+                  <a:extLst>
+                    <a:ext uri="{FF2B5EF4-FFF2-40B4-BE49-F238E27FC236}">
+                      <a16:creationId xmlns:a16="http://schemas.microsoft.com/office/drawing/2014/main" id="{1556138C-1B3D-CA70-96B0-7C40B44CA7C3}"/>
+                    </a:ext>
+                  </a:extLst>
+                </p:cNvPr>
+                <p:cNvPicPr/>
+                <p:nvPr/>
+              </p:nvPicPr>
+              <p:blipFill>
+                <a:blip r:embed="rId15"/>
+                <a:stretch>
+                  <a:fillRect/>
+                </a:stretch>
+              </p:blipFill>
+              <p:spPr>
+                <a:xfrm>
+                  <a:off x="7400607" y="843521"/>
+                  <a:ext cx="142200" cy="120960"/>
+                </a:xfrm>
+                <a:prstGeom prst="rect">
+                  <a:avLst/>
+                </a:prstGeom>
+              </p:spPr>
+            </p:pic>
+          </mc:Fallback>
+        </mc:AlternateContent>
+        <mc:AlternateContent xmlns:mc="http://schemas.openxmlformats.org/markup-compatibility/2006" xmlns:p14="http://schemas.microsoft.com/office/powerpoint/2010/main">
+          <mc:Choice Requires="p14">
+            <p:contentPart p14:bwMode="auto" r:id="rId16">
+              <p14:nvContentPartPr>
+                <p14:cNvPr id="43" name="Ink 42">
+                  <a:extLst>
+                    <a:ext uri="{FF2B5EF4-FFF2-40B4-BE49-F238E27FC236}">
+                      <a16:creationId xmlns:a16="http://schemas.microsoft.com/office/drawing/2014/main" id="{5969C375-282F-76E6-3196-4AB254E32506}"/>
+                    </a:ext>
+                  </a:extLst>
+                </p14:cNvPr>
+                <p14:cNvContentPartPr/>
+                <p14:nvPr/>
+              </p14:nvContentPartPr>
+              <p14:xfrm>
+                <a:off x="7519767" y="893561"/>
+                <a:ext cx="26280" cy="143640"/>
+              </p14:xfrm>
+            </p:contentPart>
+          </mc:Choice>
+          <mc:Fallback xmlns="">
+            <p:pic>
+              <p:nvPicPr>
+                <p:cNvPr id="43" name="Ink 42">
+                  <a:extLst>
+                    <a:ext uri="{FF2B5EF4-FFF2-40B4-BE49-F238E27FC236}">
+                      <a16:creationId xmlns:a16="http://schemas.microsoft.com/office/drawing/2014/main" id="{5969C375-282F-76E6-3196-4AB254E32506}"/>
+                    </a:ext>
+                  </a:extLst>
+                </p:cNvPr>
+                <p:cNvPicPr/>
+                <p:nvPr/>
+              </p:nvPicPr>
+              <p:blipFill>
+                <a:blip r:embed="rId17"/>
+                <a:stretch>
+                  <a:fillRect/>
+                </a:stretch>
+              </p:blipFill>
+              <p:spPr>
+                <a:xfrm>
+                  <a:off x="7511127" y="884921"/>
+                  <a:ext cx="43920" cy="161280"/>
+                </a:xfrm>
+                <a:prstGeom prst="rect">
+                  <a:avLst/>
+                </a:prstGeom>
+              </p:spPr>
+            </p:pic>
+          </mc:Fallback>
+        </mc:AlternateContent>
+        <mc:AlternateContent xmlns:mc="http://schemas.openxmlformats.org/markup-compatibility/2006" xmlns:p14="http://schemas.microsoft.com/office/powerpoint/2010/main">
+          <mc:Choice Requires="p14">
+            <p:contentPart p14:bwMode="auto" r:id="rId18">
+              <p14:nvContentPartPr>
+                <p14:cNvPr id="44" name="Ink 43">
+                  <a:extLst>
+                    <a:ext uri="{FF2B5EF4-FFF2-40B4-BE49-F238E27FC236}">
+                      <a16:creationId xmlns:a16="http://schemas.microsoft.com/office/drawing/2014/main" id="{1E2517D6-BFA0-2403-DBBC-49D817408032}"/>
+                    </a:ext>
+                  </a:extLst>
+                </p14:cNvPr>
+                <p14:cNvContentPartPr/>
+                <p14:nvPr/>
+              </p14:nvContentPartPr>
+              <p14:xfrm>
+                <a:off x="7617687" y="888161"/>
+                <a:ext cx="161280" cy="102600"/>
+              </p14:xfrm>
+            </p:contentPart>
+          </mc:Choice>
+          <mc:Fallback xmlns="">
+            <p:pic>
+              <p:nvPicPr>
+                <p:cNvPr id="44" name="Ink 43">
+                  <a:extLst>
+                    <a:ext uri="{FF2B5EF4-FFF2-40B4-BE49-F238E27FC236}">
+                      <a16:creationId xmlns:a16="http://schemas.microsoft.com/office/drawing/2014/main" id="{1E2517D6-BFA0-2403-DBBC-49D817408032}"/>
+                    </a:ext>
+                  </a:extLst>
+                </p:cNvPr>
+                <p:cNvPicPr/>
+                <p:nvPr/>
+              </p:nvPicPr>
+              <p:blipFill>
+                <a:blip r:embed="rId19"/>
+                <a:stretch>
+                  <a:fillRect/>
+                </a:stretch>
+              </p:blipFill>
+              <p:spPr>
+                <a:xfrm>
+                  <a:off x="7608687" y="879521"/>
+                  <a:ext cx="178920" cy="120240"/>
+                </a:xfrm>
+                <a:prstGeom prst="rect">
+                  <a:avLst/>
+                </a:prstGeom>
+              </p:spPr>
+            </p:pic>
+          </mc:Fallback>
+        </mc:AlternateContent>
+        <mc:AlternateContent xmlns:mc="http://schemas.openxmlformats.org/markup-compatibility/2006" xmlns:p14="http://schemas.microsoft.com/office/powerpoint/2010/main">
+          <mc:Choice Requires="p14">
+            <p:contentPart p14:bwMode="auto" r:id="rId20">
+              <p14:nvContentPartPr>
+                <p14:cNvPr id="45" name="Ink 44">
+                  <a:extLst>
+                    <a:ext uri="{FF2B5EF4-FFF2-40B4-BE49-F238E27FC236}">
+                      <a16:creationId xmlns:a16="http://schemas.microsoft.com/office/drawing/2014/main" id="{31D532B5-74E9-D9B9-FC8B-B9D22B7E1F4D}"/>
+                    </a:ext>
+                  </a:extLst>
+                </p14:cNvPr>
+                <p14:cNvContentPartPr/>
+                <p14:nvPr/>
+              </p14:nvContentPartPr>
+              <p14:xfrm>
+                <a:off x="7850607" y="879521"/>
+                <a:ext cx="26280" cy="161280"/>
+              </p14:xfrm>
+            </p:contentPart>
+          </mc:Choice>
+          <mc:Fallback xmlns="">
+            <p:pic>
+              <p:nvPicPr>
+                <p:cNvPr id="45" name="Ink 44">
+                  <a:extLst>
+                    <a:ext uri="{FF2B5EF4-FFF2-40B4-BE49-F238E27FC236}">
+                      <a16:creationId xmlns:a16="http://schemas.microsoft.com/office/drawing/2014/main" id="{31D532B5-74E9-D9B9-FC8B-B9D22B7E1F4D}"/>
+                    </a:ext>
+                  </a:extLst>
+                </p:cNvPr>
+                <p:cNvPicPr/>
+                <p:nvPr/>
+              </p:nvPicPr>
+              <p:blipFill>
+                <a:blip r:embed="rId21"/>
+                <a:stretch>
+                  <a:fillRect/>
+                </a:stretch>
+              </p:blipFill>
+              <p:spPr>
+                <a:xfrm>
+                  <a:off x="7841607" y="870521"/>
+                  <a:ext cx="43920" cy="178920"/>
+                </a:xfrm>
+                <a:prstGeom prst="rect">
+                  <a:avLst/>
+                </a:prstGeom>
+              </p:spPr>
+            </p:pic>
+          </mc:Fallback>
+        </mc:AlternateContent>
+        <mc:AlternateContent xmlns:mc="http://schemas.openxmlformats.org/markup-compatibility/2006" xmlns:p14="http://schemas.microsoft.com/office/powerpoint/2010/main">
+          <mc:Choice Requires="p14">
+            <p:contentPart p14:bwMode="auto" r:id="rId22">
+              <p14:nvContentPartPr>
+                <p14:cNvPr id="46" name="Ink 45">
+                  <a:extLst>
+                    <a:ext uri="{FF2B5EF4-FFF2-40B4-BE49-F238E27FC236}">
+                      <a16:creationId xmlns:a16="http://schemas.microsoft.com/office/drawing/2014/main" id="{A607621F-2E43-DE55-E8DE-32C124944767}"/>
+                    </a:ext>
+                  </a:extLst>
+                </p14:cNvPr>
+                <p14:cNvContentPartPr/>
+                <p14:nvPr/>
+              </p14:nvContentPartPr>
+              <p14:xfrm>
+                <a:off x="7831527" y="841001"/>
+                <a:ext cx="111240" cy="210960"/>
+              </p14:xfrm>
+            </p:contentPart>
+          </mc:Choice>
+          <mc:Fallback xmlns="">
+            <p:pic>
+              <p:nvPicPr>
+                <p:cNvPr id="46" name="Ink 45">
+                  <a:extLst>
+                    <a:ext uri="{FF2B5EF4-FFF2-40B4-BE49-F238E27FC236}">
+                      <a16:creationId xmlns:a16="http://schemas.microsoft.com/office/drawing/2014/main" id="{A607621F-2E43-DE55-E8DE-32C124944767}"/>
+                    </a:ext>
+                  </a:extLst>
+                </p:cNvPr>
+                <p:cNvPicPr/>
+                <p:nvPr/>
+              </p:nvPicPr>
+              <p:blipFill>
+                <a:blip r:embed="rId23"/>
+                <a:stretch>
+                  <a:fillRect/>
+                </a:stretch>
+              </p:blipFill>
+              <p:spPr>
+                <a:xfrm>
+                  <a:off x="7822887" y="832361"/>
+                  <a:ext cx="128880" cy="228600"/>
+                </a:xfrm>
+                <a:prstGeom prst="rect">
+                  <a:avLst/>
+                </a:prstGeom>
+              </p:spPr>
+            </p:pic>
+          </mc:Fallback>
+        </mc:AlternateContent>
+      </p:grpSp>
+      <p:grpSp>
+        <p:nvGrpSpPr>
+          <p:cNvPr id="57" name="Group 56">
+            <a:extLst>
+              <a:ext uri="{FF2B5EF4-FFF2-40B4-BE49-F238E27FC236}">
+                <a16:creationId xmlns:a16="http://schemas.microsoft.com/office/drawing/2014/main" id="{925AC811-4E3E-7A3E-9C10-A4B4B620D682}"/>
+              </a:ext>
+            </a:extLst>
+          </p:cNvPr>
+          <p:cNvGrpSpPr/>
+          <p:nvPr/>
+        </p:nvGrpSpPr>
+        <p:grpSpPr>
+          <a:xfrm>
+            <a:off x="8281527" y="413321"/>
+            <a:ext cx="1403280" cy="338760"/>
+            <a:chOff x="8281527" y="413321"/>
+            <a:chExt cx="1403280" cy="338760"/>
+          </a:xfrm>
+        </p:grpSpPr>
+        <mc:AlternateContent xmlns:mc="http://schemas.openxmlformats.org/markup-compatibility/2006" xmlns:p14="http://schemas.microsoft.com/office/powerpoint/2010/main">
+          <mc:Choice Requires="p14">
+            <p:contentPart p14:bwMode="auto" r:id="rId24">
+              <p14:nvContentPartPr>
+                <p14:cNvPr id="47" name="Ink 46">
+                  <a:extLst>
+                    <a:ext uri="{FF2B5EF4-FFF2-40B4-BE49-F238E27FC236}">
+                      <a16:creationId xmlns:a16="http://schemas.microsoft.com/office/drawing/2014/main" id="{85E67787-6D61-B062-7C5D-83C0186B5644}"/>
+                    </a:ext>
+                  </a:extLst>
+                </p14:cNvPr>
+                <p14:cNvContentPartPr/>
+                <p14:nvPr/>
+              </p14:nvContentPartPr>
+              <p14:xfrm>
+                <a:off x="8281527" y="634001"/>
+                <a:ext cx="182880" cy="96480"/>
+              </p14:xfrm>
+            </p:contentPart>
+          </mc:Choice>
+          <mc:Fallback xmlns="">
+            <p:pic>
+              <p:nvPicPr>
+                <p:cNvPr id="47" name="Ink 46">
+                  <a:extLst>
+                    <a:ext uri="{FF2B5EF4-FFF2-40B4-BE49-F238E27FC236}">
+                      <a16:creationId xmlns:a16="http://schemas.microsoft.com/office/drawing/2014/main" id="{85E67787-6D61-B062-7C5D-83C0186B5644}"/>
+                    </a:ext>
+                  </a:extLst>
+                </p:cNvPr>
+                <p:cNvPicPr/>
+                <p:nvPr/>
+              </p:nvPicPr>
+              <p:blipFill>
+                <a:blip r:embed="rId25"/>
+                <a:stretch>
+                  <a:fillRect/>
+                </a:stretch>
+              </p:blipFill>
+              <p:spPr>
+                <a:xfrm>
+                  <a:off x="8272527" y="625361"/>
+                  <a:ext cx="200520" cy="114120"/>
+                </a:xfrm>
+                <a:prstGeom prst="rect">
+                  <a:avLst/>
+                </a:prstGeom>
+              </p:spPr>
+            </p:pic>
+          </mc:Fallback>
+        </mc:AlternateContent>
+        <mc:AlternateContent xmlns:mc="http://schemas.openxmlformats.org/markup-compatibility/2006" xmlns:p14="http://schemas.microsoft.com/office/powerpoint/2010/main">
+          <mc:Choice Requires="p14">
+            <p:contentPart p14:bwMode="auto" r:id="rId26">
+              <p14:nvContentPartPr>
+                <p14:cNvPr id="48" name="Ink 47">
+                  <a:extLst>
+                    <a:ext uri="{FF2B5EF4-FFF2-40B4-BE49-F238E27FC236}">
+                      <a16:creationId xmlns:a16="http://schemas.microsoft.com/office/drawing/2014/main" id="{D2380E7F-8D70-4455-6EAD-7F9A18D8B3ED}"/>
+                    </a:ext>
+                  </a:extLst>
+                </p14:cNvPr>
+                <p14:cNvContentPartPr/>
+                <p14:nvPr/>
+              </p14:nvContentPartPr>
+              <p14:xfrm>
+                <a:off x="8555847" y="605201"/>
+                <a:ext cx="98640" cy="132120"/>
+              </p14:xfrm>
+            </p:contentPart>
+          </mc:Choice>
+          <mc:Fallback xmlns="">
+            <p:pic>
+              <p:nvPicPr>
+                <p:cNvPr id="48" name="Ink 47">
+                  <a:extLst>
+                    <a:ext uri="{FF2B5EF4-FFF2-40B4-BE49-F238E27FC236}">
+                      <a16:creationId xmlns:a16="http://schemas.microsoft.com/office/drawing/2014/main" id="{D2380E7F-8D70-4455-6EAD-7F9A18D8B3ED}"/>
+                    </a:ext>
+                  </a:extLst>
+                </p:cNvPr>
+                <p:cNvPicPr/>
+                <p:nvPr/>
+              </p:nvPicPr>
+              <p:blipFill>
+                <a:blip r:embed="rId27"/>
+                <a:stretch>
+                  <a:fillRect/>
+                </a:stretch>
+              </p:blipFill>
+              <p:spPr>
+                <a:xfrm>
+                  <a:off x="8547207" y="596561"/>
+                  <a:ext cx="116280" cy="149760"/>
+                </a:xfrm>
+                <a:prstGeom prst="rect">
+                  <a:avLst/>
+                </a:prstGeom>
+              </p:spPr>
+            </p:pic>
+          </mc:Fallback>
+        </mc:AlternateContent>
+        <mc:AlternateContent xmlns:mc="http://schemas.openxmlformats.org/markup-compatibility/2006" xmlns:p14="http://schemas.microsoft.com/office/powerpoint/2010/main">
+          <mc:Choice Requires="p14">
+            <p:contentPart p14:bwMode="auto" r:id="rId28">
+              <p14:nvContentPartPr>
+                <p14:cNvPr id="49" name="Ink 48">
+                  <a:extLst>
+                    <a:ext uri="{FF2B5EF4-FFF2-40B4-BE49-F238E27FC236}">
+                      <a16:creationId xmlns:a16="http://schemas.microsoft.com/office/drawing/2014/main" id="{B6EB65D8-5A1E-254F-9CBE-3AE974A41499}"/>
+                    </a:ext>
+                  </a:extLst>
+                </p14:cNvPr>
+                <p14:cNvContentPartPr/>
+                <p14:nvPr/>
+              </p14:nvContentPartPr>
+              <p14:xfrm>
+                <a:off x="8741967" y="529961"/>
+                <a:ext cx="56520" cy="64440"/>
+              </p14:xfrm>
+            </p:contentPart>
+          </mc:Choice>
+          <mc:Fallback xmlns="">
+            <p:pic>
+              <p:nvPicPr>
+                <p:cNvPr id="49" name="Ink 48">
+                  <a:extLst>
+                    <a:ext uri="{FF2B5EF4-FFF2-40B4-BE49-F238E27FC236}">
+                      <a16:creationId xmlns:a16="http://schemas.microsoft.com/office/drawing/2014/main" id="{B6EB65D8-5A1E-254F-9CBE-3AE974A41499}"/>
+                    </a:ext>
+                  </a:extLst>
+                </p:cNvPr>
+                <p:cNvPicPr/>
+                <p:nvPr/>
+              </p:nvPicPr>
+              <p:blipFill>
+                <a:blip r:embed="rId29"/>
+                <a:stretch>
+                  <a:fillRect/>
+                </a:stretch>
+              </p:blipFill>
+              <p:spPr>
+                <a:xfrm>
+                  <a:off x="8732967" y="521321"/>
+                  <a:ext cx="74160" cy="82080"/>
+                </a:xfrm>
+                <a:prstGeom prst="rect">
+                  <a:avLst/>
+                </a:prstGeom>
+              </p:spPr>
+            </p:pic>
+          </mc:Fallback>
+        </mc:AlternateContent>
+        <mc:AlternateContent xmlns:mc="http://schemas.openxmlformats.org/markup-compatibility/2006" xmlns:p14="http://schemas.microsoft.com/office/powerpoint/2010/main">
+          <mc:Choice Requires="p14">
+            <p:contentPart p14:bwMode="auto" r:id="rId30">
+              <p14:nvContentPartPr>
+                <p14:cNvPr id="50" name="Ink 49">
+                  <a:extLst>
+                    <a:ext uri="{FF2B5EF4-FFF2-40B4-BE49-F238E27FC236}">
+                      <a16:creationId xmlns:a16="http://schemas.microsoft.com/office/drawing/2014/main" id="{99E1C2CA-14E6-E82B-B6C6-C55D396E1D81}"/>
+                    </a:ext>
+                  </a:extLst>
+                </p14:cNvPr>
+                <p14:cNvContentPartPr/>
+                <p14:nvPr/>
+              </p14:nvContentPartPr>
+              <p14:xfrm>
+                <a:off x="8723607" y="562361"/>
+                <a:ext cx="67320" cy="137520"/>
+              </p14:xfrm>
+            </p:contentPart>
+          </mc:Choice>
+          <mc:Fallback xmlns="">
+            <p:pic>
+              <p:nvPicPr>
+                <p:cNvPr id="50" name="Ink 49">
+                  <a:extLst>
+                    <a:ext uri="{FF2B5EF4-FFF2-40B4-BE49-F238E27FC236}">
+                      <a16:creationId xmlns:a16="http://schemas.microsoft.com/office/drawing/2014/main" id="{99E1C2CA-14E6-E82B-B6C6-C55D396E1D81}"/>
+                    </a:ext>
+                  </a:extLst>
+                </p:cNvPr>
+                <p:cNvPicPr/>
+                <p:nvPr/>
+              </p:nvPicPr>
+              <p:blipFill>
+                <a:blip r:embed="rId31"/>
+                <a:stretch>
+                  <a:fillRect/>
+                </a:stretch>
+              </p:blipFill>
+              <p:spPr>
+                <a:xfrm>
+                  <a:off x="8714967" y="553361"/>
+                  <a:ext cx="84960" cy="155160"/>
+                </a:xfrm>
+                <a:prstGeom prst="rect">
+                  <a:avLst/>
+                </a:prstGeom>
+              </p:spPr>
+            </p:pic>
+          </mc:Fallback>
+        </mc:AlternateContent>
+        <mc:AlternateContent xmlns:mc="http://schemas.openxmlformats.org/markup-compatibility/2006" xmlns:p14="http://schemas.microsoft.com/office/powerpoint/2010/main">
+          <mc:Choice Requires="p14">
+            <p:contentPart p14:bwMode="auto" r:id="rId32">
+              <p14:nvContentPartPr>
+                <p14:cNvPr id="51" name="Ink 50">
+                  <a:extLst>
+                    <a:ext uri="{FF2B5EF4-FFF2-40B4-BE49-F238E27FC236}">
+                      <a16:creationId xmlns:a16="http://schemas.microsoft.com/office/drawing/2014/main" id="{30B22340-8524-ED62-9B52-74DCB48CB8FB}"/>
+                    </a:ext>
+                  </a:extLst>
+                </p14:cNvPr>
+                <p14:cNvContentPartPr/>
+                <p14:nvPr/>
+              </p14:nvContentPartPr>
+              <p14:xfrm>
+                <a:off x="8894967" y="523481"/>
+                <a:ext cx="155880" cy="202680"/>
+              </p14:xfrm>
+            </p:contentPart>
+          </mc:Choice>
+          <mc:Fallback xmlns="">
+            <p:pic>
+              <p:nvPicPr>
+                <p:cNvPr id="51" name="Ink 50">
+                  <a:extLst>
+                    <a:ext uri="{FF2B5EF4-FFF2-40B4-BE49-F238E27FC236}">
+                      <a16:creationId xmlns:a16="http://schemas.microsoft.com/office/drawing/2014/main" id="{30B22340-8524-ED62-9B52-74DCB48CB8FB}"/>
+                    </a:ext>
+                  </a:extLst>
+                </p:cNvPr>
+                <p:cNvPicPr/>
+                <p:nvPr/>
+              </p:nvPicPr>
+              <p:blipFill>
+                <a:blip r:embed="rId33"/>
+                <a:stretch>
+                  <a:fillRect/>
+                </a:stretch>
+              </p:blipFill>
+              <p:spPr>
+                <a:xfrm>
+                  <a:off x="8886327" y="514841"/>
+                  <a:ext cx="173520" cy="220320"/>
+                </a:xfrm>
+                <a:prstGeom prst="rect">
+                  <a:avLst/>
+                </a:prstGeom>
+              </p:spPr>
+            </p:pic>
+          </mc:Fallback>
+        </mc:AlternateContent>
+        <mc:AlternateContent xmlns:mc="http://schemas.openxmlformats.org/markup-compatibility/2006" xmlns:p14="http://schemas.microsoft.com/office/powerpoint/2010/main">
+          <mc:Choice Requires="p14">
+            <p:contentPart p14:bwMode="auto" r:id="rId34">
+              <p14:nvContentPartPr>
+                <p14:cNvPr id="52" name="Ink 51">
+                  <a:extLst>
+                    <a:ext uri="{FF2B5EF4-FFF2-40B4-BE49-F238E27FC236}">
+                      <a16:creationId xmlns:a16="http://schemas.microsoft.com/office/drawing/2014/main" id="{0FDC3FBC-F12B-2E26-B823-B4C0B69EFCEA}"/>
+                    </a:ext>
+                  </a:extLst>
+                </p14:cNvPr>
+                <p14:cNvContentPartPr/>
+                <p14:nvPr/>
+              </p14:nvContentPartPr>
+              <p14:xfrm>
+                <a:off x="9100167" y="486401"/>
+                <a:ext cx="39600" cy="200520"/>
+              </p14:xfrm>
+            </p:contentPart>
+          </mc:Choice>
+          <mc:Fallback xmlns="">
+            <p:pic>
+              <p:nvPicPr>
+                <p:cNvPr id="52" name="Ink 51">
+                  <a:extLst>
+                    <a:ext uri="{FF2B5EF4-FFF2-40B4-BE49-F238E27FC236}">
+                      <a16:creationId xmlns:a16="http://schemas.microsoft.com/office/drawing/2014/main" id="{0FDC3FBC-F12B-2E26-B823-B4C0B69EFCEA}"/>
+                    </a:ext>
+                  </a:extLst>
+                </p:cNvPr>
+                <p:cNvPicPr/>
+                <p:nvPr/>
+              </p:nvPicPr>
+              <p:blipFill>
+                <a:blip r:embed="rId35"/>
+                <a:stretch>
+                  <a:fillRect/>
+                </a:stretch>
+              </p:blipFill>
+              <p:spPr>
+                <a:xfrm>
+                  <a:off x="9091527" y="477401"/>
+                  <a:ext cx="57240" cy="218160"/>
+                </a:xfrm>
+                <a:prstGeom prst="rect">
+                  <a:avLst/>
+                </a:prstGeom>
+              </p:spPr>
+            </p:pic>
+          </mc:Fallback>
+        </mc:AlternateContent>
+        <mc:AlternateContent xmlns:mc="http://schemas.openxmlformats.org/markup-compatibility/2006" xmlns:p14="http://schemas.microsoft.com/office/powerpoint/2010/main">
+          <mc:Choice Requires="p14">
+            <p:contentPart p14:bwMode="auto" r:id="rId36">
+              <p14:nvContentPartPr>
+                <p14:cNvPr id="53" name="Ink 52">
+                  <a:extLst>
+                    <a:ext uri="{FF2B5EF4-FFF2-40B4-BE49-F238E27FC236}">
+                      <a16:creationId xmlns:a16="http://schemas.microsoft.com/office/drawing/2014/main" id="{CA89170A-C5B0-1D3E-9501-4883B494456B}"/>
+                    </a:ext>
+                  </a:extLst>
+                </p14:cNvPr>
+                <p14:cNvContentPartPr/>
+                <p14:nvPr/>
+              </p14:nvContentPartPr>
+              <p14:xfrm>
+                <a:off x="9186567" y="568121"/>
+                <a:ext cx="56160" cy="99360"/>
+              </p14:xfrm>
+            </p:contentPart>
+          </mc:Choice>
+          <mc:Fallback xmlns="">
+            <p:pic>
+              <p:nvPicPr>
+                <p:cNvPr id="53" name="Ink 52">
+                  <a:extLst>
+                    <a:ext uri="{FF2B5EF4-FFF2-40B4-BE49-F238E27FC236}">
+                      <a16:creationId xmlns:a16="http://schemas.microsoft.com/office/drawing/2014/main" id="{CA89170A-C5B0-1D3E-9501-4883B494456B}"/>
+                    </a:ext>
+                  </a:extLst>
+                </p:cNvPr>
+                <p:cNvPicPr/>
+                <p:nvPr/>
+              </p:nvPicPr>
+              <p:blipFill>
+                <a:blip r:embed="rId37"/>
+                <a:stretch>
+                  <a:fillRect/>
+                </a:stretch>
+              </p:blipFill>
+              <p:spPr>
+                <a:xfrm>
+                  <a:off x="9177927" y="559481"/>
+                  <a:ext cx="73800" cy="117000"/>
+                </a:xfrm>
+                <a:prstGeom prst="rect">
+                  <a:avLst/>
+                </a:prstGeom>
+              </p:spPr>
+            </p:pic>
+          </mc:Fallback>
+        </mc:AlternateContent>
+        <mc:AlternateContent xmlns:mc="http://schemas.openxmlformats.org/markup-compatibility/2006" xmlns:p14="http://schemas.microsoft.com/office/powerpoint/2010/main">
+          <mc:Choice Requires="p14">
+            <p:contentPart p14:bwMode="auto" r:id="rId38">
+              <p14:nvContentPartPr>
+                <p14:cNvPr id="54" name="Ink 53">
+                  <a:extLst>
+                    <a:ext uri="{FF2B5EF4-FFF2-40B4-BE49-F238E27FC236}">
+                      <a16:creationId xmlns:a16="http://schemas.microsoft.com/office/drawing/2014/main" id="{146318C9-AD05-223B-5C92-F65149358C0C}"/>
+                    </a:ext>
+                  </a:extLst>
+                </p14:cNvPr>
+                <p14:cNvContentPartPr/>
+                <p14:nvPr/>
+              </p14:nvContentPartPr>
+              <p14:xfrm>
+                <a:off x="9304287" y="565241"/>
+                <a:ext cx="57600" cy="152280"/>
+              </p14:xfrm>
+            </p:contentPart>
+          </mc:Choice>
+          <mc:Fallback xmlns="">
+            <p:pic>
+              <p:nvPicPr>
+                <p:cNvPr id="54" name="Ink 53">
+                  <a:extLst>
+                    <a:ext uri="{FF2B5EF4-FFF2-40B4-BE49-F238E27FC236}">
+                      <a16:creationId xmlns:a16="http://schemas.microsoft.com/office/drawing/2014/main" id="{146318C9-AD05-223B-5C92-F65149358C0C}"/>
+                    </a:ext>
+                  </a:extLst>
+                </p:cNvPr>
+                <p:cNvPicPr/>
+                <p:nvPr/>
+              </p:nvPicPr>
+              <p:blipFill>
+                <a:blip r:embed="rId39"/>
+                <a:stretch>
+                  <a:fillRect/>
+                </a:stretch>
+              </p:blipFill>
+              <p:spPr>
+                <a:xfrm>
+                  <a:off x="9295647" y="556601"/>
+                  <a:ext cx="75240" cy="169920"/>
+                </a:xfrm>
+                <a:prstGeom prst="rect">
+                  <a:avLst/>
+                </a:prstGeom>
+              </p:spPr>
+            </p:pic>
+          </mc:Fallback>
+        </mc:AlternateContent>
+        <mc:AlternateContent xmlns:mc="http://schemas.openxmlformats.org/markup-compatibility/2006" xmlns:p14="http://schemas.microsoft.com/office/powerpoint/2010/main">
+          <mc:Choice Requires="p14">
+            <p:contentPart p14:bwMode="auto" r:id="rId40">
+              <p14:nvContentPartPr>
+                <p14:cNvPr id="55" name="Ink 54">
+                  <a:extLst>
+                    <a:ext uri="{FF2B5EF4-FFF2-40B4-BE49-F238E27FC236}">
+                      <a16:creationId xmlns:a16="http://schemas.microsoft.com/office/drawing/2014/main" id="{28E31C9C-3F0B-BCFC-A5F3-BC94442E684E}"/>
+                    </a:ext>
+                  </a:extLst>
+                </p14:cNvPr>
+                <p14:cNvContentPartPr/>
+                <p14:nvPr/>
+              </p14:nvContentPartPr>
+              <p14:xfrm>
+                <a:off x="9427407" y="413321"/>
+                <a:ext cx="123480" cy="338760"/>
+              </p14:xfrm>
+            </p:contentPart>
+          </mc:Choice>
+          <mc:Fallback xmlns="">
+            <p:pic>
+              <p:nvPicPr>
+                <p:cNvPr id="55" name="Ink 54">
+                  <a:extLst>
+                    <a:ext uri="{FF2B5EF4-FFF2-40B4-BE49-F238E27FC236}">
+                      <a16:creationId xmlns:a16="http://schemas.microsoft.com/office/drawing/2014/main" id="{28E31C9C-3F0B-BCFC-A5F3-BC94442E684E}"/>
+                    </a:ext>
+                  </a:extLst>
+                </p:cNvPr>
+                <p:cNvPicPr/>
+                <p:nvPr/>
+              </p:nvPicPr>
+              <p:blipFill>
+                <a:blip r:embed="rId41"/>
+                <a:stretch>
+                  <a:fillRect/>
+                </a:stretch>
+              </p:blipFill>
+              <p:spPr>
+                <a:xfrm>
+                  <a:off x="9418767" y="404321"/>
+                  <a:ext cx="141120" cy="356400"/>
+                </a:xfrm>
+                <a:prstGeom prst="rect">
+                  <a:avLst/>
+                </a:prstGeom>
+              </p:spPr>
+            </p:pic>
+          </mc:Fallback>
+        </mc:AlternateContent>
+        <mc:AlternateContent xmlns:mc="http://schemas.openxmlformats.org/markup-compatibility/2006" xmlns:p14="http://schemas.microsoft.com/office/powerpoint/2010/main">
+          <mc:Choice Requires="p14">
+            <p:contentPart p14:bwMode="auto" r:id="rId42">
+              <p14:nvContentPartPr>
+                <p14:cNvPr id="56" name="Ink 55">
+                  <a:extLst>
+                    <a:ext uri="{FF2B5EF4-FFF2-40B4-BE49-F238E27FC236}">
+                      <a16:creationId xmlns:a16="http://schemas.microsoft.com/office/drawing/2014/main" id="{97FE3A08-F082-5E74-02E1-40FF67575F48}"/>
+                    </a:ext>
+                  </a:extLst>
+                </p14:cNvPr>
+                <p14:cNvContentPartPr/>
+                <p14:nvPr/>
+              </p14:nvContentPartPr>
+              <p14:xfrm>
+                <a:off x="9616767" y="509801"/>
+                <a:ext cx="68040" cy="158400"/>
+              </p14:xfrm>
+            </p:contentPart>
+          </mc:Choice>
+          <mc:Fallback xmlns="">
+            <p:pic>
+              <p:nvPicPr>
+                <p:cNvPr id="56" name="Ink 55">
+                  <a:extLst>
+                    <a:ext uri="{FF2B5EF4-FFF2-40B4-BE49-F238E27FC236}">
+                      <a16:creationId xmlns:a16="http://schemas.microsoft.com/office/drawing/2014/main" id="{97FE3A08-F082-5E74-02E1-40FF67575F48}"/>
+                    </a:ext>
+                  </a:extLst>
+                </p:cNvPr>
+                <p:cNvPicPr/>
+                <p:nvPr/>
+              </p:nvPicPr>
+              <p:blipFill>
+                <a:blip r:embed="rId43"/>
+                <a:stretch>
+                  <a:fillRect/>
+                </a:stretch>
+              </p:blipFill>
+              <p:spPr>
+                <a:xfrm>
+                  <a:off x="9607767" y="501161"/>
+                  <a:ext cx="85680" cy="176040"/>
+                </a:xfrm>
+                <a:prstGeom prst="rect">
+                  <a:avLst/>
+                </a:prstGeom>
+              </p:spPr>
+            </p:pic>
+          </mc:Fallback>
+        </mc:AlternateContent>
+      </p:grpSp>
+      <p:grpSp>
+        <p:nvGrpSpPr>
+          <p:cNvPr id="18" name="Group 17">
+            <a:extLst>
+              <a:ext uri="{FF2B5EF4-FFF2-40B4-BE49-F238E27FC236}">
+                <a16:creationId xmlns:a16="http://schemas.microsoft.com/office/drawing/2014/main" id="{A0F0F5F1-3723-0150-EAB7-0643C558EE71}"/>
+              </a:ext>
+            </a:extLst>
+          </p:cNvPr>
+          <p:cNvGrpSpPr/>
+          <p:nvPr/>
+        </p:nvGrpSpPr>
+        <p:grpSpPr>
+          <a:xfrm>
+            <a:off x="7038087" y="664241"/>
+            <a:ext cx="1772280" cy="1231560"/>
+            <a:chOff x="7038087" y="664241"/>
+            <a:chExt cx="1772280" cy="1231560"/>
+          </a:xfrm>
+        </p:grpSpPr>
+        <mc:AlternateContent xmlns:mc="http://schemas.openxmlformats.org/markup-compatibility/2006" xmlns:p14="http://schemas.microsoft.com/office/powerpoint/2010/main">
+          <mc:Choice Requires="p14">
+            <p:contentPart p14:bwMode="auto" r:id="rId44">
+              <p14:nvContentPartPr>
+                <p14:cNvPr id="4" name="Ink 3">
+                  <a:extLst>
+                    <a:ext uri="{FF2B5EF4-FFF2-40B4-BE49-F238E27FC236}">
+                      <a16:creationId xmlns:a16="http://schemas.microsoft.com/office/drawing/2014/main" id="{0377A41F-8921-F9A8-8D11-C6EB6A516721}"/>
+                    </a:ext>
+                  </a:extLst>
+                </p14:cNvPr>
+                <p14:cNvContentPartPr/>
+                <p14:nvPr/>
+              </p14:nvContentPartPr>
+              <p14:xfrm>
+                <a:off x="7038087" y="664241"/>
+                <a:ext cx="634680" cy="110520"/>
+              </p14:xfrm>
+            </p:contentPart>
+          </mc:Choice>
+          <mc:Fallback xmlns="">
+            <p:pic>
+              <p:nvPicPr>
+                <p:cNvPr id="4" name="Ink 3">
+                  <a:extLst>
+                    <a:ext uri="{FF2B5EF4-FFF2-40B4-BE49-F238E27FC236}">
+                      <a16:creationId xmlns:a16="http://schemas.microsoft.com/office/drawing/2014/main" id="{0377A41F-8921-F9A8-8D11-C6EB6A516721}"/>
+                    </a:ext>
+                  </a:extLst>
+                </p:cNvPr>
+                <p:cNvPicPr/>
+                <p:nvPr/>
+              </p:nvPicPr>
+              <p:blipFill>
+                <a:blip r:embed="rId45"/>
+                <a:stretch>
+                  <a:fillRect/>
+                </a:stretch>
+              </p:blipFill>
+              <p:spPr>
+                <a:xfrm>
+                  <a:off x="7029447" y="655241"/>
+                  <a:ext cx="652320" cy="128160"/>
+                </a:xfrm>
+                <a:prstGeom prst="rect">
+                  <a:avLst/>
+                </a:prstGeom>
+              </p:spPr>
+            </p:pic>
+          </mc:Fallback>
+        </mc:AlternateContent>
+        <mc:AlternateContent xmlns:mc="http://schemas.openxmlformats.org/markup-compatibility/2006" xmlns:p14="http://schemas.microsoft.com/office/powerpoint/2010/main">
+          <mc:Choice Requires="p14">
+            <p:contentPart p14:bwMode="auto" r:id="rId46">
+              <p14:nvContentPartPr>
+                <p14:cNvPr id="5" name="Ink 4">
+                  <a:extLst>
+                    <a:ext uri="{FF2B5EF4-FFF2-40B4-BE49-F238E27FC236}">
+                      <a16:creationId xmlns:a16="http://schemas.microsoft.com/office/drawing/2014/main" id="{DC9798BC-5357-F122-A731-FC6487961BB5}"/>
+                    </a:ext>
+                  </a:extLst>
+                </p14:cNvPr>
+                <p14:cNvContentPartPr/>
+                <p14:nvPr/>
+              </p14:nvContentPartPr>
+              <p14:xfrm>
+                <a:off x="7165167" y="702041"/>
+                <a:ext cx="540000" cy="68400"/>
+              </p14:xfrm>
+            </p:contentPart>
+          </mc:Choice>
+          <mc:Fallback xmlns="">
+            <p:pic>
+              <p:nvPicPr>
+                <p:cNvPr id="5" name="Ink 4">
+                  <a:extLst>
+                    <a:ext uri="{FF2B5EF4-FFF2-40B4-BE49-F238E27FC236}">
+                      <a16:creationId xmlns:a16="http://schemas.microsoft.com/office/drawing/2014/main" id="{DC9798BC-5357-F122-A731-FC6487961BB5}"/>
+                    </a:ext>
+                  </a:extLst>
+                </p:cNvPr>
+                <p:cNvPicPr/>
+                <p:nvPr/>
+              </p:nvPicPr>
+              <p:blipFill>
+                <a:blip r:embed="rId47"/>
+                <a:stretch>
+                  <a:fillRect/>
+                </a:stretch>
+              </p:blipFill>
+              <p:spPr>
+                <a:xfrm>
+                  <a:off x="7156167" y="693401"/>
+                  <a:ext cx="557640" cy="86040"/>
+                </a:xfrm>
+                <a:prstGeom prst="rect">
+                  <a:avLst/>
+                </a:prstGeom>
+              </p:spPr>
+            </p:pic>
+          </mc:Fallback>
+        </mc:AlternateContent>
+        <mc:AlternateContent xmlns:mc="http://schemas.openxmlformats.org/markup-compatibility/2006" xmlns:p14="http://schemas.microsoft.com/office/powerpoint/2010/main">
+          <mc:Choice Requires="p14">
+            <p:contentPart p14:bwMode="auto" r:id="rId48">
+              <p14:nvContentPartPr>
+                <p14:cNvPr id="7" name="Ink 6">
+                  <a:extLst>
+                    <a:ext uri="{FF2B5EF4-FFF2-40B4-BE49-F238E27FC236}">
+                      <a16:creationId xmlns:a16="http://schemas.microsoft.com/office/drawing/2014/main" id="{DA93FFBE-AB5D-0277-7149-87C4F448D219}"/>
+                    </a:ext>
+                  </a:extLst>
+                </p14:cNvPr>
+                <p14:cNvContentPartPr/>
+                <p14:nvPr/>
+              </p14:nvContentPartPr>
+              <p14:xfrm>
+                <a:off x="7125207" y="777281"/>
+                <a:ext cx="947520" cy="498960"/>
+              </p14:xfrm>
+            </p:contentPart>
+          </mc:Choice>
+          <mc:Fallback xmlns="">
+            <p:pic>
+              <p:nvPicPr>
+                <p:cNvPr id="7" name="Ink 6">
+                  <a:extLst>
+                    <a:ext uri="{FF2B5EF4-FFF2-40B4-BE49-F238E27FC236}">
+                      <a16:creationId xmlns:a16="http://schemas.microsoft.com/office/drawing/2014/main" id="{DA93FFBE-AB5D-0277-7149-87C4F448D219}"/>
+                    </a:ext>
+                  </a:extLst>
+                </p:cNvPr>
+                <p:cNvPicPr/>
+                <p:nvPr/>
+              </p:nvPicPr>
+              <p:blipFill>
+                <a:blip r:embed="rId49"/>
+                <a:stretch>
+                  <a:fillRect/>
+                </a:stretch>
+              </p:blipFill>
+              <p:spPr>
+                <a:xfrm>
+                  <a:off x="7116207" y="768281"/>
+                  <a:ext cx="965160" cy="516600"/>
+                </a:xfrm>
+                <a:prstGeom prst="rect">
+                  <a:avLst/>
+                </a:prstGeom>
+              </p:spPr>
+            </p:pic>
+          </mc:Fallback>
+        </mc:AlternateContent>
+        <mc:AlternateContent xmlns:mc="http://schemas.openxmlformats.org/markup-compatibility/2006" xmlns:p14="http://schemas.microsoft.com/office/powerpoint/2010/main">
+          <mc:Choice Requires="p14">
+            <p:contentPart p14:bwMode="auto" r:id="rId50">
+              <p14:nvContentPartPr>
+                <p14:cNvPr id="8" name="Ink 7">
+                  <a:extLst>
+                    <a:ext uri="{FF2B5EF4-FFF2-40B4-BE49-F238E27FC236}">
+                      <a16:creationId xmlns:a16="http://schemas.microsoft.com/office/drawing/2014/main" id="{401C90FF-B7B6-70E2-9A46-C8CB960B1622}"/>
+                    </a:ext>
+                  </a:extLst>
+                </p14:cNvPr>
+                <p14:cNvContentPartPr/>
+                <p14:nvPr/>
+              </p14:nvContentPartPr>
+              <p14:xfrm>
+                <a:off x="7332927" y="1378841"/>
+                <a:ext cx="11520" cy="171720"/>
+              </p14:xfrm>
+            </p:contentPart>
+          </mc:Choice>
+          <mc:Fallback xmlns="">
+            <p:pic>
+              <p:nvPicPr>
+                <p:cNvPr id="8" name="Ink 7">
+                  <a:extLst>
+                    <a:ext uri="{FF2B5EF4-FFF2-40B4-BE49-F238E27FC236}">
+                      <a16:creationId xmlns:a16="http://schemas.microsoft.com/office/drawing/2014/main" id="{401C90FF-B7B6-70E2-9A46-C8CB960B1622}"/>
+                    </a:ext>
+                  </a:extLst>
+                </p:cNvPr>
+                <p:cNvPicPr/>
+                <p:nvPr/>
+              </p:nvPicPr>
+              <p:blipFill>
+                <a:blip r:embed="rId51"/>
+                <a:stretch>
+                  <a:fillRect/>
+                </a:stretch>
+              </p:blipFill>
+              <p:spPr>
+                <a:xfrm>
+                  <a:off x="7323927" y="1370201"/>
+                  <a:ext cx="29160" cy="189360"/>
+                </a:xfrm>
+                <a:prstGeom prst="rect">
+                  <a:avLst/>
+                </a:prstGeom>
+              </p:spPr>
+            </p:pic>
+          </mc:Fallback>
+        </mc:AlternateContent>
+        <mc:AlternateContent xmlns:mc="http://schemas.openxmlformats.org/markup-compatibility/2006" xmlns:p14="http://schemas.microsoft.com/office/powerpoint/2010/main">
+          <mc:Choice Requires="p14">
+            <p:contentPart p14:bwMode="auto" r:id="rId52">
+              <p14:nvContentPartPr>
+                <p14:cNvPr id="9" name="Ink 8">
+                  <a:extLst>
+                    <a:ext uri="{FF2B5EF4-FFF2-40B4-BE49-F238E27FC236}">
+                      <a16:creationId xmlns:a16="http://schemas.microsoft.com/office/drawing/2014/main" id="{9DE1D049-5D34-C9A8-DE45-2D60ADA9467F}"/>
+                    </a:ext>
+                  </a:extLst>
+                </p14:cNvPr>
+                <p14:cNvContentPartPr/>
+                <p14:nvPr/>
+              </p14:nvContentPartPr>
+              <p14:xfrm>
+                <a:off x="7216647" y="1470641"/>
+                <a:ext cx="250560" cy="83880"/>
+              </p14:xfrm>
+            </p:contentPart>
+          </mc:Choice>
+          <mc:Fallback xmlns="">
+            <p:pic>
+              <p:nvPicPr>
+                <p:cNvPr id="9" name="Ink 8">
+                  <a:extLst>
+                    <a:ext uri="{FF2B5EF4-FFF2-40B4-BE49-F238E27FC236}">
+                      <a16:creationId xmlns:a16="http://schemas.microsoft.com/office/drawing/2014/main" id="{9DE1D049-5D34-C9A8-DE45-2D60ADA9467F}"/>
+                    </a:ext>
+                  </a:extLst>
+                </p:cNvPr>
+                <p:cNvPicPr/>
+                <p:nvPr/>
+              </p:nvPicPr>
+              <p:blipFill>
+                <a:blip r:embed="rId53"/>
+                <a:stretch>
+                  <a:fillRect/>
+                </a:stretch>
+              </p:blipFill>
+              <p:spPr>
+                <a:xfrm>
+                  <a:off x="7208007" y="1461641"/>
+                  <a:ext cx="268200" cy="101520"/>
+                </a:xfrm>
+                <a:prstGeom prst="rect">
+                  <a:avLst/>
+                </a:prstGeom>
+              </p:spPr>
+            </p:pic>
+          </mc:Fallback>
+        </mc:AlternateContent>
+        <mc:AlternateContent xmlns:mc="http://schemas.openxmlformats.org/markup-compatibility/2006" xmlns:p14="http://schemas.microsoft.com/office/powerpoint/2010/main">
+          <mc:Choice Requires="p14">
+            <p:contentPart p14:bwMode="auto" r:id="rId54">
+              <p14:nvContentPartPr>
+                <p14:cNvPr id="10" name="Ink 9">
+                  <a:extLst>
+                    <a:ext uri="{FF2B5EF4-FFF2-40B4-BE49-F238E27FC236}">
+                      <a16:creationId xmlns:a16="http://schemas.microsoft.com/office/drawing/2014/main" id="{1250D496-D122-3857-8E1E-3EF9D1673B6B}"/>
+                    </a:ext>
+                  </a:extLst>
+                </p14:cNvPr>
+                <p14:cNvContentPartPr/>
+                <p14:nvPr/>
+              </p14:nvContentPartPr>
+              <p14:xfrm>
+                <a:off x="7299807" y="1615001"/>
+                <a:ext cx="151200" cy="247680"/>
+              </p14:xfrm>
+            </p:contentPart>
+          </mc:Choice>
+          <mc:Fallback xmlns="">
+            <p:pic>
+              <p:nvPicPr>
+                <p:cNvPr id="10" name="Ink 9">
+                  <a:extLst>
+                    <a:ext uri="{FF2B5EF4-FFF2-40B4-BE49-F238E27FC236}">
+                      <a16:creationId xmlns:a16="http://schemas.microsoft.com/office/drawing/2014/main" id="{1250D496-D122-3857-8E1E-3EF9D1673B6B}"/>
+                    </a:ext>
+                  </a:extLst>
+                </p:cNvPr>
+                <p:cNvPicPr/>
+                <p:nvPr/>
+              </p:nvPicPr>
+              <p:blipFill>
+                <a:blip r:embed="rId55"/>
+                <a:stretch>
+                  <a:fillRect/>
+                </a:stretch>
+              </p:blipFill>
+              <p:spPr>
+                <a:xfrm>
+                  <a:off x="7291167" y="1606361"/>
+                  <a:ext cx="168840" cy="265320"/>
+                </a:xfrm>
+                <a:prstGeom prst="rect">
+                  <a:avLst/>
+                </a:prstGeom>
+              </p:spPr>
+            </p:pic>
+          </mc:Fallback>
+        </mc:AlternateContent>
+        <mc:AlternateContent xmlns:mc="http://schemas.openxmlformats.org/markup-compatibility/2006" xmlns:p14="http://schemas.microsoft.com/office/powerpoint/2010/main">
+          <mc:Choice Requires="p14">
+            <p:contentPart p14:bwMode="auto" r:id="rId56">
+              <p14:nvContentPartPr>
+                <p14:cNvPr id="11" name="Ink 10">
+                  <a:extLst>
+                    <a:ext uri="{FF2B5EF4-FFF2-40B4-BE49-F238E27FC236}">
+                      <a16:creationId xmlns:a16="http://schemas.microsoft.com/office/drawing/2014/main" id="{595C6EDE-DC8C-9F75-9E3E-23D9BB769F07}"/>
+                    </a:ext>
+                  </a:extLst>
+                </p14:cNvPr>
+                <p14:cNvContentPartPr/>
+                <p14:nvPr/>
+              </p14:nvContentPartPr>
+              <p14:xfrm>
+                <a:off x="7539207" y="1579361"/>
+                <a:ext cx="12600" cy="286920"/>
+              </p14:xfrm>
+            </p:contentPart>
+          </mc:Choice>
+          <mc:Fallback xmlns="">
+            <p:pic>
+              <p:nvPicPr>
+                <p:cNvPr id="11" name="Ink 10">
+                  <a:extLst>
+                    <a:ext uri="{FF2B5EF4-FFF2-40B4-BE49-F238E27FC236}">
+                      <a16:creationId xmlns:a16="http://schemas.microsoft.com/office/drawing/2014/main" id="{595C6EDE-DC8C-9F75-9E3E-23D9BB769F07}"/>
+                    </a:ext>
+                  </a:extLst>
+                </p:cNvPr>
+                <p:cNvPicPr/>
+                <p:nvPr/>
+              </p:nvPicPr>
+              <p:blipFill>
+                <a:blip r:embed="rId57"/>
+                <a:stretch>
+                  <a:fillRect/>
+                </a:stretch>
+              </p:blipFill>
+              <p:spPr>
+                <a:xfrm>
+                  <a:off x="7530567" y="1570361"/>
+                  <a:ext cx="30240" cy="304560"/>
+                </a:xfrm>
+                <a:prstGeom prst="rect">
+                  <a:avLst/>
+                </a:prstGeom>
+              </p:spPr>
+            </p:pic>
+          </mc:Fallback>
+        </mc:AlternateContent>
+        <mc:AlternateContent xmlns:mc="http://schemas.openxmlformats.org/markup-compatibility/2006" xmlns:p14="http://schemas.microsoft.com/office/powerpoint/2010/main">
+          <mc:Choice Requires="p14">
+            <p:contentPart p14:bwMode="auto" r:id="rId58">
+              <p14:nvContentPartPr>
+                <p14:cNvPr id="12" name="Ink 11">
+                  <a:extLst>
+                    <a:ext uri="{FF2B5EF4-FFF2-40B4-BE49-F238E27FC236}">
+                      <a16:creationId xmlns:a16="http://schemas.microsoft.com/office/drawing/2014/main" id="{3D7A525C-4D24-D23C-DCBF-76E15E728F4E}"/>
+                    </a:ext>
+                  </a:extLst>
+                </p14:cNvPr>
+                <p14:cNvContentPartPr/>
+                <p14:nvPr/>
+              </p14:nvContentPartPr>
+              <p14:xfrm>
+                <a:off x="7605807" y="1738121"/>
+                <a:ext cx="51480" cy="40680"/>
+              </p14:xfrm>
+            </p:contentPart>
+          </mc:Choice>
+          <mc:Fallback xmlns="">
+            <p:pic>
+              <p:nvPicPr>
+                <p:cNvPr id="12" name="Ink 11">
+                  <a:extLst>
+                    <a:ext uri="{FF2B5EF4-FFF2-40B4-BE49-F238E27FC236}">
+                      <a16:creationId xmlns:a16="http://schemas.microsoft.com/office/drawing/2014/main" id="{3D7A525C-4D24-D23C-DCBF-76E15E728F4E}"/>
+                    </a:ext>
+                  </a:extLst>
+                </p:cNvPr>
+                <p:cNvPicPr/>
+                <p:nvPr/>
+              </p:nvPicPr>
+              <p:blipFill>
+                <a:blip r:embed="rId59"/>
+                <a:stretch>
+                  <a:fillRect/>
+                </a:stretch>
+              </p:blipFill>
+              <p:spPr>
+                <a:xfrm>
+                  <a:off x="7596807" y="1729481"/>
+                  <a:ext cx="69120" cy="58320"/>
+                </a:xfrm>
+                <a:prstGeom prst="rect">
+                  <a:avLst/>
+                </a:prstGeom>
+              </p:spPr>
+            </p:pic>
+          </mc:Fallback>
+        </mc:AlternateContent>
+        <mc:AlternateContent xmlns:mc="http://schemas.openxmlformats.org/markup-compatibility/2006" xmlns:p14="http://schemas.microsoft.com/office/powerpoint/2010/main">
+          <mc:Choice Requires="p14">
+            <p:contentPart p14:bwMode="auto" r:id="rId60">
+              <p14:nvContentPartPr>
+                <p14:cNvPr id="13" name="Ink 12">
+                  <a:extLst>
+                    <a:ext uri="{FF2B5EF4-FFF2-40B4-BE49-F238E27FC236}">
+                      <a16:creationId xmlns:a16="http://schemas.microsoft.com/office/drawing/2014/main" id="{5FD5D837-197F-C59C-0FC5-80762EAD5050}"/>
+                    </a:ext>
+                  </a:extLst>
+                </p14:cNvPr>
+                <p14:cNvContentPartPr/>
+                <p14:nvPr/>
+              </p14:nvContentPartPr>
+              <p14:xfrm>
+                <a:off x="7723887" y="1597001"/>
+                <a:ext cx="194400" cy="298800"/>
+              </p14:xfrm>
+            </p:contentPart>
+          </mc:Choice>
+          <mc:Fallback xmlns="">
+            <p:pic>
+              <p:nvPicPr>
+                <p:cNvPr id="13" name="Ink 12">
+                  <a:extLst>
+                    <a:ext uri="{FF2B5EF4-FFF2-40B4-BE49-F238E27FC236}">
+                      <a16:creationId xmlns:a16="http://schemas.microsoft.com/office/drawing/2014/main" id="{5FD5D837-197F-C59C-0FC5-80762EAD5050}"/>
+                    </a:ext>
+                  </a:extLst>
+                </p:cNvPr>
+                <p:cNvPicPr/>
+                <p:nvPr/>
+              </p:nvPicPr>
+              <p:blipFill>
+                <a:blip r:embed="rId61"/>
+                <a:stretch>
+                  <a:fillRect/>
+                </a:stretch>
+              </p:blipFill>
+              <p:spPr>
+                <a:xfrm>
+                  <a:off x="7714887" y="1588001"/>
+                  <a:ext cx="212040" cy="316440"/>
+                </a:xfrm>
+                <a:prstGeom prst="rect">
+                  <a:avLst/>
+                </a:prstGeom>
+              </p:spPr>
+            </p:pic>
+          </mc:Fallback>
+        </mc:AlternateContent>
+        <mc:AlternateContent xmlns:mc="http://schemas.openxmlformats.org/markup-compatibility/2006" xmlns:p14="http://schemas.microsoft.com/office/powerpoint/2010/main">
+          <mc:Choice Requires="p14">
+            <p:contentPart p14:bwMode="auto" r:id="rId62">
+              <p14:nvContentPartPr>
+                <p14:cNvPr id="14" name="Ink 13">
+                  <a:extLst>
+                    <a:ext uri="{FF2B5EF4-FFF2-40B4-BE49-F238E27FC236}">
+                      <a16:creationId xmlns:a16="http://schemas.microsoft.com/office/drawing/2014/main" id="{57F1BC51-229B-0EE2-13F7-ED04D41760D0}"/>
+                    </a:ext>
+                  </a:extLst>
+                </p14:cNvPr>
+                <p14:cNvContentPartPr/>
+                <p14:nvPr/>
+              </p14:nvContentPartPr>
+              <p14:xfrm>
+                <a:off x="7868247" y="1641281"/>
+                <a:ext cx="191520" cy="235080"/>
+              </p14:xfrm>
+            </p:contentPart>
+          </mc:Choice>
+          <mc:Fallback xmlns="">
+            <p:pic>
+              <p:nvPicPr>
+                <p:cNvPr id="14" name="Ink 13">
+                  <a:extLst>
+                    <a:ext uri="{FF2B5EF4-FFF2-40B4-BE49-F238E27FC236}">
+                      <a16:creationId xmlns:a16="http://schemas.microsoft.com/office/drawing/2014/main" id="{57F1BC51-229B-0EE2-13F7-ED04D41760D0}"/>
+                    </a:ext>
+                  </a:extLst>
+                </p:cNvPr>
+                <p:cNvPicPr/>
+                <p:nvPr/>
+              </p:nvPicPr>
+              <p:blipFill>
+                <a:blip r:embed="rId63"/>
+                <a:stretch>
+                  <a:fillRect/>
+                </a:stretch>
+              </p:blipFill>
+              <p:spPr>
+                <a:xfrm>
+                  <a:off x="7859247" y="1632641"/>
+                  <a:ext cx="209160" cy="252720"/>
+                </a:xfrm>
+                <a:prstGeom prst="rect">
+                  <a:avLst/>
+                </a:prstGeom>
+              </p:spPr>
+            </p:pic>
+          </mc:Fallback>
+        </mc:AlternateContent>
+        <mc:AlternateContent xmlns:mc="http://schemas.openxmlformats.org/markup-compatibility/2006" xmlns:p14="http://schemas.microsoft.com/office/powerpoint/2010/main">
+          <mc:Choice Requires="p14">
+            <p:contentPart p14:bwMode="auto" r:id="rId64">
+              <p14:nvContentPartPr>
+                <p14:cNvPr id="15" name="Ink 14">
+                  <a:extLst>
+                    <a:ext uri="{FF2B5EF4-FFF2-40B4-BE49-F238E27FC236}">
+                      <a16:creationId xmlns:a16="http://schemas.microsoft.com/office/drawing/2014/main" id="{6AAC016E-7241-148D-ACA9-C044AA58FAE8}"/>
+                    </a:ext>
+                  </a:extLst>
+                </p14:cNvPr>
+                <p14:cNvContentPartPr/>
+                <p14:nvPr/>
+              </p14:nvContentPartPr>
+              <p14:xfrm>
+                <a:off x="8143287" y="1545521"/>
+                <a:ext cx="245520" cy="282240"/>
+              </p14:xfrm>
+            </p:contentPart>
+          </mc:Choice>
+          <mc:Fallback xmlns="">
+            <p:pic>
+              <p:nvPicPr>
+                <p:cNvPr id="15" name="Ink 14">
+                  <a:extLst>
+                    <a:ext uri="{FF2B5EF4-FFF2-40B4-BE49-F238E27FC236}">
+                      <a16:creationId xmlns:a16="http://schemas.microsoft.com/office/drawing/2014/main" id="{6AAC016E-7241-148D-ACA9-C044AA58FAE8}"/>
+                    </a:ext>
+                  </a:extLst>
+                </p:cNvPr>
+                <p:cNvPicPr/>
+                <p:nvPr/>
+              </p:nvPicPr>
+              <p:blipFill>
+                <a:blip r:embed="rId65"/>
+                <a:stretch>
+                  <a:fillRect/>
+                </a:stretch>
+              </p:blipFill>
+              <p:spPr>
+                <a:xfrm>
+                  <a:off x="8134647" y="1536521"/>
+                  <a:ext cx="263160" cy="299880"/>
+                </a:xfrm>
+                <a:prstGeom prst="rect">
+                  <a:avLst/>
+                </a:prstGeom>
+              </p:spPr>
+            </p:pic>
+          </mc:Fallback>
+        </mc:AlternateContent>
+        <mc:AlternateContent xmlns:mc="http://schemas.openxmlformats.org/markup-compatibility/2006" xmlns:p14="http://schemas.microsoft.com/office/powerpoint/2010/main">
+          <mc:Choice Requires="p14">
+            <p:contentPart p14:bwMode="auto" r:id="rId66">
+              <p14:nvContentPartPr>
+                <p14:cNvPr id="16" name="Ink 15">
+                  <a:extLst>
+                    <a:ext uri="{FF2B5EF4-FFF2-40B4-BE49-F238E27FC236}">
+                      <a16:creationId xmlns:a16="http://schemas.microsoft.com/office/drawing/2014/main" id="{5CE29982-4F96-C73F-2199-E634F23BAA36}"/>
+                    </a:ext>
+                  </a:extLst>
+                </p14:cNvPr>
+                <p14:cNvContentPartPr/>
+                <p14:nvPr/>
+              </p14:nvContentPartPr>
+              <p14:xfrm>
+                <a:off x="8348127" y="1599521"/>
+                <a:ext cx="2160" cy="5040"/>
+              </p14:xfrm>
+            </p:contentPart>
+          </mc:Choice>
+          <mc:Fallback xmlns="">
+            <p:pic>
+              <p:nvPicPr>
+                <p:cNvPr id="16" name="Ink 15">
+                  <a:extLst>
+                    <a:ext uri="{FF2B5EF4-FFF2-40B4-BE49-F238E27FC236}">
+                      <a16:creationId xmlns:a16="http://schemas.microsoft.com/office/drawing/2014/main" id="{5CE29982-4F96-C73F-2199-E634F23BAA36}"/>
+                    </a:ext>
+                  </a:extLst>
+                </p:cNvPr>
+                <p:cNvPicPr/>
+                <p:nvPr/>
+              </p:nvPicPr>
+              <p:blipFill>
+                <a:blip r:embed="rId67"/>
+                <a:stretch>
+                  <a:fillRect/>
+                </a:stretch>
+              </p:blipFill>
+              <p:spPr>
+                <a:xfrm>
+                  <a:off x="8339127" y="1590521"/>
+                  <a:ext cx="19800" cy="22680"/>
+                </a:xfrm>
+                <a:prstGeom prst="rect">
+                  <a:avLst/>
+                </a:prstGeom>
+              </p:spPr>
+            </p:pic>
+          </mc:Fallback>
+        </mc:AlternateContent>
+        <mc:AlternateContent xmlns:mc="http://schemas.openxmlformats.org/markup-compatibility/2006" xmlns:p14="http://schemas.microsoft.com/office/powerpoint/2010/main">
+          <mc:Choice Requires="p14">
+            <p:contentPart p14:bwMode="auto" r:id="rId68">
+              <p14:nvContentPartPr>
+                <p14:cNvPr id="17" name="Ink 16">
+                  <a:extLst>
+                    <a:ext uri="{FF2B5EF4-FFF2-40B4-BE49-F238E27FC236}">
+                      <a16:creationId xmlns:a16="http://schemas.microsoft.com/office/drawing/2014/main" id="{26636943-B4D3-FD8B-DF03-989D04C3155E}"/>
+                    </a:ext>
+                  </a:extLst>
+                </p14:cNvPr>
+                <p14:cNvContentPartPr/>
+                <p14:nvPr/>
+              </p14:nvContentPartPr>
+              <p14:xfrm>
+                <a:off x="8387727" y="1618961"/>
+                <a:ext cx="422640" cy="180360"/>
+              </p14:xfrm>
+            </p:contentPart>
+          </mc:Choice>
+          <mc:Fallback xmlns="">
+            <p:pic>
+              <p:nvPicPr>
+                <p:cNvPr id="17" name="Ink 16">
+                  <a:extLst>
+                    <a:ext uri="{FF2B5EF4-FFF2-40B4-BE49-F238E27FC236}">
+                      <a16:creationId xmlns:a16="http://schemas.microsoft.com/office/drawing/2014/main" id="{26636943-B4D3-FD8B-DF03-989D04C3155E}"/>
+                    </a:ext>
+                  </a:extLst>
+                </p:cNvPr>
+                <p:cNvPicPr/>
+                <p:nvPr/>
+              </p:nvPicPr>
+              <p:blipFill>
+                <a:blip r:embed="rId69"/>
+                <a:stretch>
+                  <a:fillRect/>
+                </a:stretch>
+              </p:blipFill>
+              <p:spPr>
+                <a:xfrm>
+                  <a:off x="8378727" y="1609961"/>
+                  <a:ext cx="440280" cy="198000"/>
+                </a:xfrm>
+                <a:prstGeom prst="rect">
+                  <a:avLst/>
+                </a:prstGeom>
+              </p:spPr>
+            </p:pic>
+          </mc:Fallback>
+        </mc:AlternateContent>
+      </p:grpSp>
+      <p:grpSp>
+        <p:nvGrpSpPr>
+          <p:cNvPr id="22" name="Group 21">
+            <a:extLst>
+              <a:ext uri="{FF2B5EF4-FFF2-40B4-BE49-F238E27FC236}">
+                <a16:creationId xmlns:a16="http://schemas.microsoft.com/office/drawing/2014/main" id="{FADE7C13-0B5C-4347-366B-BF2970546B11}"/>
+              </a:ext>
+            </a:extLst>
+          </p:cNvPr>
+          <p:cNvGrpSpPr/>
+          <p:nvPr/>
+        </p:nvGrpSpPr>
+        <p:grpSpPr>
+          <a:xfrm>
+            <a:off x="8456127" y="312521"/>
+            <a:ext cx="1356840" cy="777240"/>
+            <a:chOff x="8456127" y="312521"/>
+            <a:chExt cx="1356840" cy="777240"/>
+          </a:xfrm>
+        </p:grpSpPr>
+        <mc:AlternateContent xmlns:mc="http://schemas.openxmlformats.org/markup-compatibility/2006" xmlns:p14="http://schemas.microsoft.com/office/powerpoint/2010/main">
+          <mc:Choice Requires="p14">
+            <p:contentPart p14:bwMode="auto" r:id="rId70">
+              <p14:nvContentPartPr>
+                <p14:cNvPr id="19" name="Ink 18">
+                  <a:extLst>
+                    <a:ext uri="{FF2B5EF4-FFF2-40B4-BE49-F238E27FC236}">
+                      <a16:creationId xmlns:a16="http://schemas.microsoft.com/office/drawing/2014/main" id="{680AD2D0-0389-03E7-7783-2A432EC6FC39}"/>
+                    </a:ext>
+                  </a:extLst>
+                </p14:cNvPr>
+                <p14:cNvContentPartPr/>
+                <p14:nvPr/>
+              </p14:nvContentPartPr>
+              <p14:xfrm>
+                <a:off x="8456127" y="312521"/>
+                <a:ext cx="1356840" cy="618480"/>
+              </p14:xfrm>
+            </p:contentPart>
+          </mc:Choice>
+          <mc:Fallback xmlns="">
+            <p:pic>
+              <p:nvPicPr>
+                <p:cNvPr id="19" name="Ink 18">
+                  <a:extLst>
+                    <a:ext uri="{FF2B5EF4-FFF2-40B4-BE49-F238E27FC236}">
+                      <a16:creationId xmlns:a16="http://schemas.microsoft.com/office/drawing/2014/main" id="{680AD2D0-0389-03E7-7783-2A432EC6FC39}"/>
+                    </a:ext>
+                  </a:extLst>
+                </p:cNvPr>
+                <p:cNvPicPr/>
+                <p:nvPr/>
+              </p:nvPicPr>
+              <p:blipFill>
+                <a:blip r:embed="rId71"/>
+                <a:stretch>
+                  <a:fillRect/>
+                </a:stretch>
+              </p:blipFill>
+              <p:spPr>
+                <a:xfrm>
+                  <a:off x="8447127" y="303521"/>
+                  <a:ext cx="1374480" cy="636120"/>
+                </a:xfrm>
+                <a:prstGeom prst="rect">
+                  <a:avLst/>
+                </a:prstGeom>
+              </p:spPr>
+            </p:pic>
+          </mc:Fallback>
+        </mc:AlternateContent>
+        <mc:AlternateContent xmlns:mc="http://schemas.openxmlformats.org/markup-compatibility/2006" xmlns:p14="http://schemas.microsoft.com/office/powerpoint/2010/main">
+          <mc:Choice Requires="p14">
+            <p:contentPart p14:bwMode="auto" r:id="rId72">
+              <p14:nvContentPartPr>
+                <p14:cNvPr id="20" name="Ink 19">
+                  <a:extLst>
+                    <a:ext uri="{FF2B5EF4-FFF2-40B4-BE49-F238E27FC236}">
+                      <a16:creationId xmlns:a16="http://schemas.microsoft.com/office/drawing/2014/main" id="{F271E7A9-3640-7EE5-9EB9-A6D8DCFBD3A6}"/>
+                    </a:ext>
+                  </a:extLst>
+                </p14:cNvPr>
+                <p14:cNvContentPartPr/>
+                <p14:nvPr/>
+              </p14:nvContentPartPr>
+              <p14:xfrm>
+                <a:off x="8516247" y="916241"/>
+                <a:ext cx="1285560" cy="81000"/>
+              </p14:xfrm>
+            </p:contentPart>
+          </mc:Choice>
+          <mc:Fallback xmlns="">
+            <p:pic>
+              <p:nvPicPr>
+                <p:cNvPr id="20" name="Ink 19">
+                  <a:extLst>
+                    <a:ext uri="{FF2B5EF4-FFF2-40B4-BE49-F238E27FC236}">
+                      <a16:creationId xmlns:a16="http://schemas.microsoft.com/office/drawing/2014/main" id="{F271E7A9-3640-7EE5-9EB9-A6D8DCFBD3A6}"/>
+                    </a:ext>
+                  </a:extLst>
+                </p:cNvPr>
+                <p:cNvPicPr/>
+                <p:nvPr/>
+              </p:nvPicPr>
+              <p:blipFill>
+                <a:blip r:embed="rId73"/>
+                <a:stretch>
+                  <a:fillRect/>
+                </a:stretch>
+              </p:blipFill>
+              <p:spPr>
+                <a:xfrm>
+                  <a:off x="8507607" y="907241"/>
+                  <a:ext cx="1303200" cy="98640"/>
+                </a:xfrm>
+                <a:prstGeom prst="rect">
+                  <a:avLst/>
+                </a:prstGeom>
+              </p:spPr>
+            </p:pic>
+          </mc:Fallback>
+        </mc:AlternateContent>
+        <mc:AlternateContent xmlns:mc="http://schemas.openxmlformats.org/markup-compatibility/2006" xmlns:p14="http://schemas.microsoft.com/office/powerpoint/2010/main">
+          <mc:Choice Requires="p14">
+            <p:contentPart p14:bwMode="auto" r:id="rId74">
+              <p14:nvContentPartPr>
+                <p14:cNvPr id="21" name="Ink 20">
+                  <a:extLst>
+                    <a:ext uri="{FF2B5EF4-FFF2-40B4-BE49-F238E27FC236}">
+                      <a16:creationId xmlns:a16="http://schemas.microsoft.com/office/drawing/2014/main" id="{70F738F2-176E-8BEF-3EE2-48A63CFD75F3}"/>
+                    </a:ext>
+                  </a:extLst>
+                </p14:cNvPr>
+                <p14:cNvContentPartPr/>
+                <p14:nvPr/>
+              </p14:nvContentPartPr>
+              <p14:xfrm>
+                <a:off x="8504727" y="1002641"/>
+                <a:ext cx="1198800" cy="87120"/>
+              </p14:xfrm>
+            </p:contentPart>
+          </mc:Choice>
+          <mc:Fallback xmlns="">
+            <p:pic>
+              <p:nvPicPr>
+                <p:cNvPr id="21" name="Ink 20">
+                  <a:extLst>
+                    <a:ext uri="{FF2B5EF4-FFF2-40B4-BE49-F238E27FC236}">
+                      <a16:creationId xmlns:a16="http://schemas.microsoft.com/office/drawing/2014/main" id="{70F738F2-176E-8BEF-3EE2-48A63CFD75F3}"/>
+                    </a:ext>
+                  </a:extLst>
+                </p:cNvPr>
+                <p:cNvPicPr/>
+                <p:nvPr/>
+              </p:nvPicPr>
+              <p:blipFill>
+                <a:blip r:embed="rId75"/>
+                <a:stretch>
+                  <a:fillRect/>
+                </a:stretch>
+              </p:blipFill>
+              <p:spPr>
+                <a:xfrm>
+                  <a:off x="8496087" y="993641"/>
+                  <a:ext cx="1216440" cy="104760"/>
+                </a:xfrm>
+                <a:prstGeom prst="rect">
+                  <a:avLst/>
+                </a:prstGeom>
+              </p:spPr>
+            </p:pic>
+          </mc:Fallback>
+        </mc:AlternateContent>
+      </p:grpSp>
+    </p:spTree>
+    <p:extLst>
+      <p:ext uri="{BB962C8B-B14F-4D97-AF65-F5344CB8AC3E}">
+        <p14:creationId xmlns:p14="http://schemas.microsoft.com/office/powerpoint/2010/main" val="614077723"/>
+      </p:ext>
+    </p:extLst>
+  </p:cSld>
+  <p:clrMapOvr>
+    <a:masterClrMapping/>
+  </p:clrMapOvr>
+</p:sld>
+</file>
+
+<file path=ppt/slides/slide17.xml><?xml version="1.0" encoding="utf-8"?>
+<p:sld xmlns:a="http://schemas.openxmlformats.org/drawingml/2006/main" xmlns:r="http://schemas.openxmlformats.org/officeDocument/2006/relationships" xmlns:p="http://schemas.openxmlformats.org/presentationml/2006/main">
+  <p:cSld>
+    <p:spTree>
+      <p:nvGrpSpPr>
+        <p:cNvPr id="1" name=""/>
+        <p:cNvGrpSpPr/>
+        <p:nvPr/>
+      </p:nvGrpSpPr>
+      <p:grpSpPr>
+        <a:xfrm>
+          <a:off x="0" y="0"/>
+          <a:ext cx="0" cy="0"/>
+          <a:chOff x="0" y="0"/>
+          <a:chExt cx="0" cy="0"/>
+        </a:xfrm>
+      </p:grpSpPr>
+      <p:sp>
+        <p:nvSpPr>
+          <p:cNvPr id="2" name="Title 1">
+            <a:extLst>
+              <a:ext uri="{FF2B5EF4-FFF2-40B4-BE49-F238E27FC236}">
+                <a16:creationId xmlns:a16="http://schemas.microsoft.com/office/drawing/2014/main" id="{72429780-5FF7-A748-D729-0A7D2007A0B7}"/>
+              </a:ext>
+            </a:extLst>
+          </p:cNvPr>
+          <p:cNvSpPr>
+            <a:spLocks noGrp="1"/>
+          </p:cNvSpPr>
+          <p:nvPr>
+            <p:ph type="title"/>
+          </p:nvPr>
+        </p:nvSpPr>
+        <p:spPr/>
+        <p:txBody>
+          <a:bodyPr/>
+          <a:lstStyle/>
+          <a:p>
+            <a:r>
+              <a:rPr lang="en-US" dirty="0"/>
+              <a:t>Shared Access Signature</a:t>
+            </a:r>
+            <a:endParaRPr lang="en-IN" dirty="0"/>
+          </a:p>
+        </p:txBody>
+      </p:sp>
+      <p:sp>
+        <p:nvSpPr>
+          <p:cNvPr id="3" name="Content Placeholder 2">
+            <a:extLst>
+              <a:ext uri="{FF2B5EF4-FFF2-40B4-BE49-F238E27FC236}">
+                <a16:creationId xmlns:a16="http://schemas.microsoft.com/office/drawing/2014/main" id="{5C7560D3-5CB4-BE4F-7296-1599740D7208}"/>
+              </a:ext>
+            </a:extLst>
+          </p:cNvPr>
+          <p:cNvSpPr>
+            <a:spLocks noGrp="1"/>
+          </p:cNvSpPr>
+          <p:nvPr>
+            <p:ph idx="1"/>
+          </p:nvPr>
+        </p:nvSpPr>
+        <p:spPr/>
+        <p:txBody>
+          <a:bodyPr/>
+          <a:lstStyle/>
+          <a:p>
+            <a:r>
+              <a:rPr lang="en-US" dirty="0"/>
+              <a:t>SAS is a URI that grants restricted access rights to Azure Storage resources.</a:t>
+            </a:r>
+          </a:p>
+          <a:p>
+            <a:pPr lvl="1"/>
+            <a:r>
+              <a:rPr lang="en-US" dirty="0"/>
+              <a:t>Account Level SAS</a:t>
+            </a:r>
+          </a:p>
+          <a:p>
+            <a:pPr lvl="1"/>
+            <a:r>
+              <a:rPr lang="en-US" dirty="0"/>
+              <a:t>Service Level SAS</a:t>
+            </a:r>
+            <a:endParaRPr lang="en-IN" dirty="0"/>
+          </a:p>
+        </p:txBody>
+      </p:sp>
+    </p:spTree>
+    <p:extLst>
+      <p:ext uri="{BB962C8B-B14F-4D97-AF65-F5344CB8AC3E}">
+        <p14:creationId xmlns:p14="http://schemas.microsoft.com/office/powerpoint/2010/main" val="1791055724"/>
+      </p:ext>
+    </p:extLst>
+  </p:cSld>
+  <p:clrMapOvr>
+    <a:masterClrMapping/>
+  </p:clrMapOvr>
+</p:sld>
+</file>
+
+<file path=ppt/slides/slide18.xml><?xml version="1.0" encoding="utf-8"?>
+<p:sld xmlns:a="http://schemas.openxmlformats.org/drawingml/2006/main" xmlns:r="http://schemas.openxmlformats.org/officeDocument/2006/relationships" xmlns:p="http://schemas.openxmlformats.org/presentationml/2006/main">
+  <p:cSld>
+    <p:spTree>
+      <p:nvGrpSpPr>
+        <p:cNvPr id="1" name=""/>
+        <p:cNvGrpSpPr/>
+        <p:nvPr/>
+      </p:nvGrpSpPr>
+      <p:grpSpPr>
+        <a:xfrm>
+          <a:off x="0" y="0"/>
+          <a:ext cx="0" cy="0"/>
+          <a:chOff x="0" y="0"/>
+          <a:chExt cx="0" cy="0"/>
+        </a:xfrm>
+      </p:grpSpPr>
+      <p:sp>
+        <p:nvSpPr>
+          <p:cNvPr id="2" name="Title 1">
+            <a:extLst>
+              <a:ext uri="{FF2B5EF4-FFF2-40B4-BE49-F238E27FC236}">
+                <a16:creationId xmlns:a16="http://schemas.microsoft.com/office/drawing/2014/main" id="{08A0AEF3-A927-555A-E764-0BA4BB557C82}"/>
+              </a:ext>
+            </a:extLst>
+          </p:cNvPr>
+          <p:cNvSpPr>
+            <a:spLocks noGrp="1"/>
+          </p:cNvSpPr>
+          <p:nvPr>
+            <p:ph type="title"/>
+          </p:nvPr>
+        </p:nvSpPr>
+        <p:spPr/>
+        <p:txBody>
+          <a:bodyPr/>
+          <a:lstStyle/>
+          <a:p>
+            <a:r>
+              <a:rPr lang="en-US" dirty="0"/>
+              <a:t>Configuring SAS</a:t>
+            </a:r>
+            <a:endParaRPr lang="en-IN" dirty="0"/>
+          </a:p>
+        </p:txBody>
+      </p:sp>
+      <p:sp>
+        <p:nvSpPr>
+          <p:cNvPr id="3" name="Content Placeholder 2">
+            <a:extLst>
+              <a:ext uri="{FF2B5EF4-FFF2-40B4-BE49-F238E27FC236}">
+                <a16:creationId xmlns:a16="http://schemas.microsoft.com/office/drawing/2014/main" id="{608C6CE6-7F97-01A2-4E11-C117C022E7B6}"/>
+              </a:ext>
+            </a:extLst>
+          </p:cNvPr>
+          <p:cNvSpPr>
+            <a:spLocks noGrp="1"/>
+          </p:cNvSpPr>
+          <p:nvPr>
+            <p:ph idx="1"/>
+          </p:nvPr>
+        </p:nvSpPr>
+        <p:spPr/>
+        <p:txBody>
+          <a:bodyPr/>
+          <a:lstStyle/>
+          <a:p>
+            <a:r>
+              <a:rPr lang="en-US" dirty="0"/>
+              <a:t>URI = Storage Resource + SAS Token</a:t>
+            </a:r>
+          </a:p>
+          <a:p>
+            <a:r>
+              <a:rPr lang="en-IN" dirty="0">
+                <a:hlinkClick r:id="rId2"/>
+              </a:rPr>
+              <a:t>https://ayush25feb.blob.core.windows.net/ayush1/Iphone%20X.jpg</a:t>
+            </a:r>
+            <a:endParaRPr lang="en-IN" dirty="0"/>
+          </a:p>
+          <a:p>
+            <a:r>
+              <a:rPr lang="en-IN" dirty="0"/>
+              <a:t>?</a:t>
+            </a:r>
+            <a:r>
+              <a:rPr lang="en-IN" dirty="0" err="1"/>
+              <a:t>sp</a:t>
+            </a:r>
+            <a:r>
+              <a:rPr lang="en-IN" dirty="0"/>
+              <a:t>=</a:t>
+            </a:r>
+            <a:r>
+              <a:rPr lang="en-IN" dirty="0" err="1"/>
+              <a:t>r&amp;st</a:t>
+            </a:r>
+            <a:r>
+              <a:rPr lang="en-IN" dirty="0"/>
+              <a:t>=2024-03-24T04:47:12Z&amp;se=2024-03-24T12:47:12Z&amp;spr=</a:t>
+            </a:r>
+            <a:r>
+              <a:rPr lang="en-IN" dirty="0" err="1"/>
+              <a:t>https&amp;sv</a:t>
+            </a:r>
+            <a:r>
+              <a:rPr lang="en-IN" dirty="0"/>
+              <a:t>=2022-11-02&amp;sr=</a:t>
+            </a:r>
+            <a:r>
+              <a:rPr lang="en-IN" dirty="0" err="1"/>
+              <a:t>b&amp;sig</a:t>
+            </a:r>
+            <a:r>
+              <a:rPr lang="en-IN" dirty="0"/>
+              <a:t>=IWF7Qd4rvxRqQe9S%2F4a9RgOCMMsS9ai6MA02Q3LBHj4%3D</a:t>
+            </a:r>
+          </a:p>
+        </p:txBody>
+      </p:sp>
+    </p:spTree>
+    <p:extLst>
+      <p:ext uri="{BB962C8B-B14F-4D97-AF65-F5344CB8AC3E}">
+        <p14:creationId xmlns:p14="http://schemas.microsoft.com/office/powerpoint/2010/main" val="1969348774"/>
+      </p:ext>
+    </p:extLst>
+  </p:cSld>
+  <p:clrMapOvr>
+    <a:masterClrMapping/>
+  </p:clrMapOvr>
+</p:sld>
+</file>
+
+<file path=ppt/slides/slide19.xml><?xml version="1.0" encoding="utf-8"?>
+<p:sld xmlns:a="http://schemas.openxmlformats.org/drawingml/2006/main" xmlns:r="http://schemas.openxmlformats.org/officeDocument/2006/relationships" xmlns:p="http://schemas.openxmlformats.org/presentationml/2006/main">
+  <p:cSld>
+    <p:spTree>
+      <p:nvGrpSpPr>
+        <p:cNvPr id="1" name=""/>
+        <p:cNvGrpSpPr/>
+        <p:nvPr/>
+      </p:nvGrpSpPr>
+      <p:grpSpPr>
+        <a:xfrm>
+          <a:off x="0" y="0"/>
+          <a:ext cx="0" cy="0"/>
+          <a:chOff x="0" y="0"/>
+          <a:chExt cx="0" cy="0"/>
+        </a:xfrm>
+      </p:grpSpPr>
+      <p:sp>
+        <p:nvSpPr>
+          <p:cNvPr id="2" name="Title 1">
+            <a:extLst>
+              <a:ext uri="{FF2B5EF4-FFF2-40B4-BE49-F238E27FC236}">
+                <a16:creationId xmlns:a16="http://schemas.microsoft.com/office/drawing/2014/main" id="{6F853902-49B1-AB4B-F93C-3DB36AB528A9}"/>
+              </a:ext>
+            </a:extLst>
+          </p:cNvPr>
+          <p:cNvSpPr>
+            <a:spLocks noGrp="1"/>
+          </p:cNvSpPr>
+          <p:nvPr>
+            <p:ph type="ctrTitle"/>
+          </p:nvPr>
+        </p:nvSpPr>
+        <p:spPr/>
+        <p:txBody>
+          <a:bodyPr/>
+          <a:lstStyle/>
+          <a:p>
+            <a:r>
+              <a:rPr lang="en-US" dirty="0"/>
+              <a:t>Azure Files</a:t>
+            </a:r>
+            <a:endParaRPr lang="en-IN" dirty="0"/>
+          </a:p>
+        </p:txBody>
+      </p:sp>
+      <p:sp>
+        <p:nvSpPr>
+          <p:cNvPr id="3" name="Subtitle 2">
+            <a:extLst>
+              <a:ext uri="{FF2B5EF4-FFF2-40B4-BE49-F238E27FC236}">
+                <a16:creationId xmlns:a16="http://schemas.microsoft.com/office/drawing/2014/main" id="{0E781C27-1BD6-2AA3-3F88-63E84077F1D9}"/>
+              </a:ext>
+            </a:extLst>
+          </p:cNvPr>
+          <p:cNvSpPr>
+            <a:spLocks noGrp="1"/>
+          </p:cNvSpPr>
+          <p:nvPr>
+            <p:ph type="subTitle" idx="1"/>
+          </p:nvPr>
+        </p:nvSpPr>
+        <p:spPr/>
+        <p:txBody>
+          <a:bodyPr/>
+          <a:lstStyle/>
+          <a:p>
+            <a:endParaRPr lang="en-IN"/>
+          </a:p>
+        </p:txBody>
+      </p:sp>
+    </p:spTree>
+    <p:extLst>
+      <p:ext uri="{BB962C8B-B14F-4D97-AF65-F5344CB8AC3E}">
+        <p14:creationId xmlns:p14="http://schemas.microsoft.com/office/powerpoint/2010/main" val="4069751044"/>
+      </p:ext>
+    </p:extLst>
+  </p:cSld>
+  <p:clrMapOvr>
+    <a:masterClrMapping/>
+  </p:clrMapOvr>
+</p:sld>
+</file>
+
 <file path=ppt/slides/slide2.xml><?xml version="1.0" encoding="utf-8"?>
 <p:sld xmlns:a="http://schemas.openxmlformats.org/drawingml/2006/main" xmlns:r="http://schemas.openxmlformats.org/officeDocument/2006/relationships" xmlns:p="http://schemas.openxmlformats.org/presentationml/2006/main">
   <p:cSld>
@@ -4568,14 +8582,14 @@
           </a:p>
         </p:txBody>
       </p:sp>
-      <mc:AlternateContent xmlns:mc="http://schemas.openxmlformats.org/markup-compatibility/2006">
-        <mc:Choice xmlns:p14="http://schemas.microsoft.com/office/powerpoint/2010/main" Requires="p14">
+      <mc:AlternateContent xmlns:mc="http://schemas.openxmlformats.org/markup-compatibility/2006" xmlns:p14="http://schemas.microsoft.com/office/powerpoint/2010/main">
+        <mc:Choice Requires="p14">
           <p:contentPart p14:bwMode="auto" r:id="rId2">
             <p14:nvContentPartPr>
-              <p14:cNvPr id="4" name="Ink 3">
+              <p14:cNvPr id="5" name="Ink 4">
                 <a:extLst>
                   <a:ext uri="{FF2B5EF4-FFF2-40B4-BE49-F238E27FC236}">
-                    <a16:creationId xmlns:a16="http://schemas.microsoft.com/office/drawing/2014/main" id="{1FCF85B2-E7AC-16CC-F53E-55BF35CFAF81}"/>
+                    <a16:creationId xmlns:a16="http://schemas.microsoft.com/office/drawing/2014/main" id="{2AECEE8C-A9AE-8AE4-0A79-D8EF436A74FE}"/>
                   </a:ext>
                 </a:extLst>
               </p14:cNvPr>
@@ -4583,18 +8597,18 @@
               <p14:nvPr/>
             </p14:nvContentPartPr>
             <p14:xfrm>
-              <a:off x="5305407" y="2851961"/>
-              <a:ext cx="321480" cy="92880"/>
+              <a:off x="5303607" y="2860961"/>
+              <a:ext cx="342360" cy="113400"/>
             </p14:xfrm>
           </p:contentPart>
         </mc:Choice>
-        <mc:Fallback>
+        <mc:Fallback xmlns="">
           <p:pic>
             <p:nvPicPr>
-              <p:cNvPr id="4" name="Ink 3">
+              <p:cNvPr id="5" name="Ink 4">
                 <a:extLst>
                   <a:ext uri="{FF2B5EF4-FFF2-40B4-BE49-F238E27FC236}">
-                    <a16:creationId xmlns:a16="http://schemas.microsoft.com/office/drawing/2014/main" id="{1FCF85B2-E7AC-16CC-F53E-55BF35CFAF81}"/>
+                    <a16:creationId xmlns:a16="http://schemas.microsoft.com/office/drawing/2014/main" id="{2AECEE8C-A9AE-8AE4-0A79-D8EF436A74FE}"/>
                   </a:ext>
                 </a:extLst>
               </p:cNvPr>
@@ -4609,8 +8623,8 @@
             </p:blipFill>
             <p:spPr>
               <a:xfrm>
-                <a:off x="5296407" y="2843321"/>
-                <a:ext cx="339120" cy="110520"/>
+                <a:off x="5294967" y="2851961"/>
+                <a:ext cx="360000" cy="131040"/>
               </a:xfrm>
               <a:prstGeom prst="rect">
                 <a:avLst/>
@@ -4619,14 +8633,14 @@
           </p:pic>
         </mc:Fallback>
       </mc:AlternateContent>
-      <mc:AlternateContent xmlns:mc="http://schemas.openxmlformats.org/markup-compatibility/2006">
-        <mc:Choice xmlns:p14="http://schemas.microsoft.com/office/powerpoint/2010/main" Requires="p14">
+      <mc:AlternateContent xmlns:mc="http://schemas.openxmlformats.org/markup-compatibility/2006" xmlns:p14="http://schemas.microsoft.com/office/powerpoint/2010/main">
+        <mc:Choice Requires="p14">
           <p:contentPart p14:bwMode="auto" r:id="rId4">
             <p14:nvContentPartPr>
-              <p14:cNvPr id="6" name="Ink 5">
+              <p14:cNvPr id="10" name="Ink 9">
                 <a:extLst>
                   <a:ext uri="{FF2B5EF4-FFF2-40B4-BE49-F238E27FC236}">
-                    <a16:creationId xmlns:a16="http://schemas.microsoft.com/office/drawing/2014/main" id="{1FB6BD7B-4D35-1577-9A4D-8046EDEBBB57}"/>
+                    <a16:creationId xmlns:a16="http://schemas.microsoft.com/office/drawing/2014/main" id="{580A9A42-7244-ADEA-E8F1-6451B9298485}"/>
                   </a:ext>
                 </a:extLst>
               </p14:cNvPr>
@@ -4634,18 +8648,18 @@
               <p14:nvPr/>
             </p14:nvContentPartPr>
             <p14:xfrm>
-              <a:off x="5582967" y="2931161"/>
-              <a:ext cx="632880" cy="154440"/>
+              <a:off x="2220927" y="3357401"/>
+              <a:ext cx="320400" cy="146520"/>
             </p14:xfrm>
           </p:contentPart>
         </mc:Choice>
-        <mc:Fallback>
+        <mc:Fallback xmlns="">
           <p:pic>
             <p:nvPicPr>
-              <p:cNvPr id="6" name="Ink 5">
+              <p:cNvPr id="10" name="Ink 9">
                 <a:extLst>
                   <a:ext uri="{FF2B5EF4-FFF2-40B4-BE49-F238E27FC236}">
-                    <a16:creationId xmlns:a16="http://schemas.microsoft.com/office/drawing/2014/main" id="{1FB6BD7B-4D35-1577-9A4D-8046EDEBBB57}"/>
+                    <a16:creationId xmlns:a16="http://schemas.microsoft.com/office/drawing/2014/main" id="{580A9A42-7244-ADEA-E8F1-6451B9298485}"/>
                   </a:ext>
                 </a:extLst>
               </p:cNvPr>
@@ -4660,8 +8674,8 @@
             </p:blipFill>
             <p:spPr>
               <a:xfrm>
-                <a:off x="5573967" y="2922521"/>
-                <a:ext cx="650520" cy="172080"/>
+                <a:off x="2212287" y="3348761"/>
+                <a:ext cx="338040" cy="164160"/>
               </a:xfrm>
               <a:prstGeom prst="rect">
                 <a:avLst/>
@@ -4670,392 +8684,14 @@
           </p:pic>
         </mc:Fallback>
       </mc:AlternateContent>
-      <p:grpSp>
-        <p:nvGrpSpPr>
-          <p:cNvPr id="25" name="Group 24">
-            <a:extLst>
-              <a:ext uri="{FF2B5EF4-FFF2-40B4-BE49-F238E27FC236}">
-                <a16:creationId xmlns:a16="http://schemas.microsoft.com/office/drawing/2014/main" id="{61C12E06-79CD-FE81-2629-040EC50D4BE3}"/>
-              </a:ext>
-            </a:extLst>
-          </p:cNvPr>
-          <p:cNvGrpSpPr/>
-          <p:nvPr/>
-        </p:nvGrpSpPr>
-        <p:grpSpPr>
-          <a:xfrm>
-            <a:off x="6480087" y="2824961"/>
-            <a:ext cx="1815120" cy="372240"/>
-            <a:chOff x="6480087" y="2824961"/>
-            <a:chExt cx="1815120" cy="372240"/>
-          </a:xfrm>
-        </p:grpSpPr>
-        <mc:AlternateContent xmlns:mc="http://schemas.openxmlformats.org/markup-compatibility/2006">
-          <mc:Choice xmlns:p14="http://schemas.microsoft.com/office/powerpoint/2010/main" Requires="p14">
-            <p:contentPart p14:bwMode="auto" r:id="rId6">
-              <p14:nvContentPartPr>
-                <p14:cNvPr id="15" name="Ink 14">
-                  <a:extLst>
-                    <a:ext uri="{FF2B5EF4-FFF2-40B4-BE49-F238E27FC236}">
-                      <a16:creationId xmlns:a16="http://schemas.microsoft.com/office/drawing/2014/main" id="{3BD8B112-EEA7-BBEF-253E-8E3D292D1C6C}"/>
-                    </a:ext>
-                  </a:extLst>
-                </p14:cNvPr>
-                <p14:cNvContentPartPr/>
-                <p14:nvPr/>
-              </p14:nvContentPartPr>
-              <p14:xfrm>
-                <a:off x="6480087" y="2829641"/>
-                <a:ext cx="138960" cy="258480"/>
-              </p14:xfrm>
-            </p:contentPart>
-          </mc:Choice>
-          <mc:Fallback>
-            <p:pic>
-              <p:nvPicPr>
-                <p:cNvPr id="15" name="Ink 14">
-                  <a:extLst>
-                    <a:ext uri="{FF2B5EF4-FFF2-40B4-BE49-F238E27FC236}">
-                      <a16:creationId xmlns:a16="http://schemas.microsoft.com/office/drawing/2014/main" id="{3BD8B112-EEA7-BBEF-253E-8E3D292D1C6C}"/>
-                    </a:ext>
-                  </a:extLst>
-                </p:cNvPr>
-                <p:cNvPicPr/>
-                <p:nvPr/>
-              </p:nvPicPr>
-              <p:blipFill>
-                <a:blip r:embed="rId7"/>
-                <a:stretch>
-                  <a:fillRect/>
-                </a:stretch>
-              </p:blipFill>
-              <p:spPr>
-                <a:xfrm>
-                  <a:off x="6471087" y="2821001"/>
-                  <a:ext cx="156600" cy="276120"/>
-                </a:xfrm>
-                <a:prstGeom prst="rect">
-                  <a:avLst/>
-                </a:prstGeom>
-              </p:spPr>
-            </p:pic>
-          </mc:Fallback>
-        </mc:AlternateContent>
-        <mc:AlternateContent xmlns:mc="http://schemas.openxmlformats.org/markup-compatibility/2006">
-          <mc:Choice xmlns:p14="http://schemas.microsoft.com/office/powerpoint/2010/main" Requires="p14">
-            <p:contentPart p14:bwMode="auto" r:id="rId8">
-              <p14:nvContentPartPr>
-                <p14:cNvPr id="19" name="Ink 18">
-                  <a:extLst>
-                    <a:ext uri="{FF2B5EF4-FFF2-40B4-BE49-F238E27FC236}">
-                      <a16:creationId xmlns:a16="http://schemas.microsoft.com/office/drawing/2014/main" id="{15FB302B-AEAA-199B-9176-DD7E8CA6E351}"/>
-                    </a:ext>
-                  </a:extLst>
-                </p14:cNvPr>
-                <p14:cNvContentPartPr/>
-                <p14:nvPr/>
-              </p14:nvContentPartPr>
-              <p14:xfrm>
-                <a:off x="6689607" y="2965361"/>
-                <a:ext cx="79560" cy="104760"/>
-              </p14:xfrm>
-            </p:contentPart>
-          </mc:Choice>
-          <mc:Fallback>
-            <p:pic>
-              <p:nvPicPr>
-                <p:cNvPr id="19" name="Ink 18">
-                  <a:extLst>
-                    <a:ext uri="{FF2B5EF4-FFF2-40B4-BE49-F238E27FC236}">
-                      <a16:creationId xmlns:a16="http://schemas.microsoft.com/office/drawing/2014/main" id="{15FB302B-AEAA-199B-9176-DD7E8CA6E351}"/>
-                    </a:ext>
-                  </a:extLst>
-                </p:cNvPr>
-                <p:cNvPicPr/>
-                <p:nvPr/>
-              </p:nvPicPr>
-              <p:blipFill>
-                <a:blip r:embed="rId9"/>
-                <a:stretch>
-                  <a:fillRect/>
-                </a:stretch>
-              </p:blipFill>
-              <p:spPr>
-                <a:xfrm>
-                  <a:off x="6680967" y="2956721"/>
-                  <a:ext cx="97200" cy="122400"/>
-                </a:xfrm>
-                <a:prstGeom prst="rect">
-                  <a:avLst/>
-                </a:prstGeom>
-              </p:spPr>
-            </p:pic>
-          </mc:Fallback>
-        </mc:AlternateContent>
-        <mc:AlternateContent xmlns:mc="http://schemas.openxmlformats.org/markup-compatibility/2006">
-          <mc:Choice xmlns:p14="http://schemas.microsoft.com/office/powerpoint/2010/main" Requires="p14">
-            <p:contentPart p14:bwMode="auto" r:id="rId10">
-              <p14:nvContentPartPr>
-                <p14:cNvPr id="20" name="Ink 19">
-                  <a:extLst>
-                    <a:ext uri="{FF2B5EF4-FFF2-40B4-BE49-F238E27FC236}">
-                      <a16:creationId xmlns:a16="http://schemas.microsoft.com/office/drawing/2014/main" id="{C91B52AE-2216-D06C-4854-B368491595E4}"/>
-                    </a:ext>
-                  </a:extLst>
-                </p14:cNvPr>
-                <p14:cNvContentPartPr/>
-                <p14:nvPr/>
-              </p14:nvContentPartPr>
-              <p14:xfrm>
-                <a:off x="6847647" y="2824961"/>
-                <a:ext cx="447120" cy="253440"/>
-              </p14:xfrm>
-            </p:contentPart>
-          </mc:Choice>
-          <mc:Fallback>
-            <p:pic>
-              <p:nvPicPr>
-                <p:cNvPr id="20" name="Ink 19">
-                  <a:extLst>
-                    <a:ext uri="{FF2B5EF4-FFF2-40B4-BE49-F238E27FC236}">
-                      <a16:creationId xmlns:a16="http://schemas.microsoft.com/office/drawing/2014/main" id="{C91B52AE-2216-D06C-4854-B368491595E4}"/>
-                    </a:ext>
-                  </a:extLst>
-                </p:cNvPr>
-                <p:cNvPicPr/>
-                <p:nvPr/>
-              </p:nvPicPr>
-              <p:blipFill>
-                <a:blip r:embed="rId11"/>
-                <a:stretch>
-                  <a:fillRect/>
-                </a:stretch>
-              </p:blipFill>
-              <p:spPr>
-                <a:xfrm>
-                  <a:off x="6839007" y="2816321"/>
-                  <a:ext cx="464760" cy="271080"/>
-                </a:xfrm>
-                <a:prstGeom prst="rect">
-                  <a:avLst/>
-                </a:prstGeom>
-              </p:spPr>
-            </p:pic>
-          </mc:Fallback>
-        </mc:AlternateContent>
-        <mc:AlternateContent xmlns:mc="http://schemas.openxmlformats.org/markup-compatibility/2006">
-          <mc:Choice xmlns:p14="http://schemas.microsoft.com/office/powerpoint/2010/main" Requires="p14">
-            <p:contentPart p14:bwMode="auto" r:id="rId12">
-              <p14:nvContentPartPr>
-                <p14:cNvPr id="21" name="Ink 20">
-                  <a:extLst>
-                    <a:ext uri="{FF2B5EF4-FFF2-40B4-BE49-F238E27FC236}">
-                      <a16:creationId xmlns:a16="http://schemas.microsoft.com/office/drawing/2014/main" id="{9D7A0D68-FED4-9CA6-1733-B9D6833A398F}"/>
-                    </a:ext>
-                  </a:extLst>
-                </p14:cNvPr>
-                <p14:cNvContentPartPr/>
-                <p14:nvPr/>
-              </p14:nvContentPartPr>
-              <p14:xfrm>
-                <a:off x="7369287" y="2844401"/>
-                <a:ext cx="136440" cy="274680"/>
-              </p14:xfrm>
-            </p:contentPart>
-          </mc:Choice>
-          <mc:Fallback>
-            <p:pic>
-              <p:nvPicPr>
-                <p:cNvPr id="21" name="Ink 20">
-                  <a:extLst>
-                    <a:ext uri="{FF2B5EF4-FFF2-40B4-BE49-F238E27FC236}">
-                      <a16:creationId xmlns:a16="http://schemas.microsoft.com/office/drawing/2014/main" id="{9D7A0D68-FED4-9CA6-1733-B9D6833A398F}"/>
-                    </a:ext>
-                  </a:extLst>
-                </p:cNvPr>
-                <p:cNvPicPr/>
-                <p:nvPr/>
-              </p:nvPicPr>
-              <p:blipFill>
-                <a:blip r:embed="rId13"/>
-                <a:stretch>
-                  <a:fillRect/>
-                </a:stretch>
-              </p:blipFill>
-              <p:spPr>
-                <a:xfrm>
-                  <a:off x="7360647" y="2835761"/>
-                  <a:ext cx="154080" cy="292320"/>
-                </a:xfrm>
-                <a:prstGeom prst="rect">
-                  <a:avLst/>
-                </a:prstGeom>
-              </p:spPr>
-            </p:pic>
-          </mc:Fallback>
-        </mc:AlternateContent>
-        <mc:AlternateContent xmlns:mc="http://schemas.openxmlformats.org/markup-compatibility/2006">
-          <mc:Choice xmlns:p14="http://schemas.microsoft.com/office/powerpoint/2010/main" Requires="p14">
-            <p:contentPart p14:bwMode="auto" r:id="rId14">
-              <p14:nvContentPartPr>
-                <p14:cNvPr id="22" name="Ink 21">
-                  <a:extLst>
-                    <a:ext uri="{FF2B5EF4-FFF2-40B4-BE49-F238E27FC236}">
-                      <a16:creationId xmlns:a16="http://schemas.microsoft.com/office/drawing/2014/main" id="{760A48BB-466A-210F-A609-1E311BEDE1B2}"/>
-                    </a:ext>
-                  </a:extLst>
-                </p14:cNvPr>
-                <p14:cNvContentPartPr/>
-                <p14:nvPr/>
-              </p14:nvContentPartPr>
-              <p14:xfrm>
-                <a:off x="7560087" y="2934401"/>
-                <a:ext cx="301680" cy="116280"/>
-              </p14:xfrm>
-            </p:contentPart>
-          </mc:Choice>
-          <mc:Fallback>
-            <p:pic>
-              <p:nvPicPr>
-                <p:cNvPr id="22" name="Ink 21">
-                  <a:extLst>
-                    <a:ext uri="{FF2B5EF4-FFF2-40B4-BE49-F238E27FC236}">
-                      <a16:creationId xmlns:a16="http://schemas.microsoft.com/office/drawing/2014/main" id="{760A48BB-466A-210F-A609-1E311BEDE1B2}"/>
-                    </a:ext>
-                  </a:extLst>
-                </p:cNvPr>
-                <p:cNvPicPr/>
-                <p:nvPr/>
-              </p:nvPicPr>
-              <p:blipFill>
-                <a:blip r:embed="rId15"/>
-                <a:stretch>
-                  <a:fillRect/>
-                </a:stretch>
-              </p:blipFill>
-              <p:spPr>
-                <a:xfrm>
-                  <a:off x="7551087" y="2925401"/>
-                  <a:ext cx="319320" cy="133920"/>
-                </a:xfrm>
-                <a:prstGeom prst="rect">
-                  <a:avLst/>
-                </a:prstGeom>
-              </p:spPr>
-            </p:pic>
-          </mc:Fallback>
-        </mc:AlternateContent>
-        <mc:AlternateContent xmlns:mc="http://schemas.openxmlformats.org/markup-compatibility/2006">
-          <mc:Choice xmlns:p14="http://schemas.microsoft.com/office/powerpoint/2010/main" Requires="p14">
-            <p:contentPart p14:bwMode="auto" r:id="rId16">
-              <p14:nvContentPartPr>
-                <p14:cNvPr id="23" name="Ink 22">
-                  <a:extLst>
-                    <a:ext uri="{FF2B5EF4-FFF2-40B4-BE49-F238E27FC236}">
-                      <a16:creationId xmlns:a16="http://schemas.microsoft.com/office/drawing/2014/main" id="{39EA32CF-3051-B523-47EE-56BC0F9C9903}"/>
-                    </a:ext>
-                  </a:extLst>
-                </p14:cNvPr>
-                <p14:cNvContentPartPr/>
-                <p14:nvPr/>
-              </p14:nvContentPartPr>
-              <p14:xfrm>
-                <a:off x="7959327" y="2894441"/>
-                <a:ext cx="68400" cy="137520"/>
-              </p14:xfrm>
-            </p:contentPart>
-          </mc:Choice>
-          <mc:Fallback>
-            <p:pic>
-              <p:nvPicPr>
-                <p:cNvPr id="23" name="Ink 22">
-                  <a:extLst>
-                    <a:ext uri="{FF2B5EF4-FFF2-40B4-BE49-F238E27FC236}">
-                      <a16:creationId xmlns:a16="http://schemas.microsoft.com/office/drawing/2014/main" id="{39EA32CF-3051-B523-47EE-56BC0F9C9903}"/>
-                    </a:ext>
-                  </a:extLst>
-                </p:cNvPr>
-                <p:cNvPicPr/>
-                <p:nvPr/>
-              </p:nvPicPr>
-              <p:blipFill>
-                <a:blip r:embed="rId17"/>
-                <a:stretch>
-                  <a:fillRect/>
-                </a:stretch>
-              </p:blipFill>
-              <p:spPr>
-                <a:xfrm>
-                  <a:off x="7950687" y="2885801"/>
-                  <a:ext cx="86040" cy="155160"/>
-                </a:xfrm>
-                <a:prstGeom prst="rect">
-                  <a:avLst/>
-                </a:prstGeom>
-              </p:spPr>
-            </p:pic>
-          </mc:Fallback>
-        </mc:AlternateContent>
-        <mc:AlternateContent xmlns:mc="http://schemas.openxmlformats.org/markup-compatibility/2006">
-          <mc:Choice xmlns:p14="http://schemas.microsoft.com/office/powerpoint/2010/main" Requires="p14">
-            <p:contentPart p14:bwMode="auto" r:id="rId18">
-              <p14:nvContentPartPr>
-                <p14:cNvPr id="24" name="Ink 23">
-                  <a:extLst>
-                    <a:ext uri="{FF2B5EF4-FFF2-40B4-BE49-F238E27FC236}">
-                      <a16:creationId xmlns:a16="http://schemas.microsoft.com/office/drawing/2014/main" id="{8C9B5A14-6AEC-84AE-6DFD-D92067F4AFE2}"/>
-                    </a:ext>
-                  </a:extLst>
-                </p14:cNvPr>
-                <p14:cNvContentPartPr/>
-                <p14:nvPr/>
-              </p14:nvContentPartPr>
-              <p14:xfrm>
-                <a:off x="8094687" y="2883641"/>
-                <a:ext cx="200520" cy="313560"/>
-              </p14:xfrm>
-            </p:contentPart>
-          </mc:Choice>
-          <mc:Fallback>
-            <p:pic>
-              <p:nvPicPr>
-                <p:cNvPr id="24" name="Ink 23">
-                  <a:extLst>
-                    <a:ext uri="{FF2B5EF4-FFF2-40B4-BE49-F238E27FC236}">
-                      <a16:creationId xmlns:a16="http://schemas.microsoft.com/office/drawing/2014/main" id="{8C9B5A14-6AEC-84AE-6DFD-D92067F4AFE2}"/>
-                    </a:ext>
-                  </a:extLst>
-                </p:cNvPr>
-                <p:cNvPicPr/>
-                <p:nvPr/>
-              </p:nvPicPr>
-              <p:blipFill>
-                <a:blip r:embed="rId19"/>
-                <a:stretch>
-                  <a:fillRect/>
-                </a:stretch>
-              </p:blipFill>
-              <p:spPr>
-                <a:xfrm>
-                  <a:off x="8086047" y="2875001"/>
-                  <a:ext cx="218160" cy="331200"/>
-                </a:xfrm>
-                <a:prstGeom prst="rect">
-                  <a:avLst/>
-                </a:prstGeom>
-              </p:spPr>
-            </p:pic>
-          </mc:Fallback>
-        </mc:AlternateContent>
-      </p:grpSp>
-      <mc:AlternateContent xmlns:mc="http://schemas.openxmlformats.org/markup-compatibility/2006">
-        <mc:Choice xmlns:p14="http://schemas.microsoft.com/office/powerpoint/2010/main" Requires="p14">
-          <p:contentPart p14:bwMode="auto" r:id="rId20">
+      <mc:AlternateContent xmlns:mc="http://schemas.openxmlformats.org/markup-compatibility/2006" xmlns:p14="http://schemas.microsoft.com/office/powerpoint/2010/main">
+        <mc:Choice Requires="p14">
+          <p:contentPart p14:bwMode="auto" r:id="rId6">
             <p14:nvContentPartPr>
-              <p14:cNvPr id="26" name="Ink 25">
+              <p14:cNvPr id="16" name="Ink 15">
                 <a:extLst>
                   <a:ext uri="{FF2B5EF4-FFF2-40B4-BE49-F238E27FC236}">
-                    <a16:creationId xmlns:a16="http://schemas.microsoft.com/office/drawing/2014/main" id="{798EC1D5-130C-0A37-D03F-7893AAC0ECCF}"/>
+                    <a16:creationId xmlns:a16="http://schemas.microsoft.com/office/drawing/2014/main" id="{3629C30B-EE30-DBFE-80CC-1EBCDB1C5BB0}"/>
                   </a:ext>
                 </a:extLst>
               </p14:cNvPr>
@@ -5063,18 +8699,18 @@
               <p14:nvPr/>
             </p14:nvContentPartPr>
             <p14:xfrm>
-              <a:off x="2205807" y="3399881"/>
-              <a:ext cx="288720" cy="102960"/>
+              <a:off x="2454207" y="3844841"/>
+              <a:ext cx="382320" cy="140400"/>
             </p14:xfrm>
           </p:contentPart>
         </mc:Choice>
-        <mc:Fallback>
+        <mc:Fallback xmlns="">
           <p:pic>
             <p:nvPicPr>
-              <p:cNvPr id="26" name="Ink 25">
+              <p:cNvPr id="16" name="Ink 15">
                 <a:extLst>
                   <a:ext uri="{FF2B5EF4-FFF2-40B4-BE49-F238E27FC236}">
-                    <a16:creationId xmlns:a16="http://schemas.microsoft.com/office/drawing/2014/main" id="{798EC1D5-130C-0A37-D03F-7893AAC0ECCF}"/>
+                    <a16:creationId xmlns:a16="http://schemas.microsoft.com/office/drawing/2014/main" id="{3629C30B-EE30-DBFE-80CC-1EBCDB1C5BB0}"/>
                   </a:ext>
                 </a:extLst>
               </p:cNvPr>
@@ -5082,15 +8718,15 @@
               <p:nvPr/>
             </p:nvPicPr>
             <p:blipFill>
-              <a:blip r:embed="rId21"/>
+              <a:blip r:embed="rId7"/>
               <a:stretch>
                 <a:fillRect/>
               </a:stretch>
             </p:blipFill>
             <p:spPr>
               <a:xfrm>
-                <a:off x="2196807" y="3390881"/>
-                <a:ext cx="306360" cy="120600"/>
+                <a:off x="2445567" y="3835841"/>
+                <a:ext cx="399960" cy="158040"/>
               </a:xfrm>
               <a:prstGeom prst="rect">
                 <a:avLst/>
@@ -5099,14 +8735,14 @@
           </p:pic>
         </mc:Fallback>
       </mc:AlternateContent>
-      <mc:AlternateContent xmlns:mc="http://schemas.openxmlformats.org/markup-compatibility/2006">
-        <mc:Choice xmlns:p14="http://schemas.microsoft.com/office/powerpoint/2010/main" Requires="p14">
-          <p:contentPart p14:bwMode="auto" r:id="rId22">
+      <mc:AlternateContent xmlns:mc="http://schemas.openxmlformats.org/markup-compatibility/2006" xmlns:p14="http://schemas.microsoft.com/office/powerpoint/2010/main">
+        <mc:Choice Requires="p14">
+          <p:contentPart p14:bwMode="auto" r:id="rId8">
             <p14:nvContentPartPr>
-              <p14:cNvPr id="27" name="Ink 26">
+              <p14:cNvPr id="17" name="Ink 16">
                 <a:extLst>
                   <a:ext uri="{FF2B5EF4-FFF2-40B4-BE49-F238E27FC236}">
-                    <a16:creationId xmlns:a16="http://schemas.microsoft.com/office/drawing/2014/main" id="{E746DE1A-B167-5471-6489-4DC34755C413}"/>
+                    <a16:creationId xmlns:a16="http://schemas.microsoft.com/office/drawing/2014/main" id="{73C12FDB-15C4-C82F-66F9-637B784E753D}"/>
                   </a:ext>
                 </a:extLst>
               </p14:cNvPr>
@@ -5114,18 +8750,18 @@
               <p14:nvPr/>
             </p14:nvContentPartPr>
             <p14:xfrm>
-              <a:off x="2429007" y="3943481"/>
-              <a:ext cx="271080" cy="61200"/>
+              <a:off x="2677047" y="4387721"/>
+              <a:ext cx="396000" cy="159120"/>
             </p14:xfrm>
           </p:contentPart>
         </mc:Choice>
-        <mc:Fallback>
+        <mc:Fallback xmlns="">
           <p:pic>
             <p:nvPicPr>
-              <p:cNvPr id="27" name="Ink 26">
+              <p:cNvPr id="17" name="Ink 16">
                 <a:extLst>
                   <a:ext uri="{FF2B5EF4-FFF2-40B4-BE49-F238E27FC236}">
-                    <a16:creationId xmlns:a16="http://schemas.microsoft.com/office/drawing/2014/main" id="{E746DE1A-B167-5471-6489-4DC34755C413}"/>
+                    <a16:creationId xmlns:a16="http://schemas.microsoft.com/office/drawing/2014/main" id="{73C12FDB-15C4-C82F-66F9-637B784E753D}"/>
                   </a:ext>
                 </a:extLst>
               </p:cNvPr>
@@ -5133,15 +8769,15 @@
               <p:nvPr/>
             </p:nvPicPr>
             <p:blipFill>
-              <a:blip r:embed="rId23"/>
+              <a:blip r:embed="rId9"/>
               <a:stretch>
                 <a:fillRect/>
               </a:stretch>
             </p:blipFill>
             <p:spPr>
               <a:xfrm>
-                <a:off x="2420367" y="3934481"/>
-                <a:ext cx="288720" cy="78840"/>
+                <a:off x="2668407" y="4379081"/>
+                <a:ext cx="413640" cy="176760"/>
               </a:xfrm>
               <a:prstGeom prst="rect">
                 <a:avLst/>
@@ -5150,14 +8786,14 @@
           </p:pic>
         </mc:Fallback>
       </mc:AlternateContent>
-      <mc:AlternateContent xmlns:mc="http://schemas.openxmlformats.org/markup-compatibility/2006">
-        <mc:Choice xmlns:p14="http://schemas.microsoft.com/office/powerpoint/2010/main" Requires="p14">
-          <p:contentPart p14:bwMode="auto" r:id="rId24">
+      <mc:AlternateContent xmlns:mc="http://schemas.openxmlformats.org/markup-compatibility/2006" xmlns:p14="http://schemas.microsoft.com/office/powerpoint/2010/main">
+        <mc:Choice Requires="p14">
+          <p:contentPart p14:bwMode="auto" r:id="rId10">
             <p14:nvContentPartPr>
-              <p14:cNvPr id="28" name="Ink 27">
+              <p14:cNvPr id="18" name="Ink 17">
                 <a:extLst>
                   <a:ext uri="{FF2B5EF4-FFF2-40B4-BE49-F238E27FC236}">
-                    <a16:creationId xmlns:a16="http://schemas.microsoft.com/office/drawing/2014/main" id="{40281BB3-B0A3-BE73-0595-79A9CDEEF691}"/>
+                    <a16:creationId xmlns:a16="http://schemas.microsoft.com/office/drawing/2014/main" id="{6B29BF47-AF13-54DE-2FAA-B08AD2B95F5A}"/>
                   </a:ext>
                 </a:extLst>
               </p14:cNvPr>
@@ -5165,18 +8801,18 @@
               <p14:nvPr/>
             </p14:nvContentPartPr>
             <p14:xfrm>
-              <a:off x="2632047" y="4352441"/>
-              <a:ext cx="398160" cy="124560"/>
+              <a:off x="2755887" y="4840961"/>
+              <a:ext cx="389880" cy="199800"/>
             </p14:xfrm>
           </p:contentPart>
         </mc:Choice>
-        <mc:Fallback>
+        <mc:Fallback xmlns="">
           <p:pic>
             <p:nvPicPr>
-              <p:cNvPr id="28" name="Ink 27">
+              <p:cNvPr id="18" name="Ink 17">
                 <a:extLst>
                   <a:ext uri="{FF2B5EF4-FFF2-40B4-BE49-F238E27FC236}">
-                    <a16:creationId xmlns:a16="http://schemas.microsoft.com/office/drawing/2014/main" id="{40281BB3-B0A3-BE73-0595-79A9CDEEF691}"/>
+                    <a16:creationId xmlns:a16="http://schemas.microsoft.com/office/drawing/2014/main" id="{6B29BF47-AF13-54DE-2FAA-B08AD2B95F5A}"/>
                   </a:ext>
                 </a:extLst>
               </p:cNvPr>
@@ -5184,66 +8820,15 @@
               <p:nvPr/>
             </p:nvPicPr>
             <p:blipFill>
-              <a:blip r:embed="rId25"/>
+              <a:blip r:embed="rId11"/>
               <a:stretch>
                 <a:fillRect/>
               </a:stretch>
             </p:blipFill>
             <p:spPr>
               <a:xfrm>
-                <a:off x="2623407" y="4343441"/>
-                <a:ext cx="415800" cy="142200"/>
-              </a:xfrm>
-              <a:prstGeom prst="rect">
-                <a:avLst/>
-              </a:prstGeom>
-            </p:spPr>
-          </p:pic>
-        </mc:Fallback>
-      </mc:AlternateContent>
-      <mc:AlternateContent xmlns:mc="http://schemas.openxmlformats.org/markup-compatibility/2006">
-        <mc:Choice xmlns:p14="http://schemas.microsoft.com/office/powerpoint/2010/main" Requires="p14">
-          <p:contentPart p14:bwMode="auto" r:id="rId26">
-            <p14:nvContentPartPr>
-              <p14:cNvPr id="29" name="Ink 28">
-                <a:extLst>
-                  <a:ext uri="{FF2B5EF4-FFF2-40B4-BE49-F238E27FC236}">
-                    <a16:creationId xmlns:a16="http://schemas.microsoft.com/office/drawing/2014/main" id="{5B0C4AE9-D3A8-CBA9-0BAA-AEA6D56D185B}"/>
-                  </a:ext>
-                </a:extLst>
-              </p14:cNvPr>
-              <p14:cNvContentPartPr/>
-              <p14:nvPr/>
-            </p14:nvContentPartPr>
-            <p14:xfrm>
-              <a:off x="2773887" y="4987121"/>
-              <a:ext cx="329040" cy="107280"/>
-            </p14:xfrm>
-          </p:contentPart>
-        </mc:Choice>
-        <mc:Fallback>
-          <p:pic>
-            <p:nvPicPr>
-              <p:cNvPr id="29" name="Ink 28">
-                <a:extLst>
-                  <a:ext uri="{FF2B5EF4-FFF2-40B4-BE49-F238E27FC236}">
-                    <a16:creationId xmlns:a16="http://schemas.microsoft.com/office/drawing/2014/main" id="{5B0C4AE9-D3A8-CBA9-0BAA-AEA6D56D185B}"/>
-                  </a:ext>
-                </a:extLst>
-              </p:cNvPr>
-              <p:cNvPicPr/>
-              <p:nvPr/>
-            </p:nvPicPr>
-            <p:blipFill>
-              <a:blip r:embed="rId27"/>
-              <a:stretch>
-                <a:fillRect/>
-              </a:stretch>
-            </p:blipFill>
-            <p:spPr>
-              <a:xfrm>
-                <a:off x="2765247" y="4978481"/>
-                <a:ext cx="346680" cy="124920"/>
+                <a:off x="2747247" y="4832321"/>
+                <a:ext cx="407520" cy="217440"/>
               </a:xfrm>
               <a:prstGeom prst="rect">
                 <a:avLst/>
@@ -5256,6 +8841,592 @@
     <p:extLst>
       <p:ext uri="{BB962C8B-B14F-4D97-AF65-F5344CB8AC3E}">
         <p14:creationId xmlns:p14="http://schemas.microsoft.com/office/powerpoint/2010/main" val="3655610724"/>
+      </p:ext>
+    </p:extLst>
+  </p:cSld>
+  <p:clrMapOvr>
+    <a:masterClrMapping/>
+  </p:clrMapOvr>
+</p:sld>
+</file>
+
+<file path=ppt/slides/slide20.xml><?xml version="1.0" encoding="utf-8"?>
+<p:sld xmlns:a="http://schemas.openxmlformats.org/drawingml/2006/main" xmlns:r="http://schemas.openxmlformats.org/officeDocument/2006/relationships" xmlns:p="http://schemas.openxmlformats.org/presentationml/2006/main">
+  <p:cSld>
+    <p:spTree>
+      <p:nvGrpSpPr>
+        <p:cNvPr id="1" name=""/>
+        <p:cNvGrpSpPr/>
+        <p:nvPr/>
+      </p:nvGrpSpPr>
+      <p:grpSpPr>
+        <a:xfrm>
+          <a:off x="0" y="0"/>
+          <a:ext cx="0" cy="0"/>
+          <a:chOff x="0" y="0"/>
+          <a:chExt cx="0" cy="0"/>
+        </a:xfrm>
+      </p:grpSpPr>
+      <p:sp>
+        <p:nvSpPr>
+          <p:cNvPr id="2" name="Title 1">
+            <a:extLst>
+              <a:ext uri="{FF2B5EF4-FFF2-40B4-BE49-F238E27FC236}">
+                <a16:creationId xmlns:a16="http://schemas.microsoft.com/office/drawing/2014/main" id="{1B20CB0D-2B32-8BA6-CBB2-76B573E3E0C4}"/>
+              </a:ext>
+            </a:extLst>
+          </p:cNvPr>
+          <p:cNvSpPr>
+            <a:spLocks noGrp="1"/>
+          </p:cNvSpPr>
+          <p:nvPr>
+            <p:ph type="title"/>
+          </p:nvPr>
+        </p:nvSpPr>
+        <p:spPr/>
+        <p:txBody>
+          <a:bodyPr/>
+          <a:lstStyle/>
+          <a:p>
+            <a:r>
+              <a:rPr lang="en-US" dirty="0"/>
+              <a:t>Azure Files</a:t>
+            </a:r>
+            <a:endParaRPr lang="en-IN" dirty="0"/>
+          </a:p>
+        </p:txBody>
+      </p:sp>
+      <p:sp>
+        <p:nvSpPr>
+          <p:cNvPr id="3" name="Content Placeholder 2">
+            <a:extLst>
+              <a:ext uri="{FF2B5EF4-FFF2-40B4-BE49-F238E27FC236}">
+                <a16:creationId xmlns:a16="http://schemas.microsoft.com/office/drawing/2014/main" id="{F7D0211F-17E0-4DD3-8B88-C3348830ACED}"/>
+              </a:ext>
+            </a:extLst>
+          </p:cNvPr>
+          <p:cNvSpPr>
+            <a:spLocks noGrp="1"/>
+          </p:cNvSpPr>
+          <p:nvPr>
+            <p:ph idx="1"/>
+          </p:nvPr>
+        </p:nvSpPr>
+        <p:spPr/>
+        <p:txBody>
+          <a:bodyPr/>
+          <a:lstStyle/>
+          <a:p>
+            <a:r>
+              <a:rPr lang="en-US" dirty="0"/>
+              <a:t>Files shares offer shared storage for application using the industry standard SMB protocol</a:t>
+            </a:r>
+            <a:endParaRPr lang="en-IN" dirty="0"/>
+          </a:p>
+        </p:txBody>
+      </p:sp>
+    </p:spTree>
+    <p:extLst>
+      <p:ext uri="{BB962C8B-B14F-4D97-AF65-F5344CB8AC3E}">
+        <p14:creationId xmlns:p14="http://schemas.microsoft.com/office/powerpoint/2010/main" val="2350448501"/>
+      </p:ext>
+    </p:extLst>
+  </p:cSld>
+  <p:clrMapOvr>
+    <a:masterClrMapping/>
+  </p:clrMapOvr>
+</p:sld>
+</file>
+
+<file path=ppt/slides/slide21.xml><?xml version="1.0" encoding="utf-8"?>
+<p:sld xmlns:a="http://schemas.openxmlformats.org/drawingml/2006/main" xmlns:r="http://schemas.openxmlformats.org/officeDocument/2006/relationships" xmlns:p="http://schemas.openxmlformats.org/presentationml/2006/main">
+  <p:cSld>
+    <p:spTree>
+      <p:nvGrpSpPr>
+        <p:cNvPr id="1" name=""/>
+        <p:cNvGrpSpPr/>
+        <p:nvPr/>
+      </p:nvGrpSpPr>
+      <p:grpSpPr>
+        <a:xfrm>
+          <a:off x="0" y="0"/>
+          <a:ext cx="0" cy="0"/>
+          <a:chOff x="0" y="0"/>
+          <a:chExt cx="0" cy="0"/>
+        </a:xfrm>
+      </p:grpSpPr>
+      <p:sp>
+        <p:nvSpPr>
+          <p:cNvPr id="2" name="Title 1">
+            <a:extLst>
+              <a:ext uri="{FF2B5EF4-FFF2-40B4-BE49-F238E27FC236}">
+                <a16:creationId xmlns:a16="http://schemas.microsoft.com/office/drawing/2014/main" id="{CAABF184-0399-597C-3E17-D756548A75BF}"/>
+              </a:ext>
+            </a:extLst>
+          </p:cNvPr>
+          <p:cNvSpPr>
+            <a:spLocks noGrp="1"/>
+          </p:cNvSpPr>
+          <p:nvPr>
+            <p:ph type="title"/>
+          </p:nvPr>
+        </p:nvSpPr>
+        <p:spPr/>
+        <p:txBody>
+          <a:bodyPr/>
+          <a:lstStyle/>
+          <a:p>
+            <a:r>
+              <a:rPr lang="en-US" dirty="0"/>
+              <a:t>Common Use cases</a:t>
+            </a:r>
+            <a:endParaRPr lang="en-IN" dirty="0"/>
+          </a:p>
+        </p:txBody>
+      </p:sp>
+      <p:sp>
+        <p:nvSpPr>
+          <p:cNvPr id="3" name="Content Placeholder 2">
+            <a:extLst>
+              <a:ext uri="{FF2B5EF4-FFF2-40B4-BE49-F238E27FC236}">
+                <a16:creationId xmlns:a16="http://schemas.microsoft.com/office/drawing/2014/main" id="{94B20B04-9252-864C-D82A-53BB45558E85}"/>
+              </a:ext>
+            </a:extLst>
+          </p:cNvPr>
+          <p:cNvSpPr>
+            <a:spLocks noGrp="1"/>
+          </p:cNvSpPr>
+          <p:nvPr>
+            <p:ph idx="1"/>
+          </p:nvPr>
+        </p:nvSpPr>
+        <p:spPr/>
+        <p:txBody>
+          <a:bodyPr/>
+          <a:lstStyle/>
+          <a:p>
+            <a:r>
+              <a:rPr lang="en-US" dirty="0"/>
+              <a:t>Replace and supplement</a:t>
+            </a:r>
+          </a:p>
+          <a:p>
+            <a:r>
+              <a:rPr lang="en-US" dirty="0"/>
+              <a:t>Access Anywhere</a:t>
+            </a:r>
+          </a:p>
+          <a:p>
+            <a:r>
+              <a:rPr lang="en-US" dirty="0"/>
+              <a:t>Lift and shift</a:t>
+            </a:r>
+          </a:p>
+          <a:p>
+            <a:r>
+              <a:rPr lang="en-US" dirty="0"/>
+              <a:t>Shared Applications</a:t>
+            </a:r>
+          </a:p>
+          <a:p>
+            <a:r>
+              <a:rPr lang="en-US" dirty="0"/>
+              <a:t>Diagnostic Data</a:t>
+            </a:r>
+          </a:p>
+          <a:p>
+            <a:r>
+              <a:rPr lang="en-US" dirty="0"/>
+              <a:t>Tools and utilities</a:t>
+            </a:r>
+            <a:endParaRPr lang="en-IN" dirty="0"/>
+          </a:p>
+        </p:txBody>
+      </p:sp>
+    </p:spTree>
+    <p:extLst>
+      <p:ext uri="{BB962C8B-B14F-4D97-AF65-F5344CB8AC3E}">
+        <p14:creationId xmlns:p14="http://schemas.microsoft.com/office/powerpoint/2010/main" val="3429259532"/>
+      </p:ext>
+    </p:extLst>
+  </p:cSld>
+  <p:clrMapOvr>
+    <a:masterClrMapping/>
+  </p:clrMapOvr>
+</p:sld>
+</file>
+
+<file path=ppt/slides/slide22.xml><?xml version="1.0" encoding="utf-8"?>
+<p:sld xmlns:a="http://schemas.openxmlformats.org/drawingml/2006/main" xmlns:r="http://schemas.openxmlformats.org/officeDocument/2006/relationships" xmlns:p="http://schemas.openxmlformats.org/presentationml/2006/main">
+  <p:cSld>
+    <p:spTree>
+      <p:nvGrpSpPr>
+        <p:cNvPr id="1" name=""/>
+        <p:cNvGrpSpPr/>
+        <p:nvPr/>
+      </p:nvGrpSpPr>
+      <p:grpSpPr>
+        <a:xfrm>
+          <a:off x="0" y="0"/>
+          <a:ext cx="0" cy="0"/>
+          <a:chOff x="0" y="0"/>
+          <a:chExt cx="0" cy="0"/>
+        </a:xfrm>
+      </p:grpSpPr>
+      <p:sp>
+        <p:nvSpPr>
+          <p:cNvPr id="2" name="Title 1">
+            <a:extLst>
+              <a:ext uri="{FF2B5EF4-FFF2-40B4-BE49-F238E27FC236}">
+                <a16:creationId xmlns:a16="http://schemas.microsoft.com/office/drawing/2014/main" id="{D33F9D0B-5254-43BB-6AD9-52F89C42E93A}"/>
+              </a:ext>
+            </a:extLst>
+          </p:cNvPr>
+          <p:cNvSpPr>
+            <a:spLocks noGrp="1"/>
+          </p:cNvSpPr>
+          <p:nvPr>
+            <p:ph type="title"/>
+          </p:nvPr>
+        </p:nvSpPr>
+        <p:spPr/>
+        <p:txBody>
+          <a:bodyPr/>
+          <a:lstStyle/>
+          <a:p>
+            <a:r>
+              <a:rPr lang="en-US" dirty="0"/>
+              <a:t>Files vs Blobs</a:t>
+            </a:r>
+            <a:endParaRPr lang="en-IN" dirty="0"/>
+          </a:p>
+        </p:txBody>
+      </p:sp>
+      <p:sp>
+        <p:nvSpPr>
+          <p:cNvPr id="3" name="Content Placeholder 2">
+            <a:extLst>
+              <a:ext uri="{FF2B5EF4-FFF2-40B4-BE49-F238E27FC236}">
+                <a16:creationId xmlns:a16="http://schemas.microsoft.com/office/drawing/2014/main" id="{8FEDC280-3008-5380-4568-F1A9A7C57867}"/>
+              </a:ext>
+            </a:extLst>
+          </p:cNvPr>
+          <p:cNvSpPr>
+            <a:spLocks noGrp="1"/>
+          </p:cNvSpPr>
+          <p:nvPr>
+            <p:ph idx="1"/>
+          </p:nvPr>
+        </p:nvSpPr>
+        <p:spPr/>
+        <p:txBody>
+          <a:bodyPr/>
+          <a:lstStyle/>
+          <a:p>
+            <a:r>
+              <a:rPr lang="en-US" dirty="0"/>
+              <a:t>Azure files are true directory objects. Azure blobs are a flat namespace</a:t>
+            </a:r>
+          </a:p>
+          <a:p>
+            <a:r>
+              <a:rPr lang="en-US" dirty="0"/>
+              <a:t>Azure files are accessed through file shares. Azure blobs are accessed through a container</a:t>
+            </a:r>
+          </a:p>
+          <a:p>
+            <a:r>
+              <a:rPr lang="en-US" dirty="0"/>
+              <a:t>Azure files provide shared access across multiple virtual machines.</a:t>
+            </a:r>
+            <a:endParaRPr lang="en-IN" dirty="0"/>
+          </a:p>
+        </p:txBody>
+      </p:sp>
+    </p:spTree>
+    <p:extLst>
+      <p:ext uri="{BB962C8B-B14F-4D97-AF65-F5344CB8AC3E}">
+        <p14:creationId xmlns:p14="http://schemas.microsoft.com/office/powerpoint/2010/main" val="630339739"/>
+      </p:ext>
+    </p:extLst>
+  </p:cSld>
+  <p:clrMapOvr>
+    <a:masterClrMapping/>
+  </p:clrMapOvr>
+</p:sld>
+</file>
+
+<file path=ppt/slides/slide23.xml><?xml version="1.0" encoding="utf-8"?>
+<p:sld xmlns:a="http://schemas.openxmlformats.org/drawingml/2006/main" xmlns:r="http://schemas.openxmlformats.org/officeDocument/2006/relationships" xmlns:p="http://schemas.openxmlformats.org/presentationml/2006/main">
+  <p:cSld>
+    <p:spTree>
+      <p:nvGrpSpPr>
+        <p:cNvPr id="1" name=""/>
+        <p:cNvGrpSpPr/>
+        <p:nvPr/>
+      </p:nvGrpSpPr>
+      <p:grpSpPr>
+        <a:xfrm>
+          <a:off x="0" y="0"/>
+          <a:ext cx="0" cy="0"/>
+          <a:chOff x="0" y="0"/>
+          <a:chExt cx="0" cy="0"/>
+        </a:xfrm>
+      </p:grpSpPr>
+      <p:sp>
+        <p:nvSpPr>
+          <p:cNvPr id="2" name="Title 1">
+            <a:extLst>
+              <a:ext uri="{FF2B5EF4-FFF2-40B4-BE49-F238E27FC236}">
+                <a16:creationId xmlns:a16="http://schemas.microsoft.com/office/drawing/2014/main" id="{33C02C27-F57F-1021-B39B-A75BB0D81EA1}"/>
+              </a:ext>
+            </a:extLst>
+          </p:cNvPr>
+          <p:cNvSpPr>
+            <a:spLocks noGrp="1"/>
+          </p:cNvSpPr>
+          <p:nvPr>
+            <p:ph type="title"/>
+          </p:nvPr>
+        </p:nvSpPr>
+        <p:spPr/>
+        <p:txBody>
+          <a:bodyPr/>
+          <a:lstStyle/>
+          <a:p>
+            <a:r>
+              <a:rPr lang="en-US" dirty="0"/>
+              <a:t>Creating File Shares</a:t>
+            </a:r>
+            <a:endParaRPr lang="en-IN" dirty="0"/>
+          </a:p>
+        </p:txBody>
+      </p:sp>
+      <p:sp>
+        <p:nvSpPr>
+          <p:cNvPr id="3" name="Content Placeholder 2">
+            <a:extLst>
+              <a:ext uri="{FF2B5EF4-FFF2-40B4-BE49-F238E27FC236}">
+                <a16:creationId xmlns:a16="http://schemas.microsoft.com/office/drawing/2014/main" id="{398565AF-B2DB-4A13-4F19-0842DDFB331F}"/>
+              </a:ext>
+            </a:extLst>
+          </p:cNvPr>
+          <p:cNvSpPr>
+            <a:spLocks noGrp="1"/>
+          </p:cNvSpPr>
+          <p:nvPr>
+            <p:ph idx="1"/>
+          </p:nvPr>
+        </p:nvSpPr>
+        <p:spPr/>
+        <p:txBody>
+          <a:bodyPr/>
+          <a:lstStyle/>
+          <a:p>
+            <a:endParaRPr lang="en-IN"/>
+          </a:p>
+        </p:txBody>
+      </p:sp>
+    </p:spTree>
+    <p:extLst>
+      <p:ext uri="{BB962C8B-B14F-4D97-AF65-F5344CB8AC3E}">
+        <p14:creationId xmlns:p14="http://schemas.microsoft.com/office/powerpoint/2010/main" val="3770764273"/>
+      </p:ext>
+    </p:extLst>
+  </p:cSld>
+  <p:clrMapOvr>
+    <a:masterClrMapping/>
+  </p:clrMapOvr>
+</p:sld>
+</file>
+
+<file path=ppt/slides/slide24.xml><?xml version="1.0" encoding="utf-8"?>
+<p:sld xmlns:a="http://schemas.openxmlformats.org/drawingml/2006/main" xmlns:r="http://schemas.openxmlformats.org/officeDocument/2006/relationships" xmlns:p="http://schemas.openxmlformats.org/presentationml/2006/main">
+  <p:cSld>
+    <p:spTree>
+      <p:nvGrpSpPr>
+        <p:cNvPr id="1" name=""/>
+        <p:cNvGrpSpPr/>
+        <p:nvPr/>
+      </p:nvGrpSpPr>
+      <p:grpSpPr>
+        <a:xfrm>
+          <a:off x="0" y="0"/>
+          <a:ext cx="0" cy="0"/>
+          <a:chOff x="0" y="0"/>
+          <a:chExt cx="0" cy="0"/>
+        </a:xfrm>
+      </p:grpSpPr>
+      <p:sp>
+        <p:nvSpPr>
+          <p:cNvPr id="2" name="Title 1">
+            <a:extLst>
+              <a:ext uri="{FF2B5EF4-FFF2-40B4-BE49-F238E27FC236}">
+                <a16:creationId xmlns:a16="http://schemas.microsoft.com/office/drawing/2014/main" id="{F856A893-3D02-F45B-00D3-714270C2DA61}"/>
+              </a:ext>
+            </a:extLst>
+          </p:cNvPr>
+          <p:cNvSpPr>
+            <a:spLocks noGrp="1"/>
+          </p:cNvSpPr>
+          <p:nvPr>
+            <p:ph type="ctrTitle"/>
+          </p:nvPr>
+        </p:nvSpPr>
+        <p:spPr/>
+        <p:txBody>
+          <a:bodyPr/>
+          <a:lstStyle/>
+          <a:p>
+            <a:r>
+              <a:rPr lang="en-US" dirty="0"/>
+              <a:t>Storage Security</a:t>
+            </a:r>
+            <a:endParaRPr lang="en-IN" dirty="0"/>
+          </a:p>
+        </p:txBody>
+      </p:sp>
+      <p:sp>
+        <p:nvSpPr>
+          <p:cNvPr id="3" name="Subtitle 2">
+            <a:extLst>
+              <a:ext uri="{FF2B5EF4-FFF2-40B4-BE49-F238E27FC236}">
+                <a16:creationId xmlns:a16="http://schemas.microsoft.com/office/drawing/2014/main" id="{E9A2A063-2059-5CFC-AE5B-B889D80E8BF3}"/>
+              </a:ext>
+            </a:extLst>
+          </p:cNvPr>
+          <p:cNvSpPr>
+            <a:spLocks noGrp="1"/>
+          </p:cNvSpPr>
+          <p:nvPr>
+            <p:ph type="subTitle" idx="1"/>
+          </p:nvPr>
+        </p:nvSpPr>
+        <p:spPr/>
+        <p:txBody>
+          <a:bodyPr/>
+          <a:lstStyle/>
+          <a:p>
+            <a:endParaRPr lang="en-IN"/>
+          </a:p>
+        </p:txBody>
+      </p:sp>
+    </p:spTree>
+    <p:extLst>
+      <p:ext uri="{BB962C8B-B14F-4D97-AF65-F5344CB8AC3E}">
+        <p14:creationId xmlns:p14="http://schemas.microsoft.com/office/powerpoint/2010/main" val="614676270"/>
+      </p:ext>
+    </p:extLst>
+  </p:cSld>
+  <p:clrMapOvr>
+    <a:masterClrMapping/>
+  </p:clrMapOvr>
+</p:sld>
+</file>
+
+<file path=ppt/slides/slide25.xml><?xml version="1.0" encoding="utf-8"?>
+<p:sld xmlns:a="http://schemas.openxmlformats.org/drawingml/2006/main" xmlns:r="http://schemas.openxmlformats.org/officeDocument/2006/relationships" xmlns:p="http://schemas.openxmlformats.org/presentationml/2006/main">
+  <p:cSld>
+    <p:spTree>
+      <p:nvGrpSpPr>
+        <p:cNvPr id="1" name=""/>
+        <p:cNvGrpSpPr/>
+        <p:nvPr/>
+      </p:nvGrpSpPr>
+      <p:grpSpPr>
+        <a:xfrm>
+          <a:off x="0" y="0"/>
+          <a:ext cx="0" cy="0"/>
+          <a:chOff x="0" y="0"/>
+          <a:chExt cx="0" cy="0"/>
+        </a:xfrm>
+      </p:grpSpPr>
+      <p:sp>
+        <p:nvSpPr>
+          <p:cNvPr id="2" name="Title 1">
+            <a:extLst>
+              <a:ext uri="{FF2B5EF4-FFF2-40B4-BE49-F238E27FC236}">
+                <a16:creationId xmlns:a16="http://schemas.microsoft.com/office/drawing/2014/main" id="{270CB071-6BBE-A2A1-E2E7-76F4226CC015}"/>
+              </a:ext>
+            </a:extLst>
+          </p:cNvPr>
+          <p:cNvSpPr>
+            <a:spLocks noGrp="1"/>
+          </p:cNvSpPr>
+          <p:nvPr>
+            <p:ph type="title"/>
+          </p:nvPr>
+        </p:nvSpPr>
+        <p:spPr/>
+        <p:txBody>
+          <a:bodyPr/>
+          <a:lstStyle/>
+          <a:p>
+            <a:r>
+              <a:rPr lang="en-US" dirty="0"/>
+              <a:t>Storage Security</a:t>
+            </a:r>
+            <a:endParaRPr lang="en-IN" dirty="0"/>
+          </a:p>
+        </p:txBody>
+      </p:sp>
+      <p:sp>
+        <p:nvSpPr>
+          <p:cNvPr id="3" name="Content Placeholder 2">
+            <a:extLst>
+              <a:ext uri="{FF2B5EF4-FFF2-40B4-BE49-F238E27FC236}">
+                <a16:creationId xmlns:a16="http://schemas.microsoft.com/office/drawing/2014/main" id="{4C0CC951-7555-F3DE-6379-0AB54AD5D1D1}"/>
+              </a:ext>
+            </a:extLst>
+          </p:cNvPr>
+          <p:cNvSpPr>
+            <a:spLocks noGrp="1"/>
+          </p:cNvSpPr>
+          <p:nvPr>
+            <p:ph idx="1"/>
+          </p:nvPr>
+        </p:nvSpPr>
+        <p:spPr/>
+        <p:txBody>
+          <a:bodyPr/>
+          <a:lstStyle/>
+          <a:p>
+            <a:r>
+              <a:rPr lang="en-US" dirty="0"/>
+              <a:t>Encryption</a:t>
+            </a:r>
+          </a:p>
+          <a:p>
+            <a:r>
+              <a:rPr lang="en-US" dirty="0"/>
+              <a:t>Authentication – Azure Active Directory and Role-Based Access Control</a:t>
+            </a:r>
+          </a:p>
+          <a:p>
+            <a:r>
+              <a:rPr lang="en-US" dirty="0"/>
+              <a:t>Data in transit – HTTPS and SMB</a:t>
+            </a:r>
+          </a:p>
+          <a:p>
+            <a:r>
+              <a:rPr lang="en-US" dirty="0"/>
+              <a:t>Disk Encryption</a:t>
+            </a:r>
+          </a:p>
+          <a:p>
+            <a:r>
+              <a:rPr lang="en-US" dirty="0"/>
+              <a:t>Shared Access Signature</a:t>
+            </a:r>
+            <a:endParaRPr lang="en-IN" dirty="0"/>
+          </a:p>
+        </p:txBody>
+      </p:sp>
+    </p:spTree>
+    <p:extLst>
+      <p:ext uri="{BB962C8B-B14F-4D97-AF65-F5344CB8AC3E}">
+        <p14:creationId xmlns:p14="http://schemas.microsoft.com/office/powerpoint/2010/main" val="957155437"/>
       </p:ext>
     </p:extLst>
   </p:cSld>
